--- a/Docs/TICKECTING TOOL - FINAL.pptx
+++ b/Docs/TICKECTING TOOL - FINAL.pptx
@@ -25,19 +25,18 @@
     <p:sldId id="278" r:id="rId19"/>
     <p:sldId id="279" r:id="rId20"/>
     <p:sldId id="280" r:id="rId21"/>
-    <p:sldId id="262" r:id="rId22"/>
-    <p:sldId id="263" r:id="rId23"/>
-    <p:sldId id="264" r:id="rId24"/>
-    <p:sldId id="288" r:id="rId25"/>
-    <p:sldId id="281" r:id="rId26"/>
-    <p:sldId id="282" r:id="rId27"/>
-    <p:sldId id="283" r:id="rId28"/>
-    <p:sldId id="284" r:id="rId29"/>
-    <p:sldId id="265" r:id="rId30"/>
-    <p:sldId id="266" r:id="rId31"/>
-    <p:sldId id="286" r:id="rId32"/>
-    <p:sldId id="285" r:id="rId33"/>
-    <p:sldId id="287" r:id="rId34"/>
+    <p:sldId id="285" r:id="rId22"/>
+    <p:sldId id="266" r:id="rId23"/>
+    <p:sldId id="286" r:id="rId24"/>
+    <p:sldId id="287" r:id="rId25"/>
+    <p:sldId id="262" r:id="rId26"/>
+    <p:sldId id="263" r:id="rId27"/>
+    <p:sldId id="264" r:id="rId28"/>
+    <p:sldId id="288" r:id="rId29"/>
+    <p:sldId id="281" r:id="rId30"/>
+    <p:sldId id="282" r:id="rId31"/>
+    <p:sldId id="283" r:id="rId32"/>
+    <p:sldId id="284" r:id="rId33"/>
   </p:sldIdLst>
   <p:sldSz cx="12192000" cy="6858000"/>
   <p:notesSz cx="6858000" cy="9144000"/>
@@ -142,6 +141,257 @@
     </p:ext>
   </p:extLst>
 </p:presentation>
+</file>
+
+<file path=ppt/revisionInfo.xml><?xml version="1.0" encoding="utf-8"?>
+<p1510:revInfo xmlns:a="http://schemas.openxmlformats.org/drawingml/2006/main" xmlns:r="http://schemas.openxmlformats.org/officeDocument/2006/relationships" xmlns:p1510="http://schemas.microsoft.com/office/powerpoint/2015/10/main">
+  <p1510:revLst>
+    <p1510:client id="{3E7A0B3A-6AA3-404A-80FD-4B9C382BDBAD}" v="7" dt="2022-12-05T17:42:36.987"/>
+  </p1510:revLst>
+</p1510:revInfo>
+</file>
+
+<file path=ppt/changesInfos/changesInfo1.xml><?xml version="1.0" encoding="utf-8"?>
+<pc:chgInfo xmlns:a="http://schemas.openxmlformats.org/drawingml/2006/main" xmlns:r="http://schemas.openxmlformats.org/officeDocument/2006/relationships" xmlns:ac="http://schemas.microsoft.com/office/drawing/2013/main/command" xmlns:pc="http://schemas.microsoft.com/office/powerpoint/2013/main/command">
+  <pc:docChgLst>
+    <pc:chgData name="Jashwanth Yarrarapu" userId="b3ff432d20d323d4" providerId="LiveId" clId="{3E7A0B3A-6AA3-404A-80FD-4B9C382BDBAD}"/>
+    <pc:docChg chg="undo custSel modSld sldOrd">
+      <pc:chgData name="Jashwanth Yarrarapu" userId="b3ff432d20d323d4" providerId="LiveId" clId="{3E7A0B3A-6AA3-404A-80FD-4B9C382BDBAD}" dt="2022-12-05T19:08:24.451" v="236" actId="20577"/>
+      <pc:docMkLst>
+        <pc:docMk/>
+      </pc:docMkLst>
+      <pc:sldChg chg="modSp mod">
+        <pc:chgData name="Jashwanth Yarrarapu" userId="b3ff432d20d323d4" providerId="LiveId" clId="{3E7A0B3A-6AA3-404A-80FD-4B9C382BDBAD}" dt="2022-12-05T18:38:23.810" v="170" actId="20577"/>
+        <pc:sldMkLst>
+          <pc:docMk/>
+          <pc:sldMk cId="3290298617" sldId="257"/>
+        </pc:sldMkLst>
+        <pc:spChg chg="mod">
+          <ac:chgData name="Jashwanth Yarrarapu" userId="b3ff432d20d323d4" providerId="LiveId" clId="{3E7A0B3A-6AA3-404A-80FD-4B9C382BDBAD}" dt="2022-12-05T18:38:23.810" v="170" actId="20577"/>
+          <ac:spMkLst>
+            <pc:docMk/>
+            <pc:sldMk cId="3290298617" sldId="257"/>
+            <ac:spMk id="2" creationId="{86913E69-31E9-47BA-A534-FB8072F69F02}"/>
+          </ac:spMkLst>
+        </pc:spChg>
+        <pc:spChg chg="mod">
+          <ac:chgData name="Jashwanth Yarrarapu" userId="b3ff432d20d323d4" providerId="LiveId" clId="{3E7A0B3A-6AA3-404A-80FD-4B9C382BDBAD}" dt="2022-12-05T18:38:08.281" v="136" actId="20577"/>
+          <ac:spMkLst>
+            <pc:docMk/>
+            <pc:sldMk cId="3290298617" sldId="257"/>
+            <ac:spMk id="3" creationId="{216835BA-B28E-491F-A027-84042747CA8A}"/>
+          </ac:spMkLst>
+        </pc:spChg>
+      </pc:sldChg>
+      <pc:sldChg chg="addSp delSp modSp mod">
+        <pc:chgData name="Jashwanth Yarrarapu" userId="b3ff432d20d323d4" providerId="LiveId" clId="{3E7A0B3A-6AA3-404A-80FD-4B9C382BDBAD}" dt="2022-12-05T17:42:01.430" v="20"/>
+        <pc:sldMkLst>
+          <pc:docMk/>
+          <pc:sldMk cId="4106739811" sldId="262"/>
+        </pc:sldMkLst>
+        <pc:picChg chg="add mod">
+          <ac:chgData name="Jashwanth Yarrarapu" userId="b3ff432d20d323d4" providerId="LiveId" clId="{3E7A0B3A-6AA3-404A-80FD-4B9C382BDBAD}" dt="2022-12-05T17:42:01.430" v="20"/>
+          <ac:picMkLst>
+            <pc:docMk/>
+            <pc:sldMk cId="4106739811" sldId="262"/>
+            <ac:picMk id="3" creationId="{AFEC9B66-8D6C-9F44-67FE-C2181F6CFFE2}"/>
+          </ac:picMkLst>
+        </pc:picChg>
+        <pc:picChg chg="del">
+          <ac:chgData name="Jashwanth Yarrarapu" userId="b3ff432d20d323d4" providerId="LiveId" clId="{3E7A0B3A-6AA3-404A-80FD-4B9C382BDBAD}" dt="2022-12-05T17:42:00.376" v="19" actId="478"/>
+          <ac:picMkLst>
+            <pc:docMk/>
+            <pc:sldMk cId="4106739811" sldId="262"/>
+            <ac:picMk id="7" creationId="{54BC0266-3F2C-2467-1B47-FD3F5637B3D2}"/>
+          </ac:picMkLst>
+        </pc:picChg>
+      </pc:sldChg>
+      <pc:sldChg chg="addSp delSp modSp mod">
+        <pc:chgData name="Jashwanth Yarrarapu" userId="b3ff432d20d323d4" providerId="LiveId" clId="{3E7A0B3A-6AA3-404A-80FD-4B9C382BDBAD}" dt="2022-12-05T17:42:51.096" v="27" actId="14100"/>
+        <pc:sldMkLst>
+          <pc:docMk/>
+          <pc:sldMk cId="1561182114" sldId="264"/>
+        </pc:sldMkLst>
+        <pc:spChg chg="add mod">
+          <ac:chgData name="Jashwanth Yarrarapu" userId="b3ff432d20d323d4" providerId="LiveId" clId="{3E7A0B3A-6AA3-404A-80FD-4B9C382BDBAD}" dt="2022-12-05T17:42:26.093" v="21" actId="478"/>
+          <ac:spMkLst>
+            <pc:docMk/>
+            <pc:sldMk cId="1561182114" sldId="264"/>
+            <ac:spMk id="3" creationId="{A66DBD9F-A10D-5458-5942-B08C97D8E4C6}"/>
+          </ac:spMkLst>
+        </pc:spChg>
+        <pc:picChg chg="add mod">
+          <ac:chgData name="Jashwanth Yarrarapu" userId="b3ff432d20d323d4" providerId="LiveId" clId="{3E7A0B3A-6AA3-404A-80FD-4B9C382BDBAD}" dt="2022-12-05T17:42:51.096" v="27" actId="14100"/>
+          <ac:picMkLst>
+            <pc:docMk/>
+            <pc:sldMk cId="1561182114" sldId="264"/>
+            <ac:picMk id="4" creationId="{7513005A-01E3-0E56-688E-DB46341F2DAF}"/>
+          </ac:picMkLst>
+        </pc:picChg>
+        <pc:picChg chg="del">
+          <ac:chgData name="Jashwanth Yarrarapu" userId="b3ff432d20d323d4" providerId="LiveId" clId="{3E7A0B3A-6AA3-404A-80FD-4B9C382BDBAD}" dt="2022-12-05T17:42:26.093" v="21" actId="478"/>
+          <ac:picMkLst>
+            <pc:docMk/>
+            <pc:sldMk cId="1561182114" sldId="264"/>
+            <ac:picMk id="5" creationId="{BBF192DB-B2B1-449C-B355-BD6CD3D6E9A1}"/>
+          </ac:picMkLst>
+        </pc:picChg>
+      </pc:sldChg>
+      <pc:sldChg chg="ord">
+        <pc:chgData name="Jashwanth Yarrarapu" userId="b3ff432d20d323d4" providerId="LiveId" clId="{3E7A0B3A-6AA3-404A-80FD-4B9C382BDBAD}" dt="2022-12-05T17:44:27.489" v="33"/>
+        <pc:sldMkLst>
+          <pc:docMk/>
+          <pc:sldMk cId="495941491" sldId="266"/>
+        </pc:sldMkLst>
+      </pc:sldChg>
+      <pc:sldChg chg="addSp delSp modSp mod">
+        <pc:chgData name="Jashwanth Yarrarapu" userId="b3ff432d20d323d4" providerId="LiveId" clId="{3E7A0B3A-6AA3-404A-80FD-4B9C382BDBAD}" dt="2022-12-05T17:39:18.477" v="2" actId="1076"/>
+        <pc:sldMkLst>
+          <pc:docMk/>
+          <pc:sldMk cId="2570610942" sldId="274"/>
+        </pc:sldMkLst>
+        <pc:picChg chg="add mod">
+          <ac:chgData name="Jashwanth Yarrarapu" userId="b3ff432d20d323d4" providerId="LiveId" clId="{3E7A0B3A-6AA3-404A-80FD-4B9C382BDBAD}" dt="2022-12-05T17:39:18.477" v="2" actId="1076"/>
+          <ac:picMkLst>
+            <pc:docMk/>
+            <pc:sldMk cId="2570610942" sldId="274"/>
+            <ac:picMk id="4" creationId="{1FE7B47B-45CA-BE27-40B3-9C48CDB0A71E}"/>
+          </ac:picMkLst>
+        </pc:picChg>
+        <pc:picChg chg="del">
+          <ac:chgData name="Jashwanth Yarrarapu" userId="b3ff432d20d323d4" providerId="LiveId" clId="{3E7A0B3A-6AA3-404A-80FD-4B9C382BDBAD}" dt="2022-12-05T17:38:54.992" v="0" actId="478"/>
+          <ac:picMkLst>
+            <pc:docMk/>
+            <pc:sldMk cId="2570610942" sldId="274"/>
+            <ac:picMk id="16" creationId="{8CE6016D-89EF-E901-0042-98D0B017BE5C}"/>
+          </ac:picMkLst>
+        </pc:picChg>
+      </pc:sldChg>
+      <pc:sldChg chg="addSp delSp modSp mod">
+        <pc:chgData name="Jashwanth Yarrarapu" userId="b3ff432d20d323d4" providerId="LiveId" clId="{3E7A0B3A-6AA3-404A-80FD-4B9C382BDBAD}" dt="2022-12-05T17:39:51.825" v="8" actId="1076"/>
+        <pc:sldMkLst>
+          <pc:docMk/>
+          <pc:sldMk cId="437126902" sldId="275"/>
+        </pc:sldMkLst>
+        <pc:picChg chg="add mod">
+          <ac:chgData name="Jashwanth Yarrarapu" userId="b3ff432d20d323d4" providerId="LiveId" clId="{3E7A0B3A-6AA3-404A-80FD-4B9C382BDBAD}" dt="2022-12-05T17:39:36.866" v="5" actId="1076"/>
+          <ac:picMkLst>
+            <pc:docMk/>
+            <pc:sldMk cId="437126902" sldId="275"/>
+            <ac:picMk id="2" creationId="{9ECED727-57C9-FE1E-7FF7-DC1EAA258E71}"/>
+          </ac:picMkLst>
+        </pc:picChg>
+        <pc:picChg chg="add mod">
+          <ac:chgData name="Jashwanth Yarrarapu" userId="b3ff432d20d323d4" providerId="LiveId" clId="{3E7A0B3A-6AA3-404A-80FD-4B9C382BDBAD}" dt="2022-12-05T17:39:51.825" v="8" actId="1076"/>
+          <ac:picMkLst>
+            <pc:docMk/>
+            <pc:sldMk cId="437126902" sldId="275"/>
+            <ac:picMk id="3" creationId="{EFE420E7-87C0-58CF-85A0-C0C73043598F}"/>
+          </ac:picMkLst>
+        </pc:picChg>
+        <pc:picChg chg="del">
+          <ac:chgData name="Jashwanth Yarrarapu" userId="b3ff432d20d323d4" providerId="LiveId" clId="{3E7A0B3A-6AA3-404A-80FD-4B9C382BDBAD}" dt="2022-12-05T17:39:32.747" v="3" actId="478"/>
+          <ac:picMkLst>
+            <pc:docMk/>
+            <pc:sldMk cId="437126902" sldId="275"/>
+            <ac:picMk id="23" creationId="{75912C1F-ECEC-146D-4696-2905BD6321EF}"/>
+          </ac:picMkLst>
+        </pc:picChg>
+        <pc:picChg chg="del">
+          <ac:chgData name="Jashwanth Yarrarapu" userId="b3ff432d20d323d4" providerId="LiveId" clId="{3E7A0B3A-6AA3-404A-80FD-4B9C382BDBAD}" dt="2022-12-05T17:39:47.770" v="6" actId="478"/>
+          <ac:picMkLst>
+            <pc:docMk/>
+            <pc:sldMk cId="437126902" sldId="275"/>
+            <ac:picMk id="24" creationId="{1BBE37C0-1ED1-3A5A-4FC8-233AD088424E}"/>
+          </ac:picMkLst>
+        </pc:picChg>
+      </pc:sldChg>
+      <pc:sldChg chg="addSp delSp modSp mod">
+        <pc:chgData name="Jashwanth Yarrarapu" userId="b3ff432d20d323d4" providerId="LiveId" clId="{3E7A0B3A-6AA3-404A-80FD-4B9C382BDBAD}" dt="2022-12-05T17:40:29.251" v="13" actId="14100"/>
+        <pc:sldMkLst>
+          <pc:docMk/>
+          <pc:sldMk cId="2078977900" sldId="276"/>
+        </pc:sldMkLst>
+        <pc:spChg chg="add mod">
+          <ac:chgData name="Jashwanth Yarrarapu" userId="b3ff432d20d323d4" providerId="LiveId" clId="{3E7A0B3A-6AA3-404A-80FD-4B9C382BDBAD}" dt="2022-12-05T17:40:20.580" v="9" actId="478"/>
+          <ac:spMkLst>
+            <pc:docMk/>
+            <pc:sldMk cId="2078977900" sldId="276"/>
+            <ac:spMk id="3" creationId="{4E8782FF-EF84-EEE1-4E0E-D9A88C92EA46}"/>
+          </ac:spMkLst>
+        </pc:spChg>
+        <pc:picChg chg="add mod">
+          <ac:chgData name="Jashwanth Yarrarapu" userId="b3ff432d20d323d4" providerId="LiveId" clId="{3E7A0B3A-6AA3-404A-80FD-4B9C382BDBAD}" dt="2022-12-05T17:40:29.251" v="13" actId="14100"/>
+          <ac:picMkLst>
+            <pc:docMk/>
+            <pc:sldMk cId="2078977900" sldId="276"/>
+            <ac:picMk id="4" creationId="{804D46F9-1BCE-5351-CAC6-75CA2FB0DAC8}"/>
+          </ac:picMkLst>
+        </pc:picChg>
+        <pc:picChg chg="del">
+          <ac:chgData name="Jashwanth Yarrarapu" userId="b3ff432d20d323d4" providerId="LiveId" clId="{3E7A0B3A-6AA3-404A-80FD-4B9C382BDBAD}" dt="2022-12-05T17:40:20.580" v="9" actId="478"/>
+          <ac:picMkLst>
+            <pc:docMk/>
+            <pc:sldMk cId="2078977900" sldId="276"/>
+            <ac:picMk id="9" creationId="{D3903BD2-75B4-4E74-E866-540EAA9AD9C1}"/>
+          </ac:picMkLst>
+        </pc:picChg>
+      </pc:sldChg>
+      <pc:sldChg chg="addSp delSp modSp mod">
+        <pc:chgData name="Jashwanth Yarrarapu" userId="b3ff432d20d323d4" providerId="LiveId" clId="{3E7A0B3A-6AA3-404A-80FD-4B9C382BDBAD}" dt="2022-12-05T17:41:18.115" v="18" actId="14100"/>
+        <pc:sldMkLst>
+          <pc:docMk/>
+          <pc:sldMk cId="2120225443" sldId="278"/>
+        </pc:sldMkLst>
+        <pc:picChg chg="add mod">
+          <ac:chgData name="Jashwanth Yarrarapu" userId="b3ff432d20d323d4" providerId="LiveId" clId="{3E7A0B3A-6AA3-404A-80FD-4B9C382BDBAD}" dt="2022-12-05T17:41:18.115" v="18" actId="14100"/>
+          <ac:picMkLst>
+            <pc:docMk/>
+            <pc:sldMk cId="2120225443" sldId="278"/>
+            <ac:picMk id="2" creationId="{06377642-4462-FFD9-A748-DE670910E69C}"/>
+          </ac:picMkLst>
+        </pc:picChg>
+        <pc:picChg chg="del">
+          <ac:chgData name="Jashwanth Yarrarapu" userId="b3ff432d20d323d4" providerId="LiveId" clId="{3E7A0B3A-6AA3-404A-80FD-4B9C382BDBAD}" dt="2022-12-05T17:40:51.542" v="14" actId="478"/>
+          <ac:picMkLst>
+            <pc:docMk/>
+            <pc:sldMk cId="2120225443" sldId="278"/>
+            <ac:picMk id="6" creationId="{25207BC4-C3D9-E55E-DBD2-557EF7AE2842}"/>
+          </ac:picMkLst>
+        </pc:picChg>
+      </pc:sldChg>
+      <pc:sldChg chg="ord">
+        <pc:chgData name="Jashwanth Yarrarapu" userId="b3ff432d20d323d4" providerId="LiveId" clId="{3E7A0B3A-6AA3-404A-80FD-4B9C382BDBAD}" dt="2022-12-05T17:43:46.978" v="29"/>
+        <pc:sldMkLst>
+          <pc:docMk/>
+          <pc:sldMk cId="1782965996" sldId="285"/>
+        </pc:sldMkLst>
+      </pc:sldChg>
+      <pc:sldChg chg="ord">
+        <pc:chgData name="Jashwanth Yarrarapu" userId="b3ff432d20d323d4" providerId="LiveId" clId="{3E7A0B3A-6AA3-404A-80FD-4B9C382BDBAD}" dt="2022-12-05T17:44:42.601" v="35"/>
+        <pc:sldMkLst>
+          <pc:docMk/>
+          <pc:sldMk cId="3502124484" sldId="286"/>
+        </pc:sldMkLst>
+      </pc:sldChg>
+      <pc:sldChg chg="modSp mod ord">
+        <pc:chgData name="Jashwanth Yarrarapu" userId="b3ff432d20d323d4" providerId="LiveId" clId="{3E7A0B3A-6AA3-404A-80FD-4B9C382BDBAD}" dt="2022-12-05T19:08:24.451" v="236" actId="20577"/>
+        <pc:sldMkLst>
+          <pc:docMk/>
+          <pc:sldMk cId="1570952681" sldId="287"/>
+        </pc:sldMkLst>
+        <pc:spChg chg="mod">
+          <ac:chgData name="Jashwanth Yarrarapu" userId="b3ff432d20d323d4" providerId="LiveId" clId="{3E7A0B3A-6AA3-404A-80FD-4B9C382BDBAD}" dt="2022-12-05T19:08:24.451" v="236" actId="20577"/>
+          <ac:spMkLst>
+            <pc:docMk/>
+            <pc:sldMk cId="1570952681" sldId="287"/>
+            <ac:spMk id="3" creationId="{5D0BE23E-84B9-93A4-F70C-B735551D8528}"/>
+          </ac:spMkLst>
+        </pc:spChg>
+      </pc:sldChg>
+    </pc:docChg>
+  </pc:docChgLst>
+</pc:chgInfo>
 </file>
 
 <file path=ppt/ink/ink1.xml><?xml version="1.0" encoding="utf-8"?>
@@ -399,7 +649,7 @@
           <a:p>
             <a:fld id="{FB7A95E5-C2EC-41F0-BC1A-D335DA715808}" type="datetimeFigureOut">
               <a:rPr lang="en-US" smtClean="0"/>
-              <a:t>11/28/2022</a:t>
+              <a:t>12/5/2022</a:t>
             </a:fld>
             <a:endParaRPr lang="en-US"/>
           </a:p>
@@ -597,7 +847,7 @@
           <a:p>
             <a:fld id="{FB7A95E5-C2EC-41F0-BC1A-D335DA715808}" type="datetimeFigureOut">
               <a:rPr lang="en-US" smtClean="0"/>
-              <a:t>11/28/2022</a:t>
+              <a:t>12/5/2022</a:t>
             </a:fld>
             <a:endParaRPr lang="en-US"/>
           </a:p>
@@ -805,7 +1055,7 @@
           <a:p>
             <a:fld id="{FB7A95E5-C2EC-41F0-BC1A-D335DA715808}" type="datetimeFigureOut">
               <a:rPr lang="en-US" smtClean="0"/>
-              <a:t>11/28/2022</a:t>
+              <a:t>12/5/2022</a:t>
             </a:fld>
             <a:endParaRPr lang="en-US"/>
           </a:p>
@@ -1003,7 +1253,7 @@
           <a:p>
             <a:fld id="{FB7A95E5-C2EC-41F0-BC1A-D335DA715808}" type="datetimeFigureOut">
               <a:rPr lang="en-US" smtClean="0"/>
-              <a:t>11/28/2022</a:t>
+              <a:t>12/5/2022</a:t>
             </a:fld>
             <a:endParaRPr lang="en-US"/>
           </a:p>
@@ -1278,7 +1528,7 @@
           <a:p>
             <a:fld id="{FB7A95E5-C2EC-41F0-BC1A-D335DA715808}" type="datetimeFigureOut">
               <a:rPr lang="en-US" smtClean="0"/>
-              <a:t>11/28/2022</a:t>
+              <a:t>12/5/2022</a:t>
             </a:fld>
             <a:endParaRPr lang="en-US"/>
           </a:p>
@@ -1543,7 +1793,7 @@
           <a:p>
             <a:fld id="{FB7A95E5-C2EC-41F0-BC1A-D335DA715808}" type="datetimeFigureOut">
               <a:rPr lang="en-US" smtClean="0"/>
-              <a:t>11/28/2022</a:t>
+              <a:t>12/5/2022</a:t>
             </a:fld>
             <a:endParaRPr lang="en-US"/>
           </a:p>
@@ -1955,7 +2205,7 @@
           <a:p>
             <a:fld id="{FB7A95E5-C2EC-41F0-BC1A-D335DA715808}" type="datetimeFigureOut">
               <a:rPr lang="en-US" smtClean="0"/>
-              <a:t>11/28/2022</a:t>
+              <a:t>12/5/2022</a:t>
             </a:fld>
             <a:endParaRPr lang="en-US"/>
           </a:p>
@@ -2096,7 +2346,7 @@
           <a:p>
             <a:fld id="{FB7A95E5-C2EC-41F0-BC1A-D335DA715808}" type="datetimeFigureOut">
               <a:rPr lang="en-US" smtClean="0"/>
-              <a:t>11/28/2022</a:t>
+              <a:t>12/5/2022</a:t>
             </a:fld>
             <a:endParaRPr lang="en-US"/>
           </a:p>
@@ -2209,7 +2459,7 @@
           <a:p>
             <a:fld id="{FB7A95E5-C2EC-41F0-BC1A-D335DA715808}" type="datetimeFigureOut">
               <a:rPr lang="en-US" smtClean="0"/>
-              <a:t>11/28/2022</a:t>
+              <a:t>12/5/2022</a:t>
             </a:fld>
             <a:endParaRPr lang="en-US"/>
           </a:p>
@@ -2520,7 +2770,7 @@
           <a:p>
             <a:fld id="{FB7A95E5-C2EC-41F0-BC1A-D335DA715808}" type="datetimeFigureOut">
               <a:rPr lang="en-US" smtClean="0"/>
-              <a:t>11/28/2022</a:t>
+              <a:t>12/5/2022</a:t>
             </a:fld>
             <a:endParaRPr lang="en-US"/>
           </a:p>
@@ -2808,7 +3058,7 @@
           <a:p>
             <a:fld id="{FB7A95E5-C2EC-41F0-BC1A-D335DA715808}" type="datetimeFigureOut">
               <a:rPr lang="en-US" smtClean="0"/>
-              <a:t>11/28/2022</a:t>
+              <a:t>12/5/2022</a:t>
             </a:fld>
             <a:endParaRPr lang="en-US"/>
           </a:p>
@@ -3049,7 +3299,7 @@
           <a:p>
             <a:fld id="{FB7A95E5-C2EC-41F0-BC1A-D335DA715808}" type="datetimeFigureOut">
               <a:rPr lang="en-US" smtClean="0"/>
-              <a:t>11/28/2022</a:t>
+              <a:t>12/5/2022</a:t>
             </a:fld>
             <a:endParaRPr lang="en-US"/>
           </a:p>
@@ -4674,10 +4924,10 @@
       </p:sp>
       <p:pic>
         <p:nvPicPr>
-          <p:cNvPr id="16" name="Picture 15">
-            <a:extLst>
-              <a:ext uri="{FF2B5EF4-FFF2-40B4-BE49-F238E27FC236}">
-                <a16:creationId xmlns:a16="http://schemas.microsoft.com/office/drawing/2014/main" id="{8CE6016D-89EF-E901-0042-98D0B017BE5C}"/>
+          <p:cNvPr id="4" name="Picture 3">
+            <a:extLst>
+              <a:ext uri="{FF2B5EF4-FFF2-40B4-BE49-F238E27FC236}">
+                <a16:creationId xmlns:a16="http://schemas.microsoft.com/office/drawing/2014/main" id="{1FE7B47B-45CA-BE27-40B3-9C48CDB0A71E}"/>
               </a:ext>
             </a:extLst>
           </p:cNvPr>
@@ -4701,8 +4951,8 @@
         </p:blipFill>
         <p:spPr bwMode="auto">
           <a:xfrm>
-            <a:off x="2687289" y="2831783"/>
-            <a:ext cx="5947410" cy="3345180"/>
+            <a:off x="2589362" y="2967355"/>
+            <a:ext cx="5943600" cy="3344545"/>
           </a:xfrm>
           <a:prstGeom prst="rect">
             <a:avLst/>
@@ -5048,10 +5298,10 @@
       </p:sp>
       <p:pic>
         <p:nvPicPr>
-          <p:cNvPr id="23" name="Picture 22">
-            <a:extLst>
-              <a:ext uri="{FF2B5EF4-FFF2-40B4-BE49-F238E27FC236}">
-                <a16:creationId xmlns:a16="http://schemas.microsoft.com/office/drawing/2014/main" id="{75912C1F-ECEC-146D-4696-2905BD6321EF}"/>
+          <p:cNvPr id="2" name="Picture 1">
+            <a:extLst>
+              <a:ext uri="{FF2B5EF4-FFF2-40B4-BE49-F238E27FC236}">
+                <a16:creationId xmlns:a16="http://schemas.microsoft.com/office/drawing/2014/main" id="{9ECED727-57C9-FE1E-7FF7-DC1EAA258E71}"/>
               </a:ext>
             </a:extLst>
           </p:cNvPr>
@@ -5061,27 +5311,38 @@
           <p:nvPr/>
         </p:nvPicPr>
         <p:blipFill>
-          <a:blip r:embed="rId7"/>
+          <a:blip r:embed="rId7" cstate="print">
+            <a:extLst>
+              <a:ext uri="{28A0092B-C50C-407E-A947-70E740481C1C}">
+                <a14:useLocalDpi xmlns:a14="http://schemas.microsoft.com/office/drawing/2010/main" val="0"/>
+              </a:ext>
+            </a:extLst>
+          </a:blip>
+          <a:srcRect/>
           <a:stretch>
             <a:fillRect/>
           </a:stretch>
         </p:blipFill>
-        <p:spPr>
+        <p:spPr bwMode="auto">
           <a:xfrm>
-            <a:off x="453894" y="3114135"/>
-            <a:ext cx="5437948" cy="3062827"/>
+            <a:off x="99981" y="2832417"/>
+            <a:ext cx="5943600" cy="3344545"/>
           </a:xfrm>
           <a:prstGeom prst="rect">
             <a:avLst/>
           </a:prstGeom>
+          <a:noFill/>
+          <a:ln>
+            <a:noFill/>
+          </a:ln>
         </p:spPr>
       </p:pic>
       <p:pic>
         <p:nvPicPr>
-          <p:cNvPr id="24" name="Picture 23">
-            <a:extLst>
-              <a:ext uri="{FF2B5EF4-FFF2-40B4-BE49-F238E27FC236}">
-                <a16:creationId xmlns:a16="http://schemas.microsoft.com/office/drawing/2014/main" id="{1BBE37C0-1ED1-3A5A-4FC8-233AD088424E}"/>
+          <p:cNvPr id="3" name="Picture 2">
+            <a:extLst>
+              <a:ext uri="{FF2B5EF4-FFF2-40B4-BE49-F238E27FC236}">
+                <a16:creationId xmlns:a16="http://schemas.microsoft.com/office/drawing/2014/main" id="{EFE420E7-87C0-58CF-85A0-C0C73043598F}"/>
               </a:ext>
             </a:extLst>
           </p:cNvPr>
@@ -5091,19 +5352,30 @@
           <p:nvPr/>
         </p:nvPicPr>
         <p:blipFill>
-          <a:blip r:embed="rId8"/>
+          <a:blip r:embed="rId8" cstate="print">
+            <a:extLst>
+              <a:ext uri="{28A0092B-C50C-407E-A947-70E740481C1C}">
+                <a14:useLocalDpi xmlns:a14="http://schemas.microsoft.com/office/drawing/2010/main" val="0"/>
+              </a:ext>
+            </a:extLst>
+          </a:blip>
+          <a:srcRect/>
           <a:stretch>
             <a:fillRect/>
           </a:stretch>
         </p:blipFill>
-        <p:spPr>
+        <p:spPr bwMode="auto">
           <a:xfrm>
-            <a:off x="6200839" y="2246023"/>
-            <a:ext cx="5354673" cy="3127154"/>
+            <a:off x="6148419" y="2246023"/>
+            <a:ext cx="5943600" cy="3344545"/>
           </a:xfrm>
           <a:prstGeom prst="rect">
             <a:avLst/>
           </a:prstGeom>
+          <a:noFill/>
+          <a:ln>
+            <a:noFill/>
+          </a:ln>
         </p:spPr>
       </p:pic>
     </p:spTree>
@@ -5170,21 +5442,37 @@
           </a:p>
         </p:txBody>
       </p:sp>
-      <p:pic>
-        <p:nvPicPr>
-          <p:cNvPr id="9" name="Picture Placeholder 8">
-            <a:extLst>
-              <a:ext uri="{FF2B5EF4-FFF2-40B4-BE49-F238E27FC236}">
-                <a16:creationId xmlns:a16="http://schemas.microsoft.com/office/drawing/2014/main" id="{D3903BD2-75B4-4E74-E866-540EAA9AD9C1}"/>
-              </a:ext>
-            </a:extLst>
-          </p:cNvPr>
-          <p:cNvPicPr>
-            <a:picLocks noGrp="1" noChangeAspect="1"/>
-          </p:cNvPicPr>
+      <p:sp>
+        <p:nvSpPr>
+          <p:cNvPr id="3" name="Picture Placeholder 2">
+            <a:extLst>
+              <a:ext uri="{FF2B5EF4-FFF2-40B4-BE49-F238E27FC236}">
+                <a16:creationId xmlns:a16="http://schemas.microsoft.com/office/drawing/2014/main" id="{4E8782FF-EF84-EEE1-4E0E-D9A88C92EA46}"/>
+              </a:ext>
+            </a:extLst>
+          </p:cNvPr>
+          <p:cNvSpPr>
+            <a:spLocks noGrp="1"/>
+          </p:cNvSpPr>
           <p:nvPr>
             <p:ph type="pic" idx="1"/>
           </p:nvPr>
+        </p:nvSpPr>
+        <p:spPr/>
+      </p:sp>
+      <p:pic>
+        <p:nvPicPr>
+          <p:cNvPr id="4" name="Picture 3">
+            <a:extLst>
+              <a:ext uri="{FF2B5EF4-FFF2-40B4-BE49-F238E27FC236}">
+                <a16:creationId xmlns:a16="http://schemas.microsoft.com/office/drawing/2014/main" id="{804D46F9-1BCE-5351-CAC6-75CA2FB0DAC8}"/>
+              </a:ext>
+            </a:extLst>
+          </p:cNvPr>
+          <p:cNvPicPr>
+            <a:picLocks noChangeAspect="1"/>
+          </p:cNvPicPr>
+          <p:nvPr/>
         </p:nvPicPr>
         <p:blipFill>
           <a:blip r:embed="rId2" cstate="print">
@@ -5194,15 +5482,15 @@
               </a:ext>
             </a:extLst>
           </a:blip>
-          <a:srcRect l="14763" r="14763"/>
+          <a:srcRect/>
           <a:stretch>
             <a:fillRect/>
           </a:stretch>
         </p:blipFill>
         <p:spPr bwMode="auto">
           <a:xfrm>
-            <a:off x="5183188" y="987425"/>
-            <a:ext cx="6172200" cy="4873625"/>
+            <a:off x="5183187" y="996950"/>
+            <a:ext cx="6272691" cy="4872038"/>
           </a:xfrm>
           <a:prstGeom prst="rect">
             <a:avLst/>
@@ -5436,10 +5724,10 @@
       </p:sp>
       <p:pic>
         <p:nvPicPr>
-          <p:cNvPr id="6" name="Picture 5">
-            <a:extLst>
-              <a:ext uri="{FF2B5EF4-FFF2-40B4-BE49-F238E27FC236}">
-                <a16:creationId xmlns:a16="http://schemas.microsoft.com/office/drawing/2014/main" id="{25207BC4-C3D9-E55E-DBD2-557EF7AE2842}"/>
+          <p:cNvPr id="2" name="Picture 1">
+            <a:extLst>
+              <a:ext uri="{FF2B5EF4-FFF2-40B4-BE49-F238E27FC236}">
+                <a16:creationId xmlns:a16="http://schemas.microsoft.com/office/drawing/2014/main" id="{06377642-4462-FFD9-A748-DE670910E69C}"/>
               </a:ext>
             </a:extLst>
           </p:cNvPr>
@@ -5456,23 +5744,18 @@
               </a:ext>
             </a:extLst>
           </a:blip>
-          <a:srcRect/>
           <a:stretch>
             <a:fillRect/>
           </a:stretch>
         </p:blipFill>
-        <p:spPr bwMode="auto">
+        <p:spPr>
           <a:xfrm>
-            <a:off x="3126105" y="1377315"/>
-            <a:ext cx="5939790" cy="4103370"/>
+            <a:off x="1352550" y="1639569"/>
+            <a:ext cx="9448799" cy="4700845"/>
           </a:xfrm>
           <a:prstGeom prst="rect">
             <a:avLst/>
           </a:prstGeom>
-          <a:noFill/>
-          <a:ln>
-            <a:noFill/>
-          </a:ln>
         </p:spPr>
       </p:pic>
     </p:spTree>
@@ -5722,7 +6005,7 @@
                 <a:latin typeface="Times New Roman" panose="02020603050405020304" pitchFamily="18" charset="0"/>
                 <a:cs typeface="Times New Roman" panose="02020603050405020304" pitchFamily="18" charset="0"/>
               </a:rPr>
-              <a:t>Glossary</a:t>
+              <a:t>Table of Contents</a:t>
             </a:r>
           </a:p>
         </p:txBody>
@@ -5814,12 +6097,6 @@
           <a:p>
             <a:r>
               <a:rPr lang="en-US" sz="3200" dirty="0"/>
-              <a:t>System Organization</a:t>
-            </a:r>
-          </a:p>
-          <a:p>
-            <a:r>
-              <a:rPr lang="en-US" sz="3200" dirty="0"/>
               <a:t>Test Cases</a:t>
             </a:r>
           </a:p>
@@ -5828,6 +6105,15 @@
               <a:rPr lang="en-US" sz="3200" dirty="0"/>
               <a:t>Summary</a:t>
             </a:r>
+          </a:p>
+          <a:p>
+            <a:r>
+              <a:rPr lang="en-US" sz="3200" dirty="0"/>
+              <a:t>Design Implementation screenshots</a:t>
+            </a:r>
+          </a:p>
+          <a:p>
+            <a:endParaRPr lang="en-US" sz="3200" dirty="0"/>
           </a:p>
           <a:p>
             <a:endParaRPr lang="en-US" dirty="0"/>
@@ -6005,7 +6291,7 @@
           <p:cNvPr id="2" name="Title 1">
             <a:extLst>
               <a:ext uri="{FF2B5EF4-FFF2-40B4-BE49-F238E27FC236}">
-                <a16:creationId xmlns:a16="http://schemas.microsoft.com/office/drawing/2014/main" id="{4FA999DE-B29D-4518-87BE-905636C1B795}"/>
+                <a16:creationId xmlns:a16="http://schemas.microsoft.com/office/drawing/2014/main" id="{BC8AC6B1-A153-58A4-9366-5EEE6CF37B8B}"/>
               </a:ext>
             </a:extLst>
           </p:cNvPr>
@@ -6016,129 +6302,1634 @@
             <p:ph type="title"/>
           </p:nvPr>
         </p:nvSpPr>
-        <p:spPr>
-          <a:xfrm>
-            <a:off x="838200" y="365125"/>
-            <a:ext cx="10515600" cy="935641"/>
-          </a:xfrm>
-        </p:spPr>
-        <p:txBody>
-          <a:bodyPr/>
-          <a:lstStyle/>
-          <a:p>
-            <a:r>
-              <a:rPr lang="en-US" b="1" u="sng" dirty="0">
-                <a:latin typeface="Times New Roman" panose="02020603050405020304" pitchFamily="18" charset="0"/>
-                <a:cs typeface="Times New Roman" panose="02020603050405020304" pitchFamily="18" charset="0"/>
-              </a:rPr>
-              <a:t>Ready Prototype System Pages</a:t>
-            </a:r>
-          </a:p>
-        </p:txBody>
-      </p:sp>
-      <p:sp>
-        <p:nvSpPr>
-          <p:cNvPr id="6" name="TextBox 5">
-            <a:extLst>
-              <a:ext uri="{FF2B5EF4-FFF2-40B4-BE49-F238E27FC236}">
-                <a16:creationId xmlns:a16="http://schemas.microsoft.com/office/drawing/2014/main" id="{B1869EF5-7C44-47F0-8AEF-015A1A9FB884}"/>
-              </a:ext>
-            </a:extLst>
-          </p:cNvPr>
-          <p:cNvSpPr txBox="1"/>
-          <p:nvPr/>
-        </p:nvSpPr>
-        <p:spPr>
-          <a:xfrm>
-            <a:off x="838200" y="6104586"/>
-            <a:ext cx="9464899" cy="523220"/>
-          </a:xfrm>
-          <a:prstGeom prst="rect">
-            <a:avLst/>
-          </a:prstGeom>
-          <a:noFill/>
-        </p:spPr>
-        <p:txBody>
-          <a:bodyPr wrap="square" rtlCol="0">
-            <a:spAutoFit/>
-          </a:bodyPr>
-          <a:lstStyle/>
-          <a:p>
-            <a:r>
-              <a:rPr lang="en-US" sz="2800" b="1" dirty="0">
-                <a:latin typeface="Times New Roman" panose="02020603050405020304" pitchFamily="18" charset="0"/>
-                <a:cs typeface="Times New Roman" panose="02020603050405020304" pitchFamily="18" charset="0"/>
-              </a:rPr>
-              <a:t>Fig 1.1: Login Page</a:t>
-            </a:r>
-          </a:p>
-        </p:txBody>
-      </p:sp>
-      <p:sp>
-        <p:nvSpPr>
-          <p:cNvPr id="4" name="Content Placeholder 3">
-            <a:extLst>
-              <a:ext uri="{FF2B5EF4-FFF2-40B4-BE49-F238E27FC236}">
-                <a16:creationId xmlns:a16="http://schemas.microsoft.com/office/drawing/2014/main" id="{2FBEA211-D357-D549-91E0-6E714AAEE64A}"/>
-              </a:ext>
-            </a:extLst>
-          </p:cNvPr>
-          <p:cNvSpPr>
-            <a:spLocks noGrp="1"/>
-          </p:cNvSpPr>
-          <p:nvPr>
-            <p:ph idx="1"/>
-          </p:nvPr>
-        </p:nvSpPr>
         <p:spPr/>
         <p:txBody>
           <a:bodyPr/>
           <a:lstStyle/>
           <a:p>
-            <a:pPr marL="0" indent="0">
-              <a:buNone/>
-            </a:pPr>
-            <a:endParaRPr lang="en-US" dirty="0"/>
-          </a:p>
-          <a:p>
-            <a:pPr marL="0" indent="0">
-              <a:buNone/>
-            </a:pPr>
+            <a:r>
+              <a:rPr lang="en-US" b="1" u="sng" dirty="0">
+                <a:latin typeface="Times New Roman" panose="02020603050405020304" pitchFamily="18" charset="0"/>
+                <a:cs typeface="Times New Roman" panose="02020603050405020304" pitchFamily="18" charset="0"/>
+              </a:rPr>
+              <a:t>Test Cases</a:t>
+            </a:r>
             <a:endParaRPr lang="en-US" dirty="0"/>
           </a:p>
         </p:txBody>
       </p:sp>
-      <p:pic>
-        <p:nvPicPr>
-          <p:cNvPr id="7" name="Picture 6">
-            <a:extLst>
-              <a:ext uri="{FF2B5EF4-FFF2-40B4-BE49-F238E27FC236}">
-                <a16:creationId xmlns:a16="http://schemas.microsoft.com/office/drawing/2014/main" id="{54BC0266-3F2C-2467-1B47-FD3F5637B3D2}"/>
-              </a:ext>
-            </a:extLst>
-          </p:cNvPr>
-          <p:cNvPicPr>
-            <a:picLocks noChangeAspect="1"/>
-          </p:cNvPicPr>
+      <p:graphicFrame>
+        <p:nvGraphicFramePr>
+          <p:cNvPr id="13" name="Content Placeholder 12">
+            <a:extLst>
+              <a:ext uri="{FF2B5EF4-FFF2-40B4-BE49-F238E27FC236}">
+                <a16:creationId xmlns:a16="http://schemas.microsoft.com/office/drawing/2014/main" id="{203B2657-B4A3-AA72-874E-301604BDA225}"/>
+              </a:ext>
+            </a:extLst>
+          </p:cNvPr>
+          <p:cNvGraphicFramePr>
+            <a:graphicFrameLocks noGrp="1"/>
+          </p:cNvGraphicFramePr>
+          <p:nvPr>
+            <p:ph idx="1"/>
+          </p:nvPr>
+        </p:nvGraphicFramePr>
+        <p:xfrm>
+          <a:off x="3029902" y="2995454"/>
+          <a:ext cx="6132195" cy="2011680"/>
+        </p:xfrm>
+        <a:graphic>
+          <a:graphicData uri="http://schemas.openxmlformats.org/drawingml/2006/table">
+            <a:tbl>
+              <a:tblPr firstRow="1" firstCol="1" bandRow="1">
+                <a:tableStyleId>{5C22544A-7EE6-4342-B048-85BDC9FD1C3A}</a:tableStyleId>
+              </a:tblPr>
+              <a:tblGrid>
+                <a:gridCol w="292735">
+                  <a:extLst>
+                    <a:ext uri="{9D8B030D-6E8A-4147-A177-3AD203B41FA5}">
+                      <a16:colId xmlns:a16="http://schemas.microsoft.com/office/drawing/2014/main" val="3883293718"/>
+                    </a:ext>
+                  </a:extLst>
+                </a:gridCol>
+                <a:gridCol w="988695">
+                  <a:extLst>
+                    <a:ext uri="{9D8B030D-6E8A-4147-A177-3AD203B41FA5}">
+                      <a16:colId xmlns:a16="http://schemas.microsoft.com/office/drawing/2014/main" val="3027552390"/>
+                    </a:ext>
+                  </a:extLst>
+                </a:gridCol>
+                <a:gridCol w="1044575">
+                  <a:extLst>
+                    <a:ext uri="{9D8B030D-6E8A-4147-A177-3AD203B41FA5}">
+                      <a16:colId xmlns:a16="http://schemas.microsoft.com/office/drawing/2014/main" val="3203736379"/>
+                    </a:ext>
+                  </a:extLst>
+                </a:gridCol>
+                <a:gridCol w="1209040">
+                  <a:extLst>
+                    <a:ext uri="{9D8B030D-6E8A-4147-A177-3AD203B41FA5}">
+                      <a16:colId xmlns:a16="http://schemas.microsoft.com/office/drawing/2014/main" val="4168781068"/>
+                    </a:ext>
+                  </a:extLst>
+                </a:gridCol>
+                <a:gridCol w="1314450">
+                  <a:extLst>
+                    <a:ext uri="{9D8B030D-6E8A-4147-A177-3AD203B41FA5}">
+                      <a16:colId xmlns:a16="http://schemas.microsoft.com/office/drawing/2014/main" val="3439389301"/>
+                    </a:ext>
+                  </a:extLst>
+                </a:gridCol>
+                <a:gridCol w="1282700">
+                  <a:extLst>
+                    <a:ext uri="{9D8B030D-6E8A-4147-A177-3AD203B41FA5}">
+                      <a16:colId xmlns:a16="http://schemas.microsoft.com/office/drawing/2014/main" val="1238204734"/>
+                    </a:ext>
+                  </a:extLst>
+                </a:gridCol>
+              </a:tblGrid>
+              <a:tr h="521970">
+                <a:tc>
+                  <a:txBody>
+                    <a:bodyPr/>
+                    <a:lstStyle/>
+                    <a:p>
+                      <a:pPr marL="0" marR="0" algn="l">
+                        <a:spcBef>
+                          <a:spcPts val="0"/>
+                        </a:spcBef>
+                        <a:spcAft>
+                          <a:spcPts val="0"/>
+                        </a:spcAft>
+                      </a:pPr>
+                      <a:r>
+                        <a:rPr lang="en-US" sz="1100">
+                          <a:effectLst/>
+                        </a:rPr>
+                        <a:t>6</a:t>
+                      </a:r>
+                      <a:endParaRPr lang="en-US" sz="1600">
+                        <a:effectLst/>
+                        <a:latin typeface="Times New Roman" panose="02020603050405020304" pitchFamily="18" charset="0"/>
+                        <a:ea typeface="Times New Roman" panose="02020603050405020304" pitchFamily="18" charset="0"/>
+                        <a:cs typeface="Times New Roman" panose="02020603050405020304" pitchFamily="18" charset="0"/>
+                      </a:endParaRPr>
+                    </a:p>
+                  </a:txBody>
+                  <a:tcPr marL="68580" marR="68580" marT="0" marB="0"/>
+                </a:tc>
+                <a:tc>
+                  <a:txBody>
+                    <a:bodyPr/>
+                    <a:lstStyle/>
+                    <a:p>
+                      <a:pPr marL="0" marR="0" algn="l">
+                        <a:spcBef>
+                          <a:spcPts val="0"/>
+                        </a:spcBef>
+                        <a:spcAft>
+                          <a:spcPts val="0"/>
+                        </a:spcAft>
+                      </a:pPr>
+                      <a:r>
+                        <a:rPr lang="en-US" sz="1100">
+                          <a:effectLst/>
+                        </a:rPr>
+                        <a:t>Managing raised ticket</a:t>
+                      </a:r>
+                      <a:endParaRPr lang="en-US" sz="1600">
+                        <a:effectLst/>
+                        <a:latin typeface="Times New Roman" panose="02020603050405020304" pitchFamily="18" charset="0"/>
+                        <a:ea typeface="Times New Roman" panose="02020603050405020304" pitchFamily="18" charset="0"/>
+                        <a:cs typeface="Times New Roman" panose="02020603050405020304" pitchFamily="18" charset="0"/>
+                      </a:endParaRPr>
+                    </a:p>
+                  </a:txBody>
+                  <a:tcPr marL="68580" marR="68580" marT="0" marB="0"/>
+                </a:tc>
+                <a:tc>
+                  <a:txBody>
+                    <a:bodyPr/>
+                    <a:lstStyle/>
+                    <a:p>
+                      <a:pPr marL="0" marR="0" algn="l">
+                        <a:spcBef>
+                          <a:spcPts val="0"/>
+                        </a:spcBef>
+                        <a:spcAft>
+                          <a:spcPts val="0"/>
+                        </a:spcAft>
+                      </a:pPr>
+                      <a:r>
+                        <a:rPr lang="en-US" sz="1100">
+                          <a:effectLst/>
+                        </a:rPr>
+                        <a:t>Admin credentials, only admin have access</a:t>
+                      </a:r>
+                      <a:endParaRPr lang="en-US" sz="1600">
+                        <a:effectLst/>
+                        <a:latin typeface="Times New Roman" panose="02020603050405020304" pitchFamily="18" charset="0"/>
+                        <a:ea typeface="Times New Roman" panose="02020603050405020304" pitchFamily="18" charset="0"/>
+                        <a:cs typeface="Times New Roman" panose="02020603050405020304" pitchFamily="18" charset="0"/>
+                      </a:endParaRPr>
+                    </a:p>
+                  </a:txBody>
+                  <a:tcPr marL="68580" marR="68580" marT="0" marB="0"/>
+                </a:tc>
+                <a:tc>
+                  <a:txBody>
+                    <a:bodyPr/>
+                    <a:lstStyle/>
+                    <a:p>
+                      <a:pPr marL="0" marR="0" algn="l">
+                        <a:spcBef>
+                          <a:spcPts val="0"/>
+                        </a:spcBef>
+                        <a:spcAft>
+                          <a:spcPts val="0"/>
+                        </a:spcAft>
+                      </a:pPr>
+                      <a:r>
+                        <a:rPr lang="en-US" sz="1100">
+                          <a:effectLst/>
+                        </a:rPr>
+                        <a:t>Solve the raised ticket</a:t>
+                      </a:r>
+                      <a:endParaRPr lang="en-US" sz="1600">
+                        <a:effectLst/>
+                        <a:latin typeface="Times New Roman" panose="02020603050405020304" pitchFamily="18" charset="0"/>
+                        <a:ea typeface="Times New Roman" panose="02020603050405020304" pitchFamily="18" charset="0"/>
+                        <a:cs typeface="Times New Roman" panose="02020603050405020304" pitchFamily="18" charset="0"/>
+                      </a:endParaRPr>
+                    </a:p>
+                  </a:txBody>
+                  <a:tcPr marL="68580" marR="68580" marT="0" marB="0"/>
+                </a:tc>
+                <a:tc>
+                  <a:txBody>
+                    <a:bodyPr/>
+                    <a:lstStyle/>
+                    <a:p>
+                      <a:pPr marL="0" marR="0" algn="l">
+                        <a:spcBef>
+                          <a:spcPts val="0"/>
+                        </a:spcBef>
+                        <a:spcAft>
+                          <a:spcPts val="0"/>
+                        </a:spcAft>
+                      </a:pPr>
+                      <a:r>
+                        <a:rPr lang="en-US" sz="1100">
+                          <a:effectLst/>
+                        </a:rPr>
+                        <a:t>To provide a solution for customers problems</a:t>
+                      </a:r>
+                      <a:endParaRPr lang="en-US" sz="1600">
+                        <a:effectLst/>
+                        <a:latin typeface="Times New Roman" panose="02020603050405020304" pitchFamily="18" charset="0"/>
+                        <a:ea typeface="Times New Roman" panose="02020603050405020304" pitchFamily="18" charset="0"/>
+                        <a:cs typeface="Times New Roman" panose="02020603050405020304" pitchFamily="18" charset="0"/>
+                      </a:endParaRPr>
+                    </a:p>
+                  </a:txBody>
+                  <a:tcPr marL="68580" marR="68580" marT="0" marB="0"/>
+                </a:tc>
+                <a:tc>
+                  <a:txBody>
+                    <a:bodyPr/>
+                    <a:lstStyle/>
+                    <a:p>
+                      <a:pPr marL="0" marR="0" algn="l">
+                        <a:spcBef>
+                          <a:spcPts val="0"/>
+                        </a:spcBef>
+                        <a:spcAft>
+                          <a:spcPts val="0"/>
+                        </a:spcAft>
+                      </a:pPr>
+                      <a:r>
+                        <a:rPr lang="en-US" sz="1100">
+                          <a:effectLst/>
+                        </a:rPr>
+                        <a:t>Pass</a:t>
+                      </a:r>
+                      <a:endParaRPr lang="en-US" sz="1600">
+                        <a:effectLst/>
+                        <a:latin typeface="Times New Roman" panose="02020603050405020304" pitchFamily="18" charset="0"/>
+                        <a:ea typeface="Times New Roman" panose="02020603050405020304" pitchFamily="18" charset="0"/>
+                        <a:cs typeface="Times New Roman" panose="02020603050405020304" pitchFamily="18" charset="0"/>
+                      </a:endParaRPr>
+                    </a:p>
+                  </a:txBody>
+                  <a:tcPr marL="68580" marR="68580" marT="0" marB="0"/>
+                </a:tc>
+                <a:extLst>
+                  <a:ext uri="{0D108BD9-81ED-4DB2-BD59-A6C34878D82A}">
+                    <a16:rowId xmlns:a16="http://schemas.microsoft.com/office/drawing/2014/main" val="1611054704"/>
+                  </a:ext>
+                </a:extLst>
+              </a:tr>
+              <a:tr h="521970">
+                <a:tc>
+                  <a:txBody>
+                    <a:bodyPr/>
+                    <a:lstStyle/>
+                    <a:p>
+                      <a:pPr marL="0" marR="0" algn="l">
+                        <a:spcBef>
+                          <a:spcPts val="0"/>
+                        </a:spcBef>
+                        <a:spcAft>
+                          <a:spcPts val="0"/>
+                        </a:spcAft>
+                      </a:pPr>
+                      <a:r>
+                        <a:rPr lang="en-US" sz="1100">
+                          <a:effectLst/>
+                        </a:rPr>
+                        <a:t>7</a:t>
+                      </a:r>
+                      <a:endParaRPr lang="en-US" sz="1600">
+                        <a:effectLst/>
+                        <a:latin typeface="Times New Roman" panose="02020603050405020304" pitchFamily="18" charset="0"/>
+                        <a:ea typeface="Times New Roman" panose="02020603050405020304" pitchFamily="18" charset="0"/>
+                        <a:cs typeface="Times New Roman" panose="02020603050405020304" pitchFamily="18" charset="0"/>
+                      </a:endParaRPr>
+                    </a:p>
+                  </a:txBody>
+                  <a:tcPr marL="68580" marR="68580" marT="0" marB="0"/>
+                </a:tc>
+                <a:tc>
+                  <a:txBody>
+                    <a:bodyPr/>
+                    <a:lstStyle/>
+                    <a:p>
+                      <a:pPr marL="0" marR="0" algn="l">
+                        <a:spcBef>
+                          <a:spcPts val="0"/>
+                        </a:spcBef>
+                        <a:spcAft>
+                          <a:spcPts val="0"/>
+                        </a:spcAft>
+                      </a:pPr>
+                      <a:r>
+                        <a:rPr lang="en-US" sz="1100">
+                          <a:effectLst/>
+                        </a:rPr>
+                        <a:t>Event creation in the system</a:t>
+                      </a:r>
+                      <a:endParaRPr lang="en-US" sz="1600">
+                        <a:effectLst/>
+                        <a:latin typeface="Times New Roman" panose="02020603050405020304" pitchFamily="18" charset="0"/>
+                        <a:ea typeface="Times New Roman" panose="02020603050405020304" pitchFamily="18" charset="0"/>
+                        <a:cs typeface="Times New Roman" panose="02020603050405020304" pitchFamily="18" charset="0"/>
+                      </a:endParaRPr>
+                    </a:p>
+                  </a:txBody>
+                  <a:tcPr marL="68580" marR="68580" marT="0" marB="0"/>
+                </a:tc>
+                <a:tc>
+                  <a:txBody>
+                    <a:bodyPr/>
+                    <a:lstStyle/>
+                    <a:p>
+                      <a:pPr marL="0" marR="0" algn="l">
+                        <a:spcBef>
+                          <a:spcPts val="0"/>
+                        </a:spcBef>
+                        <a:spcAft>
+                          <a:spcPts val="0"/>
+                        </a:spcAft>
+                      </a:pPr>
+                      <a:r>
+                        <a:rPr lang="en-US" sz="1100">
+                          <a:effectLst/>
+                        </a:rPr>
+                        <a:t>To describe the type of ticket raised </a:t>
+                      </a:r>
+                      <a:endParaRPr lang="en-US" sz="1600">
+                        <a:effectLst/>
+                        <a:latin typeface="Times New Roman" panose="02020603050405020304" pitchFamily="18" charset="0"/>
+                        <a:ea typeface="Times New Roman" panose="02020603050405020304" pitchFamily="18" charset="0"/>
+                        <a:cs typeface="Times New Roman" panose="02020603050405020304" pitchFamily="18" charset="0"/>
+                      </a:endParaRPr>
+                    </a:p>
+                  </a:txBody>
+                  <a:tcPr marL="68580" marR="68580" marT="0" marB="0"/>
+                </a:tc>
+                <a:tc>
+                  <a:txBody>
+                    <a:bodyPr/>
+                    <a:lstStyle/>
+                    <a:p>
+                      <a:pPr marL="0" marR="0" algn="l">
+                        <a:spcBef>
+                          <a:spcPts val="0"/>
+                        </a:spcBef>
+                        <a:spcAft>
+                          <a:spcPts val="0"/>
+                        </a:spcAft>
+                      </a:pPr>
+                      <a:r>
+                        <a:rPr lang="en-US" sz="1100">
+                          <a:effectLst/>
+                        </a:rPr>
+                        <a:t>To create an event</a:t>
+                      </a:r>
+                      <a:endParaRPr lang="en-US" sz="1600">
+                        <a:effectLst/>
+                        <a:latin typeface="Times New Roman" panose="02020603050405020304" pitchFamily="18" charset="0"/>
+                        <a:ea typeface="Times New Roman" panose="02020603050405020304" pitchFamily="18" charset="0"/>
+                        <a:cs typeface="Times New Roman" panose="02020603050405020304" pitchFamily="18" charset="0"/>
+                      </a:endParaRPr>
+                    </a:p>
+                  </a:txBody>
+                  <a:tcPr marL="68580" marR="68580" marT="0" marB="0"/>
+                </a:tc>
+                <a:tc>
+                  <a:txBody>
+                    <a:bodyPr/>
+                    <a:lstStyle/>
+                    <a:p>
+                      <a:pPr marL="0" marR="0" algn="l">
+                        <a:spcBef>
+                          <a:spcPts val="0"/>
+                        </a:spcBef>
+                        <a:spcAft>
+                          <a:spcPts val="0"/>
+                        </a:spcAft>
+                      </a:pPr>
+                      <a:r>
+                        <a:rPr lang="en-US" sz="1100">
+                          <a:effectLst/>
+                        </a:rPr>
+                        <a:t>This allows us to understand which type of ticket is raised</a:t>
+                      </a:r>
+                      <a:endParaRPr lang="en-US" sz="1600">
+                        <a:effectLst/>
+                        <a:latin typeface="Times New Roman" panose="02020603050405020304" pitchFamily="18" charset="0"/>
+                        <a:ea typeface="Times New Roman" panose="02020603050405020304" pitchFamily="18" charset="0"/>
+                        <a:cs typeface="Times New Roman" panose="02020603050405020304" pitchFamily="18" charset="0"/>
+                      </a:endParaRPr>
+                    </a:p>
+                  </a:txBody>
+                  <a:tcPr marL="68580" marR="68580" marT="0" marB="0"/>
+                </a:tc>
+                <a:tc>
+                  <a:txBody>
+                    <a:bodyPr/>
+                    <a:lstStyle/>
+                    <a:p>
+                      <a:pPr marL="0" marR="0" algn="l">
+                        <a:spcBef>
+                          <a:spcPts val="0"/>
+                        </a:spcBef>
+                        <a:spcAft>
+                          <a:spcPts val="0"/>
+                        </a:spcAft>
+                      </a:pPr>
+                      <a:r>
+                        <a:rPr lang="en-US" sz="1100">
+                          <a:effectLst/>
+                        </a:rPr>
+                        <a:t>Pass</a:t>
+                      </a:r>
+                      <a:endParaRPr lang="en-US" sz="1600">
+                        <a:effectLst/>
+                        <a:latin typeface="Times New Roman" panose="02020603050405020304" pitchFamily="18" charset="0"/>
+                        <a:ea typeface="Times New Roman" panose="02020603050405020304" pitchFamily="18" charset="0"/>
+                        <a:cs typeface="Times New Roman" panose="02020603050405020304" pitchFamily="18" charset="0"/>
+                      </a:endParaRPr>
+                    </a:p>
+                  </a:txBody>
+                  <a:tcPr marL="68580" marR="68580" marT="0" marB="0"/>
+                </a:tc>
+                <a:extLst>
+                  <a:ext uri="{0D108BD9-81ED-4DB2-BD59-A6C34878D82A}">
+                    <a16:rowId xmlns:a16="http://schemas.microsoft.com/office/drawing/2014/main" val="1246163230"/>
+                  </a:ext>
+                </a:extLst>
+              </a:tr>
+              <a:tr h="521970">
+                <a:tc>
+                  <a:txBody>
+                    <a:bodyPr/>
+                    <a:lstStyle/>
+                    <a:p>
+                      <a:pPr marL="0" marR="0" algn="l">
+                        <a:spcBef>
+                          <a:spcPts val="0"/>
+                        </a:spcBef>
+                        <a:spcAft>
+                          <a:spcPts val="0"/>
+                        </a:spcAft>
+                      </a:pPr>
+                      <a:r>
+                        <a:rPr lang="en-US" sz="1100">
+                          <a:effectLst/>
+                        </a:rPr>
+                        <a:t>8</a:t>
+                      </a:r>
+                      <a:endParaRPr lang="en-US" sz="1600">
+                        <a:effectLst/>
+                        <a:latin typeface="Times New Roman" panose="02020603050405020304" pitchFamily="18" charset="0"/>
+                        <a:ea typeface="Times New Roman" panose="02020603050405020304" pitchFamily="18" charset="0"/>
+                        <a:cs typeface="Times New Roman" panose="02020603050405020304" pitchFamily="18" charset="0"/>
+                      </a:endParaRPr>
+                    </a:p>
+                  </a:txBody>
+                  <a:tcPr marL="68580" marR="68580" marT="0" marB="0"/>
+                </a:tc>
+                <a:tc>
+                  <a:txBody>
+                    <a:bodyPr/>
+                    <a:lstStyle/>
+                    <a:p>
+                      <a:pPr marL="0" marR="0" algn="l">
+                        <a:spcBef>
+                          <a:spcPts val="0"/>
+                        </a:spcBef>
+                        <a:spcAft>
+                          <a:spcPts val="0"/>
+                        </a:spcAft>
+                      </a:pPr>
+                      <a:r>
+                        <a:rPr lang="en-US" sz="1100">
+                          <a:effectLst/>
+                        </a:rPr>
+                        <a:t>Manage events</a:t>
+                      </a:r>
+                      <a:endParaRPr lang="en-US" sz="1600">
+                        <a:effectLst/>
+                        <a:latin typeface="Times New Roman" panose="02020603050405020304" pitchFamily="18" charset="0"/>
+                        <a:ea typeface="Times New Roman" panose="02020603050405020304" pitchFamily="18" charset="0"/>
+                        <a:cs typeface="Times New Roman" panose="02020603050405020304" pitchFamily="18" charset="0"/>
+                      </a:endParaRPr>
+                    </a:p>
+                  </a:txBody>
+                  <a:tcPr marL="68580" marR="68580" marT="0" marB="0"/>
+                </a:tc>
+                <a:tc>
+                  <a:txBody>
+                    <a:bodyPr/>
+                    <a:lstStyle/>
+                    <a:p>
+                      <a:pPr marL="0" marR="0" algn="l">
+                        <a:spcBef>
+                          <a:spcPts val="0"/>
+                        </a:spcBef>
+                        <a:spcAft>
+                          <a:spcPts val="0"/>
+                        </a:spcAft>
+                      </a:pPr>
+                      <a:r>
+                        <a:rPr lang="en-US" sz="1100">
+                          <a:effectLst/>
+                        </a:rPr>
+                        <a:t>Admin credentials, only admin have access</a:t>
+                      </a:r>
+                      <a:endParaRPr lang="en-US" sz="1600">
+                        <a:effectLst/>
+                        <a:latin typeface="Times New Roman" panose="02020603050405020304" pitchFamily="18" charset="0"/>
+                        <a:ea typeface="Times New Roman" panose="02020603050405020304" pitchFamily="18" charset="0"/>
+                        <a:cs typeface="Times New Roman" panose="02020603050405020304" pitchFamily="18" charset="0"/>
+                      </a:endParaRPr>
+                    </a:p>
+                  </a:txBody>
+                  <a:tcPr marL="68580" marR="68580" marT="0" marB="0"/>
+                </a:tc>
+                <a:tc>
+                  <a:txBody>
+                    <a:bodyPr/>
+                    <a:lstStyle/>
+                    <a:p>
+                      <a:pPr marL="0" marR="0" algn="l">
+                        <a:spcBef>
+                          <a:spcPts val="0"/>
+                        </a:spcBef>
+                        <a:spcAft>
+                          <a:spcPts val="0"/>
+                        </a:spcAft>
+                      </a:pPr>
+                      <a:r>
+                        <a:rPr lang="en-US" sz="1100">
+                          <a:effectLst/>
+                        </a:rPr>
+                        <a:t>Successful creation of an event</a:t>
+                      </a:r>
+                      <a:endParaRPr lang="en-US" sz="1600">
+                        <a:effectLst/>
+                        <a:latin typeface="Times New Roman" panose="02020603050405020304" pitchFamily="18" charset="0"/>
+                        <a:ea typeface="Times New Roman" panose="02020603050405020304" pitchFamily="18" charset="0"/>
+                        <a:cs typeface="Times New Roman" panose="02020603050405020304" pitchFamily="18" charset="0"/>
+                      </a:endParaRPr>
+                    </a:p>
+                  </a:txBody>
+                  <a:tcPr marL="68580" marR="68580" marT="0" marB="0"/>
+                </a:tc>
+                <a:tc>
+                  <a:txBody>
+                    <a:bodyPr/>
+                    <a:lstStyle/>
+                    <a:p>
+                      <a:pPr marL="0" marR="0" algn="l">
+                        <a:spcBef>
+                          <a:spcPts val="0"/>
+                        </a:spcBef>
+                        <a:spcAft>
+                          <a:spcPts val="0"/>
+                        </a:spcAft>
+                      </a:pPr>
+                      <a:r>
+                        <a:rPr lang="en-US" sz="1100">
+                          <a:effectLst/>
+                        </a:rPr>
+                        <a:t>To create an event for frequently raised tickets</a:t>
+                      </a:r>
+                      <a:endParaRPr lang="en-US" sz="1600">
+                        <a:effectLst/>
+                        <a:latin typeface="Times New Roman" panose="02020603050405020304" pitchFamily="18" charset="0"/>
+                        <a:ea typeface="Times New Roman" panose="02020603050405020304" pitchFamily="18" charset="0"/>
+                        <a:cs typeface="Times New Roman" panose="02020603050405020304" pitchFamily="18" charset="0"/>
+                      </a:endParaRPr>
+                    </a:p>
+                  </a:txBody>
+                  <a:tcPr marL="68580" marR="68580" marT="0" marB="0"/>
+                </a:tc>
+                <a:tc>
+                  <a:txBody>
+                    <a:bodyPr/>
+                    <a:lstStyle/>
+                    <a:p>
+                      <a:pPr marL="0" marR="0" algn="l">
+                        <a:spcBef>
+                          <a:spcPts val="0"/>
+                        </a:spcBef>
+                        <a:spcAft>
+                          <a:spcPts val="0"/>
+                        </a:spcAft>
+                      </a:pPr>
+                      <a:r>
+                        <a:rPr lang="en-US" sz="1100">
+                          <a:effectLst/>
+                        </a:rPr>
+                        <a:t>Fail</a:t>
+                      </a:r>
+                      <a:endParaRPr lang="en-US" sz="1600">
+                        <a:effectLst/>
+                        <a:latin typeface="Times New Roman" panose="02020603050405020304" pitchFamily="18" charset="0"/>
+                        <a:ea typeface="Times New Roman" panose="02020603050405020304" pitchFamily="18" charset="0"/>
+                        <a:cs typeface="Times New Roman" panose="02020603050405020304" pitchFamily="18" charset="0"/>
+                      </a:endParaRPr>
+                    </a:p>
+                  </a:txBody>
+                  <a:tcPr marL="68580" marR="68580" marT="0" marB="0"/>
+                </a:tc>
+                <a:extLst>
+                  <a:ext uri="{0D108BD9-81ED-4DB2-BD59-A6C34878D82A}">
+                    <a16:rowId xmlns:a16="http://schemas.microsoft.com/office/drawing/2014/main" val="1004748147"/>
+                  </a:ext>
+                </a:extLst>
+              </a:tr>
+            </a:tbl>
+          </a:graphicData>
+        </a:graphic>
+      </p:graphicFrame>
+      <p:graphicFrame>
+        <p:nvGraphicFramePr>
+          <p:cNvPr id="14" name="Table 13">
+            <a:extLst>
+              <a:ext uri="{FF2B5EF4-FFF2-40B4-BE49-F238E27FC236}">
+                <a16:creationId xmlns:a16="http://schemas.microsoft.com/office/drawing/2014/main" id="{8B557D80-5BC0-D36F-EFEB-F082790E989A}"/>
+              </a:ext>
+            </a:extLst>
+          </p:cNvPr>
+          <p:cNvGraphicFramePr>
+            <a:graphicFrameLocks noGrp="1"/>
+          </p:cNvGraphicFramePr>
           <p:nvPr/>
-        </p:nvPicPr>
-        <p:blipFill>
-          <a:blip r:embed="rId2" cstate="print">
-            <a:extLst>
-              <a:ext uri="{28A0092B-C50C-407E-A947-70E740481C1C}">
-                <a14:useLocalDpi xmlns:a14="http://schemas.microsoft.com/office/drawing/2010/main" val="0"/>
-              </a:ext>
-            </a:extLst>
-          </a:blip>
-          <a:srcRect/>
-          <a:stretch>
-            <a:fillRect/>
-          </a:stretch>
-        </p:blipFill>
+        </p:nvGraphicFramePr>
+        <p:xfrm>
+          <a:off x="3029902" y="2473484"/>
+          <a:ext cx="6132195" cy="3055620"/>
+        </p:xfrm>
+        <a:graphic>
+          <a:graphicData uri="http://schemas.openxmlformats.org/drawingml/2006/table">
+            <a:tbl>
+              <a:tblPr firstRow="1" firstCol="1" bandRow="1">
+                <a:tableStyleId>{5C22544A-7EE6-4342-B048-85BDC9FD1C3A}</a:tableStyleId>
+              </a:tblPr>
+              <a:tblGrid>
+                <a:gridCol w="292735">
+                  <a:extLst>
+                    <a:ext uri="{9D8B030D-6E8A-4147-A177-3AD203B41FA5}">
+                      <a16:colId xmlns:a16="http://schemas.microsoft.com/office/drawing/2014/main" val="1928721444"/>
+                    </a:ext>
+                  </a:extLst>
+                </a:gridCol>
+                <a:gridCol w="988695">
+                  <a:extLst>
+                    <a:ext uri="{9D8B030D-6E8A-4147-A177-3AD203B41FA5}">
+                      <a16:colId xmlns:a16="http://schemas.microsoft.com/office/drawing/2014/main" val="3830349898"/>
+                    </a:ext>
+                  </a:extLst>
+                </a:gridCol>
+                <a:gridCol w="1044575">
+                  <a:extLst>
+                    <a:ext uri="{9D8B030D-6E8A-4147-A177-3AD203B41FA5}">
+                      <a16:colId xmlns:a16="http://schemas.microsoft.com/office/drawing/2014/main" val="3688808048"/>
+                    </a:ext>
+                  </a:extLst>
+                </a:gridCol>
+                <a:gridCol w="1209040">
+                  <a:extLst>
+                    <a:ext uri="{9D8B030D-6E8A-4147-A177-3AD203B41FA5}">
+                      <a16:colId xmlns:a16="http://schemas.microsoft.com/office/drawing/2014/main" val="2985236135"/>
+                    </a:ext>
+                  </a:extLst>
+                </a:gridCol>
+                <a:gridCol w="1314450">
+                  <a:extLst>
+                    <a:ext uri="{9D8B030D-6E8A-4147-A177-3AD203B41FA5}">
+                      <a16:colId xmlns:a16="http://schemas.microsoft.com/office/drawing/2014/main" val="3945695081"/>
+                    </a:ext>
+                  </a:extLst>
+                </a:gridCol>
+                <a:gridCol w="1282700">
+                  <a:extLst>
+                    <a:ext uri="{9D8B030D-6E8A-4147-A177-3AD203B41FA5}">
+                      <a16:colId xmlns:a16="http://schemas.microsoft.com/office/drawing/2014/main" val="3594107494"/>
+                    </a:ext>
+                  </a:extLst>
+                </a:gridCol>
+              </a:tblGrid>
+              <a:tr h="521970">
+                <a:tc>
+                  <a:txBody>
+                    <a:bodyPr/>
+                    <a:lstStyle/>
+                    <a:p>
+                      <a:pPr marL="0" marR="0" algn="l">
+                        <a:spcBef>
+                          <a:spcPts val="0"/>
+                        </a:spcBef>
+                        <a:spcAft>
+                          <a:spcPts val="0"/>
+                        </a:spcAft>
+                      </a:pPr>
+                      <a:r>
+                        <a:rPr lang="en-US" sz="1100">
+                          <a:effectLst/>
+                        </a:rPr>
+                        <a:t>ID</a:t>
+                      </a:r>
+                      <a:endParaRPr lang="en-US" sz="1600">
+                        <a:effectLst/>
+                        <a:latin typeface="Times New Roman" panose="02020603050405020304" pitchFamily="18" charset="0"/>
+                        <a:ea typeface="Times New Roman" panose="02020603050405020304" pitchFamily="18" charset="0"/>
+                        <a:cs typeface="Times New Roman" panose="02020603050405020304" pitchFamily="18" charset="0"/>
+                      </a:endParaRPr>
+                    </a:p>
+                  </a:txBody>
+                  <a:tcPr marL="68580" marR="68580" marT="0" marB="0"/>
+                </a:tc>
+                <a:tc>
+                  <a:txBody>
+                    <a:bodyPr/>
+                    <a:lstStyle/>
+                    <a:p>
+                      <a:pPr marL="0" marR="0" algn="l">
+                        <a:spcBef>
+                          <a:spcPts val="0"/>
+                        </a:spcBef>
+                        <a:spcAft>
+                          <a:spcPts val="0"/>
+                        </a:spcAft>
+                      </a:pPr>
+                      <a:r>
+                        <a:rPr lang="en-US" sz="1100">
+                          <a:effectLst/>
+                        </a:rPr>
+                        <a:t>Test Case Title</a:t>
+                      </a:r>
+                      <a:endParaRPr lang="en-US" sz="1600">
+                        <a:effectLst/>
+                        <a:latin typeface="Times New Roman" panose="02020603050405020304" pitchFamily="18" charset="0"/>
+                        <a:ea typeface="Times New Roman" panose="02020603050405020304" pitchFamily="18" charset="0"/>
+                        <a:cs typeface="Times New Roman" panose="02020603050405020304" pitchFamily="18" charset="0"/>
+                      </a:endParaRPr>
+                    </a:p>
+                  </a:txBody>
+                  <a:tcPr marL="68580" marR="68580" marT="0" marB="0"/>
+                </a:tc>
+                <a:tc>
+                  <a:txBody>
+                    <a:bodyPr/>
+                    <a:lstStyle/>
+                    <a:p>
+                      <a:pPr marL="0" marR="0" algn="l">
+                        <a:spcBef>
+                          <a:spcPts val="0"/>
+                        </a:spcBef>
+                        <a:spcAft>
+                          <a:spcPts val="0"/>
+                        </a:spcAft>
+                      </a:pPr>
+                      <a:r>
+                        <a:rPr lang="en-US" sz="1100">
+                          <a:effectLst/>
+                        </a:rPr>
+                        <a:t>Test Input</a:t>
+                      </a:r>
+                      <a:endParaRPr lang="en-US" sz="1600">
+                        <a:effectLst/>
+                        <a:latin typeface="Times New Roman" panose="02020603050405020304" pitchFamily="18" charset="0"/>
+                        <a:ea typeface="Times New Roman" panose="02020603050405020304" pitchFamily="18" charset="0"/>
+                        <a:cs typeface="Times New Roman" panose="02020603050405020304" pitchFamily="18" charset="0"/>
+                      </a:endParaRPr>
+                    </a:p>
+                  </a:txBody>
+                  <a:tcPr marL="68580" marR="68580" marT="0" marB="0"/>
+                </a:tc>
+                <a:tc>
+                  <a:txBody>
+                    <a:bodyPr/>
+                    <a:lstStyle/>
+                    <a:p>
+                      <a:pPr marL="0" marR="0" algn="l">
+                        <a:spcBef>
+                          <a:spcPts val="0"/>
+                        </a:spcBef>
+                        <a:spcAft>
+                          <a:spcPts val="0"/>
+                        </a:spcAft>
+                      </a:pPr>
+                      <a:r>
+                        <a:rPr lang="en-US" sz="1100">
+                          <a:effectLst/>
+                        </a:rPr>
+                        <a:t>Expected Output</a:t>
+                      </a:r>
+                      <a:endParaRPr lang="en-US" sz="1600">
+                        <a:effectLst/>
+                        <a:latin typeface="Times New Roman" panose="02020603050405020304" pitchFamily="18" charset="0"/>
+                        <a:ea typeface="Times New Roman" panose="02020603050405020304" pitchFamily="18" charset="0"/>
+                        <a:cs typeface="Times New Roman" panose="02020603050405020304" pitchFamily="18" charset="0"/>
+                      </a:endParaRPr>
+                    </a:p>
+                  </a:txBody>
+                  <a:tcPr marL="68580" marR="68580" marT="0" marB="0"/>
+                </a:tc>
+                <a:tc>
+                  <a:txBody>
+                    <a:bodyPr/>
+                    <a:lstStyle/>
+                    <a:p>
+                      <a:pPr marL="0" marR="0" algn="l">
+                        <a:spcBef>
+                          <a:spcPts val="0"/>
+                        </a:spcBef>
+                        <a:spcAft>
+                          <a:spcPts val="0"/>
+                        </a:spcAft>
+                      </a:pPr>
+                      <a:r>
+                        <a:rPr lang="en-US" sz="1100">
+                          <a:effectLst/>
+                        </a:rPr>
+                        <a:t>Description</a:t>
+                      </a:r>
+                      <a:endParaRPr lang="en-US" sz="1600">
+                        <a:effectLst/>
+                        <a:latin typeface="Times New Roman" panose="02020603050405020304" pitchFamily="18" charset="0"/>
+                        <a:ea typeface="Times New Roman" panose="02020603050405020304" pitchFamily="18" charset="0"/>
+                        <a:cs typeface="Times New Roman" panose="02020603050405020304" pitchFamily="18" charset="0"/>
+                      </a:endParaRPr>
+                    </a:p>
+                  </a:txBody>
+                  <a:tcPr marL="68580" marR="68580" marT="0" marB="0"/>
+                </a:tc>
+                <a:tc>
+                  <a:txBody>
+                    <a:bodyPr/>
+                    <a:lstStyle/>
+                    <a:p>
+                      <a:pPr marL="0" marR="0" algn="l">
+                        <a:spcBef>
+                          <a:spcPts val="0"/>
+                        </a:spcBef>
+                        <a:spcAft>
+                          <a:spcPts val="0"/>
+                        </a:spcAft>
+                      </a:pPr>
+                      <a:r>
+                        <a:rPr lang="en-US" sz="1100">
+                          <a:effectLst/>
+                        </a:rPr>
+                        <a:t>Result</a:t>
+                      </a:r>
+                      <a:endParaRPr lang="en-US" sz="1600">
+                        <a:effectLst/>
+                        <a:latin typeface="Times New Roman" panose="02020603050405020304" pitchFamily="18" charset="0"/>
+                        <a:ea typeface="Times New Roman" panose="02020603050405020304" pitchFamily="18" charset="0"/>
+                        <a:cs typeface="Times New Roman" panose="02020603050405020304" pitchFamily="18" charset="0"/>
+                      </a:endParaRPr>
+                    </a:p>
+                  </a:txBody>
+                  <a:tcPr marL="68580" marR="68580" marT="0" marB="0"/>
+                </a:tc>
+                <a:extLst>
+                  <a:ext uri="{0D108BD9-81ED-4DB2-BD59-A6C34878D82A}">
+                    <a16:rowId xmlns:a16="http://schemas.microsoft.com/office/drawing/2014/main" val="877053782"/>
+                  </a:ext>
+                </a:extLst>
+              </a:tr>
+              <a:tr h="521970">
+                <a:tc>
+                  <a:txBody>
+                    <a:bodyPr/>
+                    <a:lstStyle/>
+                    <a:p>
+                      <a:pPr marL="0" marR="0" algn="l">
+                        <a:spcBef>
+                          <a:spcPts val="0"/>
+                        </a:spcBef>
+                        <a:spcAft>
+                          <a:spcPts val="0"/>
+                        </a:spcAft>
+                      </a:pPr>
+                      <a:r>
+                        <a:rPr lang="en-US" sz="1100">
+                          <a:effectLst/>
+                        </a:rPr>
+                        <a:t>9</a:t>
+                      </a:r>
+                      <a:endParaRPr lang="en-US" sz="1600">
+                        <a:effectLst/>
+                        <a:latin typeface="Times New Roman" panose="02020603050405020304" pitchFamily="18" charset="0"/>
+                        <a:ea typeface="Times New Roman" panose="02020603050405020304" pitchFamily="18" charset="0"/>
+                        <a:cs typeface="Times New Roman" panose="02020603050405020304" pitchFamily="18" charset="0"/>
+                      </a:endParaRPr>
+                    </a:p>
+                  </a:txBody>
+                  <a:tcPr marL="68580" marR="68580" marT="0" marB="0"/>
+                </a:tc>
+                <a:tc>
+                  <a:txBody>
+                    <a:bodyPr/>
+                    <a:lstStyle/>
+                    <a:p>
+                      <a:pPr marL="0" marR="0" algn="l">
+                        <a:spcBef>
+                          <a:spcPts val="0"/>
+                        </a:spcBef>
+                        <a:spcAft>
+                          <a:spcPts val="0"/>
+                        </a:spcAft>
+                      </a:pPr>
+                      <a:r>
+                        <a:rPr lang="en-US" sz="1100">
+                          <a:effectLst/>
+                        </a:rPr>
+                        <a:t>Create clients</a:t>
+                      </a:r>
+                      <a:endParaRPr lang="en-US" sz="1600">
+                        <a:effectLst/>
+                        <a:latin typeface="Times New Roman" panose="02020603050405020304" pitchFamily="18" charset="0"/>
+                        <a:ea typeface="Times New Roman" panose="02020603050405020304" pitchFamily="18" charset="0"/>
+                        <a:cs typeface="Times New Roman" panose="02020603050405020304" pitchFamily="18" charset="0"/>
+                      </a:endParaRPr>
+                    </a:p>
+                  </a:txBody>
+                  <a:tcPr marL="68580" marR="68580" marT="0" marB="0"/>
+                </a:tc>
+                <a:tc>
+                  <a:txBody>
+                    <a:bodyPr/>
+                    <a:lstStyle/>
+                    <a:p>
+                      <a:pPr marL="0" marR="0" algn="l">
+                        <a:spcBef>
+                          <a:spcPts val="0"/>
+                        </a:spcBef>
+                        <a:spcAft>
+                          <a:spcPts val="0"/>
+                        </a:spcAft>
+                      </a:pPr>
+                      <a:r>
+                        <a:rPr lang="en-US" sz="1100">
+                          <a:effectLst/>
+                        </a:rPr>
+                        <a:t>Required clients’ details name, address, contact info</a:t>
+                      </a:r>
+                      <a:endParaRPr lang="en-US" sz="1600">
+                        <a:effectLst/>
+                        <a:latin typeface="Times New Roman" panose="02020603050405020304" pitchFamily="18" charset="0"/>
+                        <a:ea typeface="Times New Roman" panose="02020603050405020304" pitchFamily="18" charset="0"/>
+                        <a:cs typeface="Times New Roman" panose="02020603050405020304" pitchFamily="18" charset="0"/>
+                      </a:endParaRPr>
+                    </a:p>
+                  </a:txBody>
+                  <a:tcPr marL="68580" marR="68580" marT="0" marB="0"/>
+                </a:tc>
+                <a:tc>
+                  <a:txBody>
+                    <a:bodyPr/>
+                    <a:lstStyle/>
+                    <a:p>
+                      <a:pPr marL="0" marR="0" algn="l">
+                        <a:spcBef>
+                          <a:spcPts val="0"/>
+                        </a:spcBef>
+                        <a:spcAft>
+                          <a:spcPts val="0"/>
+                        </a:spcAft>
+                      </a:pPr>
+                      <a:r>
+                        <a:rPr lang="en-US" sz="1100">
+                          <a:effectLst/>
+                        </a:rPr>
+                        <a:t>Successful registration of client</a:t>
+                      </a:r>
+                      <a:endParaRPr lang="en-US" sz="1600">
+                        <a:effectLst/>
+                        <a:latin typeface="Times New Roman" panose="02020603050405020304" pitchFamily="18" charset="0"/>
+                        <a:ea typeface="Times New Roman" panose="02020603050405020304" pitchFamily="18" charset="0"/>
+                        <a:cs typeface="Times New Roman" panose="02020603050405020304" pitchFamily="18" charset="0"/>
+                      </a:endParaRPr>
+                    </a:p>
+                  </a:txBody>
+                  <a:tcPr marL="68580" marR="68580" marT="0" marB="0"/>
+                </a:tc>
+                <a:tc>
+                  <a:txBody>
+                    <a:bodyPr/>
+                    <a:lstStyle/>
+                    <a:p>
+                      <a:pPr marL="0" marR="0" algn="l">
+                        <a:spcBef>
+                          <a:spcPts val="0"/>
+                        </a:spcBef>
+                        <a:spcAft>
+                          <a:spcPts val="0"/>
+                        </a:spcAft>
+                      </a:pPr>
+                      <a:r>
+                        <a:rPr lang="en-US" sz="1100">
+                          <a:effectLst/>
+                        </a:rPr>
+                        <a:t>Create more clients for improved developments</a:t>
+                      </a:r>
+                      <a:endParaRPr lang="en-US" sz="1600">
+                        <a:effectLst/>
+                        <a:latin typeface="Times New Roman" panose="02020603050405020304" pitchFamily="18" charset="0"/>
+                        <a:ea typeface="Times New Roman" panose="02020603050405020304" pitchFamily="18" charset="0"/>
+                        <a:cs typeface="Times New Roman" panose="02020603050405020304" pitchFamily="18" charset="0"/>
+                      </a:endParaRPr>
+                    </a:p>
+                  </a:txBody>
+                  <a:tcPr marL="68580" marR="68580" marT="0" marB="0"/>
+                </a:tc>
+                <a:tc>
+                  <a:txBody>
+                    <a:bodyPr/>
+                    <a:lstStyle/>
+                    <a:p>
+                      <a:pPr marL="0" marR="0" algn="l">
+                        <a:spcBef>
+                          <a:spcPts val="0"/>
+                        </a:spcBef>
+                        <a:spcAft>
+                          <a:spcPts val="0"/>
+                        </a:spcAft>
+                      </a:pPr>
+                      <a:r>
+                        <a:rPr lang="en-US" sz="1100">
+                          <a:effectLst/>
+                        </a:rPr>
+                        <a:t>Pass</a:t>
+                      </a:r>
+                      <a:endParaRPr lang="en-US" sz="1600">
+                        <a:effectLst/>
+                        <a:latin typeface="Times New Roman" panose="02020603050405020304" pitchFamily="18" charset="0"/>
+                        <a:ea typeface="Times New Roman" panose="02020603050405020304" pitchFamily="18" charset="0"/>
+                        <a:cs typeface="Times New Roman" panose="02020603050405020304" pitchFamily="18" charset="0"/>
+                      </a:endParaRPr>
+                    </a:p>
+                  </a:txBody>
+                  <a:tcPr marL="68580" marR="68580" marT="0" marB="0"/>
+                </a:tc>
+                <a:extLst>
+                  <a:ext uri="{0D108BD9-81ED-4DB2-BD59-A6C34878D82A}">
+                    <a16:rowId xmlns:a16="http://schemas.microsoft.com/office/drawing/2014/main" val="266882287"/>
+                  </a:ext>
+                </a:extLst>
+              </a:tr>
+              <a:tr h="521970">
+                <a:tc>
+                  <a:txBody>
+                    <a:bodyPr/>
+                    <a:lstStyle/>
+                    <a:p>
+                      <a:pPr marL="0" marR="0" algn="l">
+                        <a:spcBef>
+                          <a:spcPts val="0"/>
+                        </a:spcBef>
+                        <a:spcAft>
+                          <a:spcPts val="0"/>
+                        </a:spcAft>
+                      </a:pPr>
+                      <a:r>
+                        <a:rPr lang="en-US" sz="1100">
+                          <a:effectLst/>
+                        </a:rPr>
+                        <a:t>10</a:t>
+                      </a:r>
+                      <a:endParaRPr lang="en-US" sz="1600">
+                        <a:effectLst/>
+                        <a:latin typeface="Times New Roman" panose="02020603050405020304" pitchFamily="18" charset="0"/>
+                        <a:ea typeface="Times New Roman" panose="02020603050405020304" pitchFamily="18" charset="0"/>
+                        <a:cs typeface="Times New Roman" panose="02020603050405020304" pitchFamily="18" charset="0"/>
+                      </a:endParaRPr>
+                    </a:p>
+                  </a:txBody>
+                  <a:tcPr marL="68580" marR="68580" marT="0" marB="0"/>
+                </a:tc>
+                <a:tc>
+                  <a:txBody>
+                    <a:bodyPr/>
+                    <a:lstStyle/>
+                    <a:p>
+                      <a:pPr marL="0" marR="0" algn="l">
+                        <a:spcBef>
+                          <a:spcPts val="0"/>
+                        </a:spcBef>
+                        <a:spcAft>
+                          <a:spcPts val="0"/>
+                        </a:spcAft>
+                      </a:pPr>
+                      <a:r>
+                        <a:rPr lang="en-US" sz="1100">
+                          <a:effectLst/>
+                        </a:rPr>
+                        <a:t>Manage clients</a:t>
+                      </a:r>
+                      <a:endParaRPr lang="en-US" sz="1600">
+                        <a:effectLst/>
+                        <a:latin typeface="Times New Roman" panose="02020603050405020304" pitchFamily="18" charset="0"/>
+                        <a:ea typeface="Times New Roman" panose="02020603050405020304" pitchFamily="18" charset="0"/>
+                        <a:cs typeface="Times New Roman" panose="02020603050405020304" pitchFamily="18" charset="0"/>
+                      </a:endParaRPr>
+                    </a:p>
+                  </a:txBody>
+                  <a:tcPr marL="68580" marR="68580" marT="0" marB="0"/>
+                </a:tc>
+                <a:tc>
+                  <a:txBody>
+                    <a:bodyPr/>
+                    <a:lstStyle/>
+                    <a:p>
+                      <a:pPr marL="0" marR="0" algn="l">
+                        <a:spcBef>
+                          <a:spcPts val="0"/>
+                        </a:spcBef>
+                        <a:spcAft>
+                          <a:spcPts val="0"/>
+                        </a:spcAft>
+                      </a:pPr>
+                      <a:r>
+                        <a:rPr lang="en-US" sz="1100">
+                          <a:effectLst/>
+                        </a:rPr>
+                        <a:t>Admin credentials, only admin have access</a:t>
+                      </a:r>
+                      <a:endParaRPr lang="en-US" sz="1600">
+                        <a:effectLst/>
+                        <a:latin typeface="Times New Roman" panose="02020603050405020304" pitchFamily="18" charset="0"/>
+                        <a:ea typeface="Times New Roman" panose="02020603050405020304" pitchFamily="18" charset="0"/>
+                        <a:cs typeface="Times New Roman" panose="02020603050405020304" pitchFamily="18" charset="0"/>
+                      </a:endParaRPr>
+                    </a:p>
+                  </a:txBody>
+                  <a:tcPr marL="68580" marR="68580" marT="0" marB="0"/>
+                </a:tc>
+                <a:tc>
+                  <a:txBody>
+                    <a:bodyPr/>
+                    <a:lstStyle/>
+                    <a:p>
+                      <a:pPr marL="0" marR="0" algn="l">
+                        <a:spcBef>
+                          <a:spcPts val="0"/>
+                        </a:spcBef>
+                        <a:spcAft>
+                          <a:spcPts val="0"/>
+                        </a:spcAft>
+                      </a:pPr>
+                      <a:r>
+                        <a:rPr lang="en-US" sz="1100">
+                          <a:effectLst/>
+                        </a:rPr>
+                        <a:t>To manage the created clients</a:t>
+                      </a:r>
+                      <a:endParaRPr lang="en-US" sz="1600">
+                        <a:effectLst/>
+                        <a:latin typeface="Times New Roman" panose="02020603050405020304" pitchFamily="18" charset="0"/>
+                        <a:ea typeface="Times New Roman" panose="02020603050405020304" pitchFamily="18" charset="0"/>
+                        <a:cs typeface="Times New Roman" panose="02020603050405020304" pitchFamily="18" charset="0"/>
+                      </a:endParaRPr>
+                    </a:p>
+                  </a:txBody>
+                  <a:tcPr marL="68580" marR="68580" marT="0" marB="0"/>
+                </a:tc>
+                <a:tc>
+                  <a:txBody>
+                    <a:bodyPr/>
+                    <a:lstStyle/>
+                    <a:p>
+                      <a:pPr marL="0" marR="0" algn="l">
+                        <a:spcBef>
+                          <a:spcPts val="0"/>
+                        </a:spcBef>
+                        <a:spcAft>
+                          <a:spcPts val="0"/>
+                        </a:spcAft>
+                      </a:pPr>
+                      <a:r>
+                        <a:rPr lang="en-US" sz="1100">
+                          <a:effectLst/>
+                        </a:rPr>
+                        <a:t>To manage the created clients</a:t>
+                      </a:r>
+                      <a:endParaRPr lang="en-US" sz="1600">
+                        <a:effectLst/>
+                        <a:latin typeface="Times New Roman" panose="02020603050405020304" pitchFamily="18" charset="0"/>
+                        <a:ea typeface="Times New Roman" panose="02020603050405020304" pitchFamily="18" charset="0"/>
+                        <a:cs typeface="Times New Roman" panose="02020603050405020304" pitchFamily="18" charset="0"/>
+                      </a:endParaRPr>
+                    </a:p>
+                  </a:txBody>
+                  <a:tcPr marL="68580" marR="68580" marT="0" marB="0"/>
+                </a:tc>
+                <a:tc>
+                  <a:txBody>
+                    <a:bodyPr/>
+                    <a:lstStyle/>
+                    <a:p>
+                      <a:pPr marL="0" marR="0" algn="l">
+                        <a:spcBef>
+                          <a:spcPts val="0"/>
+                        </a:spcBef>
+                        <a:spcAft>
+                          <a:spcPts val="0"/>
+                        </a:spcAft>
+                      </a:pPr>
+                      <a:r>
+                        <a:rPr lang="en-US" sz="1100">
+                          <a:effectLst/>
+                        </a:rPr>
+                        <a:t>Fail</a:t>
+                      </a:r>
+                      <a:endParaRPr lang="en-US" sz="1600">
+                        <a:effectLst/>
+                        <a:latin typeface="Times New Roman" panose="02020603050405020304" pitchFamily="18" charset="0"/>
+                        <a:ea typeface="Times New Roman" panose="02020603050405020304" pitchFamily="18" charset="0"/>
+                        <a:cs typeface="Times New Roman" panose="02020603050405020304" pitchFamily="18" charset="0"/>
+                      </a:endParaRPr>
+                    </a:p>
+                  </a:txBody>
+                  <a:tcPr marL="68580" marR="68580" marT="0" marB="0"/>
+                </a:tc>
+                <a:extLst>
+                  <a:ext uri="{0D108BD9-81ED-4DB2-BD59-A6C34878D82A}">
+                    <a16:rowId xmlns:a16="http://schemas.microsoft.com/office/drawing/2014/main" val="1413261720"/>
+                  </a:ext>
+                </a:extLst>
+              </a:tr>
+              <a:tr h="521970">
+                <a:tc>
+                  <a:txBody>
+                    <a:bodyPr/>
+                    <a:lstStyle/>
+                    <a:p>
+                      <a:pPr marL="0" marR="0" algn="l">
+                        <a:spcBef>
+                          <a:spcPts val="0"/>
+                        </a:spcBef>
+                        <a:spcAft>
+                          <a:spcPts val="0"/>
+                        </a:spcAft>
+                      </a:pPr>
+                      <a:r>
+                        <a:rPr lang="en-US" sz="1100">
+                          <a:effectLst/>
+                        </a:rPr>
+                        <a:t>11</a:t>
+                      </a:r>
+                      <a:endParaRPr lang="en-US" sz="1600">
+                        <a:effectLst/>
+                        <a:latin typeface="Times New Roman" panose="02020603050405020304" pitchFamily="18" charset="0"/>
+                        <a:ea typeface="Times New Roman" panose="02020603050405020304" pitchFamily="18" charset="0"/>
+                        <a:cs typeface="Times New Roman" panose="02020603050405020304" pitchFamily="18" charset="0"/>
+                      </a:endParaRPr>
+                    </a:p>
+                  </a:txBody>
+                  <a:tcPr marL="68580" marR="68580" marT="0" marB="0"/>
+                </a:tc>
+                <a:tc>
+                  <a:txBody>
+                    <a:bodyPr/>
+                    <a:lstStyle/>
+                    <a:p>
+                      <a:pPr marL="0" marR="0" algn="l">
+                        <a:spcBef>
+                          <a:spcPts val="0"/>
+                        </a:spcBef>
+                        <a:spcAft>
+                          <a:spcPts val="0"/>
+                        </a:spcAft>
+                      </a:pPr>
+                      <a:r>
+                        <a:rPr lang="en-US" sz="1100">
+                          <a:effectLst/>
+                        </a:rPr>
+                        <a:t>User management</a:t>
+                      </a:r>
+                      <a:endParaRPr lang="en-US" sz="1600">
+                        <a:effectLst/>
+                        <a:latin typeface="Times New Roman" panose="02020603050405020304" pitchFamily="18" charset="0"/>
+                        <a:ea typeface="Times New Roman" panose="02020603050405020304" pitchFamily="18" charset="0"/>
+                        <a:cs typeface="Times New Roman" panose="02020603050405020304" pitchFamily="18" charset="0"/>
+                      </a:endParaRPr>
+                    </a:p>
+                  </a:txBody>
+                  <a:tcPr marL="68580" marR="68580" marT="0" marB="0"/>
+                </a:tc>
+                <a:tc>
+                  <a:txBody>
+                    <a:bodyPr/>
+                    <a:lstStyle/>
+                    <a:p>
+                      <a:pPr marL="0" marR="0" algn="l">
+                        <a:spcBef>
+                          <a:spcPts val="0"/>
+                        </a:spcBef>
+                        <a:spcAft>
+                          <a:spcPts val="0"/>
+                        </a:spcAft>
+                      </a:pPr>
+                      <a:r>
+                        <a:rPr lang="en-US" sz="1100">
+                          <a:effectLst/>
+                        </a:rPr>
+                        <a:t>Admin credentials, only admin have access</a:t>
+                      </a:r>
+                      <a:endParaRPr lang="en-US" sz="1100">
+                        <a:effectLst/>
+                        <a:latin typeface="Times New Roman" panose="02020603050405020304" pitchFamily="18" charset="0"/>
+                        <a:ea typeface="Times New Roman" panose="02020603050405020304" pitchFamily="18" charset="0"/>
+                        <a:cs typeface="Times New Roman" panose="02020603050405020304" pitchFamily="18" charset="0"/>
+                      </a:endParaRPr>
+                    </a:p>
+                  </a:txBody>
+                  <a:tcPr marL="68580" marR="68580" marT="0" marB="0"/>
+                </a:tc>
+                <a:tc>
+                  <a:txBody>
+                    <a:bodyPr/>
+                    <a:lstStyle/>
+                    <a:p>
+                      <a:pPr marL="0" marR="0" algn="l">
+                        <a:spcBef>
+                          <a:spcPts val="0"/>
+                        </a:spcBef>
+                        <a:spcAft>
+                          <a:spcPts val="0"/>
+                        </a:spcAft>
+                      </a:pPr>
+                      <a:r>
+                        <a:rPr lang="en-US" sz="1100">
+                          <a:effectLst/>
+                        </a:rPr>
+                        <a:t>To manage user Grant Authentication type</a:t>
+                      </a:r>
+                      <a:endParaRPr lang="en-US" sz="1600">
+                        <a:effectLst/>
+                        <a:latin typeface="Times New Roman" panose="02020603050405020304" pitchFamily="18" charset="0"/>
+                        <a:ea typeface="Times New Roman" panose="02020603050405020304" pitchFamily="18" charset="0"/>
+                        <a:cs typeface="Times New Roman" panose="02020603050405020304" pitchFamily="18" charset="0"/>
+                      </a:endParaRPr>
+                    </a:p>
+                  </a:txBody>
+                  <a:tcPr marL="68580" marR="68580" marT="0" marB="0"/>
+                </a:tc>
+                <a:tc>
+                  <a:txBody>
+                    <a:bodyPr/>
+                    <a:lstStyle/>
+                    <a:p>
+                      <a:pPr marL="0" marR="0" algn="l">
+                        <a:spcBef>
+                          <a:spcPts val="0"/>
+                        </a:spcBef>
+                        <a:spcAft>
+                          <a:spcPts val="0"/>
+                        </a:spcAft>
+                      </a:pPr>
+                      <a:r>
+                        <a:rPr lang="en-US" sz="1100">
+                          <a:effectLst/>
+                        </a:rPr>
+                        <a:t>Grant Authentication type</a:t>
+                      </a:r>
+                      <a:endParaRPr lang="en-US" sz="1600">
+                        <a:effectLst/>
+                        <a:latin typeface="Times New Roman" panose="02020603050405020304" pitchFamily="18" charset="0"/>
+                        <a:ea typeface="Times New Roman" panose="02020603050405020304" pitchFamily="18" charset="0"/>
+                        <a:cs typeface="Times New Roman" panose="02020603050405020304" pitchFamily="18" charset="0"/>
+                      </a:endParaRPr>
+                    </a:p>
+                  </a:txBody>
+                  <a:tcPr marL="68580" marR="68580" marT="0" marB="0"/>
+                </a:tc>
+                <a:tc>
+                  <a:txBody>
+                    <a:bodyPr/>
+                    <a:lstStyle/>
+                    <a:p>
+                      <a:pPr marL="0" marR="0" algn="l">
+                        <a:spcBef>
+                          <a:spcPts val="0"/>
+                        </a:spcBef>
+                        <a:spcAft>
+                          <a:spcPts val="0"/>
+                        </a:spcAft>
+                      </a:pPr>
+                      <a:r>
+                        <a:rPr lang="en-US" sz="1100">
+                          <a:effectLst/>
+                        </a:rPr>
+                        <a:t>Pass</a:t>
+                      </a:r>
+                      <a:endParaRPr lang="en-US" sz="1600">
+                        <a:effectLst/>
+                        <a:latin typeface="Times New Roman" panose="02020603050405020304" pitchFamily="18" charset="0"/>
+                        <a:ea typeface="Times New Roman" panose="02020603050405020304" pitchFamily="18" charset="0"/>
+                        <a:cs typeface="Times New Roman" panose="02020603050405020304" pitchFamily="18" charset="0"/>
+                      </a:endParaRPr>
+                    </a:p>
+                  </a:txBody>
+                  <a:tcPr marL="68580" marR="68580" marT="0" marB="0"/>
+                </a:tc>
+                <a:extLst>
+                  <a:ext uri="{0D108BD9-81ED-4DB2-BD59-A6C34878D82A}">
+                    <a16:rowId xmlns:a16="http://schemas.microsoft.com/office/drawing/2014/main" val="590469942"/>
+                  </a:ext>
+                </a:extLst>
+              </a:tr>
+              <a:tr h="521970">
+                <a:tc>
+                  <a:txBody>
+                    <a:bodyPr/>
+                    <a:lstStyle/>
+                    <a:p>
+                      <a:pPr marL="0" marR="0" algn="l">
+                        <a:spcBef>
+                          <a:spcPts val="0"/>
+                        </a:spcBef>
+                        <a:spcAft>
+                          <a:spcPts val="0"/>
+                        </a:spcAft>
+                      </a:pPr>
+                      <a:r>
+                        <a:rPr lang="en-US" sz="1100">
+                          <a:effectLst/>
+                        </a:rPr>
+                        <a:t>12</a:t>
+                      </a:r>
+                      <a:endParaRPr lang="en-US" sz="1600">
+                        <a:effectLst/>
+                        <a:latin typeface="Times New Roman" panose="02020603050405020304" pitchFamily="18" charset="0"/>
+                        <a:ea typeface="Times New Roman" panose="02020603050405020304" pitchFamily="18" charset="0"/>
+                        <a:cs typeface="Times New Roman" panose="02020603050405020304" pitchFamily="18" charset="0"/>
+                      </a:endParaRPr>
+                    </a:p>
+                  </a:txBody>
+                  <a:tcPr marL="68580" marR="68580" marT="0" marB="0"/>
+                </a:tc>
+                <a:tc>
+                  <a:txBody>
+                    <a:bodyPr/>
+                    <a:lstStyle/>
+                    <a:p>
+                      <a:pPr marL="0" marR="0" algn="l">
+                        <a:spcBef>
+                          <a:spcPts val="0"/>
+                        </a:spcBef>
+                        <a:spcAft>
+                          <a:spcPts val="0"/>
+                        </a:spcAft>
+                      </a:pPr>
+                      <a:r>
+                        <a:rPr lang="en-US" sz="1100">
+                          <a:effectLst/>
+                        </a:rPr>
+                        <a:t>Settings tab</a:t>
+                      </a:r>
+                      <a:endParaRPr lang="en-US" sz="1600">
+                        <a:effectLst/>
+                        <a:latin typeface="Times New Roman" panose="02020603050405020304" pitchFamily="18" charset="0"/>
+                        <a:ea typeface="Times New Roman" panose="02020603050405020304" pitchFamily="18" charset="0"/>
+                        <a:cs typeface="Times New Roman" panose="02020603050405020304" pitchFamily="18" charset="0"/>
+                      </a:endParaRPr>
+                    </a:p>
+                  </a:txBody>
+                  <a:tcPr marL="68580" marR="68580" marT="0" marB="0"/>
+                </a:tc>
+                <a:tc>
+                  <a:txBody>
+                    <a:bodyPr/>
+                    <a:lstStyle/>
+                    <a:p>
+                      <a:pPr marL="0" marR="0" algn="l">
+                        <a:spcBef>
+                          <a:spcPts val="0"/>
+                        </a:spcBef>
+                        <a:spcAft>
+                          <a:spcPts val="0"/>
+                        </a:spcAft>
+                      </a:pPr>
+                      <a:r>
+                        <a:rPr lang="en-US" sz="1100">
+                          <a:effectLst/>
+                        </a:rPr>
+                        <a:t>Login Id and Password of user</a:t>
+                      </a:r>
+                      <a:endParaRPr lang="en-US" sz="1100">
+                        <a:effectLst/>
+                        <a:latin typeface="Times New Roman" panose="02020603050405020304" pitchFamily="18" charset="0"/>
+                        <a:ea typeface="Times New Roman" panose="02020603050405020304" pitchFamily="18" charset="0"/>
+                        <a:cs typeface="Times New Roman" panose="02020603050405020304" pitchFamily="18" charset="0"/>
+                      </a:endParaRPr>
+                    </a:p>
+                  </a:txBody>
+                  <a:tcPr marL="68580" marR="68580" marT="0" marB="0"/>
+                </a:tc>
+                <a:tc>
+                  <a:txBody>
+                    <a:bodyPr/>
+                    <a:lstStyle/>
+                    <a:p>
+                      <a:pPr marL="0" marR="0" algn="l">
+                        <a:spcBef>
+                          <a:spcPts val="0"/>
+                        </a:spcBef>
+                        <a:spcAft>
+                          <a:spcPts val="0"/>
+                        </a:spcAft>
+                      </a:pPr>
+                      <a:r>
+                        <a:rPr lang="en-US" sz="1100">
+                          <a:effectLst/>
+                        </a:rPr>
+                        <a:t>Pops-up the settings page</a:t>
+                      </a:r>
+                      <a:endParaRPr lang="en-US" sz="1600">
+                        <a:effectLst/>
+                        <a:latin typeface="Times New Roman" panose="02020603050405020304" pitchFamily="18" charset="0"/>
+                        <a:ea typeface="Times New Roman" panose="02020603050405020304" pitchFamily="18" charset="0"/>
+                        <a:cs typeface="Times New Roman" panose="02020603050405020304" pitchFamily="18" charset="0"/>
+                      </a:endParaRPr>
+                    </a:p>
+                  </a:txBody>
+                  <a:tcPr marL="68580" marR="68580" marT="0" marB="0"/>
+                </a:tc>
+                <a:tc>
+                  <a:txBody>
+                    <a:bodyPr/>
+                    <a:lstStyle/>
+                    <a:p>
+                      <a:pPr marL="0" marR="0" algn="l">
+                        <a:spcBef>
+                          <a:spcPts val="0"/>
+                        </a:spcBef>
+                        <a:spcAft>
+                          <a:spcPts val="0"/>
+                        </a:spcAft>
+                      </a:pPr>
+                      <a:r>
+                        <a:rPr lang="en-US" sz="1100">
+                          <a:effectLst/>
+                        </a:rPr>
+                        <a:t>Allows to edit the user credentials and details </a:t>
+                      </a:r>
+                      <a:endParaRPr lang="en-US" sz="1600">
+                        <a:effectLst/>
+                        <a:latin typeface="Times New Roman" panose="02020603050405020304" pitchFamily="18" charset="0"/>
+                        <a:ea typeface="Times New Roman" panose="02020603050405020304" pitchFamily="18" charset="0"/>
+                        <a:cs typeface="Times New Roman" panose="02020603050405020304" pitchFamily="18" charset="0"/>
+                      </a:endParaRPr>
+                    </a:p>
+                  </a:txBody>
+                  <a:tcPr marL="68580" marR="68580" marT="0" marB="0"/>
+                </a:tc>
+                <a:tc>
+                  <a:txBody>
+                    <a:bodyPr/>
+                    <a:lstStyle/>
+                    <a:p>
+                      <a:pPr marL="0" marR="0" algn="l">
+                        <a:spcBef>
+                          <a:spcPts val="0"/>
+                        </a:spcBef>
+                        <a:spcAft>
+                          <a:spcPts val="0"/>
+                        </a:spcAft>
+                      </a:pPr>
+                      <a:r>
+                        <a:rPr lang="en-US" sz="1100" dirty="0">
+                          <a:effectLst/>
+                        </a:rPr>
+                        <a:t>Fail</a:t>
+                      </a:r>
+                      <a:endParaRPr lang="en-US" sz="1600" dirty="0">
+                        <a:effectLst/>
+                        <a:latin typeface="Times New Roman" panose="02020603050405020304" pitchFamily="18" charset="0"/>
+                        <a:ea typeface="Times New Roman" panose="02020603050405020304" pitchFamily="18" charset="0"/>
+                        <a:cs typeface="Times New Roman" panose="02020603050405020304" pitchFamily="18" charset="0"/>
+                      </a:endParaRPr>
+                    </a:p>
+                  </a:txBody>
+                  <a:tcPr marL="68580" marR="68580" marT="0" marB="0"/>
+                </a:tc>
+                <a:extLst>
+                  <a:ext uri="{0D108BD9-81ED-4DB2-BD59-A6C34878D82A}">
+                    <a16:rowId xmlns:a16="http://schemas.microsoft.com/office/drawing/2014/main" val="1851137797"/>
+                  </a:ext>
+                </a:extLst>
+              </a:tr>
+            </a:tbl>
+          </a:graphicData>
+        </a:graphic>
+      </p:graphicFrame>
+      <p:sp>
+        <p:nvSpPr>
+          <p:cNvPr id="15" name="Rectangle 2">
+            <a:extLst>
+              <a:ext uri="{FF2B5EF4-FFF2-40B4-BE49-F238E27FC236}">
+                <a16:creationId xmlns:a16="http://schemas.microsoft.com/office/drawing/2014/main" id="{B9C4F11C-62FC-94A4-7430-2E4CF961D714}"/>
+              </a:ext>
+            </a:extLst>
+          </p:cNvPr>
+          <p:cNvSpPr>
+            <a:spLocks noChangeArrowheads="1"/>
+          </p:cNvSpPr>
+          <p:nvPr/>
+        </p:nvSpPr>
         <p:spPr bwMode="auto">
           <a:xfrm>
-            <a:off x="2406770" y="1678526"/>
-            <a:ext cx="7686135" cy="4351338"/>
+            <a:off x="0" y="0"/>
+            <a:ext cx="12192000" cy="457200"/>
           </a:xfrm>
           <a:prstGeom prst="rect">
             <a:avLst/>
@@ -6147,12 +7938,53 @@
           <a:ln>
             <a:noFill/>
           </a:ln>
+          <a:effectLst/>
+          <a:extLst>
+            <a:ext uri="{909E8E84-426E-40DD-AFC4-6F175D3DCCD1}">
+              <a14:hiddenFill xmlns:a14="http://schemas.microsoft.com/office/drawing/2010/main">
+                <a:solidFill>
+                  <a:schemeClr val="accent1"/>
+                </a:solidFill>
+              </a14:hiddenFill>
+            </a:ext>
+            <a:ext uri="{91240B29-F687-4F45-9708-019B960494DF}">
+              <a14:hiddenLine xmlns:a14="http://schemas.microsoft.com/office/drawing/2010/main" w="9525">
+                <a:solidFill>
+                  <a:schemeClr val="tx1"/>
+                </a:solidFill>
+                <a:miter lim="800000"/>
+                <a:headEnd/>
+                <a:tailEnd/>
+              </a14:hiddenLine>
+            </a:ext>
+            <a:ext uri="{AF507438-7753-43E0-B8FC-AC1667EBCBE1}">
+              <a14:hiddenEffects xmlns:a14="http://schemas.microsoft.com/office/drawing/2010/main">
+                <a:effectLst>
+                  <a:outerShdw dist="35921" dir="2700000" algn="ctr" rotWithShape="0">
+                    <a:schemeClr val="bg2"/>
+                  </a:outerShdw>
+                </a:effectLst>
+              </a14:hiddenEffects>
+            </a:ext>
+          </a:extLst>
         </p:spPr>
-      </p:pic>
+        <p:txBody>
+          <a:bodyPr vert="horz" wrap="none" lIns="91440" tIns="45720" rIns="91440" bIns="45720" numCol="1" anchor="ctr" anchorCtr="0" compatLnSpc="1">
+            <a:prstTxWarp prst="textNoShape">
+              <a:avLst/>
+            </a:prstTxWarp>
+            <a:spAutoFit/>
+          </a:bodyPr>
+          <a:lstStyle/>
+          <a:p>
+            <a:endParaRPr lang="en-US"/>
+          </a:p>
+        </p:txBody>
+      </p:sp>
     </p:spTree>
     <p:extLst>
       <p:ext uri="{BB962C8B-B14F-4D97-AF65-F5344CB8AC3E}">
-        <p14:creationId xmlns:p14="http://schemas.microsoft.com/office/powerpoint/2010/main" val="4106739811"/>
+        <p14:creationId xmlns:p14="http://schemas.microsoft.com/office/powerpoint/2010/main" val="1782965996"/>
       </p:ext>
     </p:extLst>
   </p:cSld>
@@ -6163,1618 +7995,6 @@
 </file>
 
 <file path=ppt/slides/slide22.xml><?xml version="1.0" encoding="utf-8"?>
-<p:sld xmlns:a="http://schemas.openxmlformats.org/drawingml/2006/main" xmlns:r="http://schemas.openxmlformats.org/officeDocument/2006/relationships" xmlns:p="http://schemas.openxmlformats.org/presentationml/2006/main">
-  <p:cSld>
-    <p:spTree>
-      <p:nvGrpSpPr>
-        <p:cNvPr id="1" name=""/>
-        <p:cNvGrpSpPr/>
-        <p:nvPr/>
-      </p:nvGrpSpPr>
-      <p:grpSpPr>
-        <a:xfrm>
-          <a:off x="0" y="0"/>
-          <a:ext cx="0" cy="0"/>
-          <a:chOff x="0" y="0"/>
-          <a:chExt cx="0" cy="0"/>
-        </a:xfrm>
-      </p:grpSpPr>
-      <p:pic>
-        <p:nvPicPr>
-          <p:cNvPr id="5" name="Content Placeholder 4">
-            <a:extLst>
-              <a:ext uri="{FF2B5EF4-FFF2-40B4-BE49-F238E27FC236}">
-                <a16:creationId xmlns:a16="http://schemas.microsoft.com/office/drawing/2014/main" id="{1171A00E-D32C-4C0C-998A-B102D6B8EA99}"/>
-              </a:ext>
-            </a:extLst>
-          </p:cNvPr>
-          <p:cNvPicPr>
-            <a:picLocks noGrp="1" noChangeAspect="1"/>
-          </p:cNvPicPr>
-          <p:nvPr>
-            <p:ph idx="1"/>
-          </p:nvPr>
-        </p:nvPicPr>
-        <p:blipFill>
-          <a:blip r:embed="rId2">
-            <a:extLst>
-              <a:ext uri="{28A0092B-C50C-407E-A947-70E740481C1C}">
-                <a14:useLocalDpi xmlns:a14="http://schemas.microsoft.com/office/drawing/2010/main" val="0"/>
-              </a:ext>
-            </a:extLst>
-          </a:blip>
-          <a:stretch>
-            <a:fillRect/>
-          </a:stretch>
-        </p:blipFill>
-        <p:spPr>
-          <a:xfrm>
-            <a:off x="838200" y="673655"/>
-            <a:ext cx="10515600" cy="5242403"/>
-          </a:xfrm>
-        </p:spPr>
-      </p:pic>
-      <p:sp>
-        <p:nvSpPr>
-          <p:cNvPr id="6" name="TextBox 5">
-            <a:extLst>
-              <a:ext uri="{FF2B5EF4-FFF2-40B4-BE49-F238E27FC236}">
-                <a16:creationId xmlns:a16="http://schemas.microsoft.com/office/drawing/2014/main" id="{9BC8B216-958D-4604-9CE2-D7F0FB263555}"/>
-              </a:ext>
-            </a:extLst>
-          </p:cNvPr>
-          <p:cNvSpPr txBox="1"/>
-          <p:nvPr/>
-        </p:nvSpPr>
-        <p:spPr>
-          <a:xfrm>
-            <a:off x="746975" y="6130344"/>
-            <a:ext cx="9633397" cy="461665"/>
-          </a:xfrm>
-          <a:prstGeom prst="rect">
-            <a:avLst/>
-          </a:prstGeom>
-          <a:noFill/>
-        </p:spPr>
-        <p:txBody>
-          <a:bodyPr wrap="square" rtlCol="0">
-            <a:spAutoFit/>
-          </a:bodyPr>
-          <a:lstStyle/>
-          <a:p>
-            <a:r>
-              <a:rPr lang="en-US" sz="2400" b="1" dirty="0">
-                <a:latin typeface="Times New Roman" panose="02020603050405020304" pitchFamily="18" charset="0"/>
-                <a:cs typeface="Times New Roman" panose="02020603050405020304" pitchFamily="18" charset="0"/>
-              </a:rPr>
-              <a:t>Fig 1.2: Signup Page</a:t>
-            </a:r>
-          </a:p>
-        </p:txBody>
-      </p:sp>
-    </p:spTree>
-    <p:extLst>
-      <p:ext uri="{BB962C8B-B14F-4D97-AF65-F5344CB8AC3E}">
-        <p14:creationId xmlns:p14="http://schemas.microsoft.com/office/powerpoint/2010/main" val="1077294410"/>
-      </p:ext>
-    </p:extLst>
-  </p:cSld>
-  <p:clrMapOvr>
-    <a:masterClrMapping/>
-  </p:clrMapOvr>
-</p:sld>
-</file>
-
-<file path=ppt/slides/slide23.xml><?xml version="1.0" encoding="utf-8"?>
-<p:sld xmlns:a="http://schemas.openxmlformats.org/drawingml/2006/main" xmlns:r="http://schemas.openxmlformats.org/officeDocument/2006/relationships" xmlns:p="http://schemas.openxmlformats.org/presentationml/2006/main">
-  <p:cSld>
-    <p:spTree>
-      <p:nvGrpSpPr>
-        <p:cNvPr id="1" name=""/>
-        <p:cNvGrpSpPr/>
-        <p:nvPr/>
-      </p:nvGrpSpPr>
-      <p:grpSpPr>
-        <a:xfrm>
-          <a:off x="0" y="0"/>
-          <a:ext cx="0" cy="0"/>
-          <a:chOff x="0" y="0"/>
-          <a:chExt cx="0" cy="0"/>
-        </a:xfrm>
-      </p:grpSpPr>
-      <p:pic>
-        <p:nvPicPr>
-          <p:cNvPr id="5" name="Content Placeholder 4">
-            <a:extLst>
-              <a:ext uri="{FF2B5EF4-FFF2-40B4-BE49-F238E27FC236}">
-                <a16:creationId xmlns:a16="http://schemas.microsoft.com/office/drawing/2014/main" id="{BBF192DB-B2B1-449C-B355-BD6CD3D6E9A1}"/>
-              </a:ext>
-            </a:extLst>
-          </p:cNvPr>
-          <p:cNvPicPr>
-            <a:picLocks noGrp="1" noChangeAspect="1"/>
-          </p:cNvPicPr>
-          <p:nvPr>
-            <p:ph idx="1"/>
-          </p:nvPr>
-        </p:nvPicPr>
-        <p:blipFill>
-          <a:blip r:embed="rId2">
-            <a:extLst>
-              <a:ext uri="{28A0092B-C50C-407E-A947-70E740481C1C}">
-                <a14:useLocalDpi xmlns:a14="http://schemas.microsoft.com/office/drawing/2010/main" val="0"/>
-              </a:ext>
-            </a:extLst>
-          </a:blip>
-          <a:stretch>
-            <a:fillRect/>
-          </a:stretch>
-        </p:blipFill>
-        <p:spPr>
-          <a:xfrm>
-            <a:off x="838200" y="435348"/>
-            <a:ext cx="10515600" cy="5563441"/>
-          </a:xfrm>
-        </p:spPr>
-      </p:pic>
-      <p:sp>
-        <p:nvSpPr>
-          <p:cNvPr id="6" name="TextBox 5">
-            <a:extLst>
-              <a:ext uri="{FF2B5EF4-FFF2-40B4-BE49-F238E27FC236}">
-                <a16:creationId xmlns:a16="http://schemas.microsoft.com/office/drawing/2014/main" id="{CF0E0C7F-9C9C-4B66-88BB-1E09CE8360AE}"/>
-              </a:ext>
-            </a:extLst>
-          </p:cNvPr>
-          <p:cNvSpPr txBox="1"/>
-          <p:nvPr/>
-        </p:nvSpPr>
-        <p:spPr>
-          <a:xfrm>
-            <a:off x="631065" y="6246254"/>
-            <a:ext cx="10722735" cy="461665"/>
-          </a:xfrm>
-          <a:prstGeom prst="rect">
-            <a:avLst/>
-          </a:prstGeom>
-          <a:noFill/>
-        </p:spPr>
-        <p:txBody>
-          <a:bodyPr wrap="square" rtlCol="0">
-            <a:spAutoFit/>
-          </a:bodyPr>
-          <a:lstStyle/>
-          <a:p>
-            <a:r>
-              <a:rPr lang="en-US" sz="2400" b="1" dirty="0">
-                <a:latin typeface="Times New Roman" panose="02020603050405020304" pitchFamily="18" charset="0"/>
-                <a:cs typeface="Times New Roman" panose="02020603050405020304" pitchFamily="18" charset="0"/>
-              </a:rPr>
-              <a:t>Fig 1.3: System Dashboard UI</a:t>
-            </a:r>
-          </a:p>
-        </p:txBody>
-      </p:sp>
-    </p:spTree>
-    <p:extLst>
-      <p:ext uri="{BB962C8B-B14F-4D97-AF65-F5344CB8AC3E}">
-        <p14:creationId xmlns:p14="http://schemas.microsoft.com/office/powerpoint/2010/main" val="1561182114"/>
-      </p:ext>
-    </p:extLst>
-  </p:cSld>
-  <p:clrMapOvr>
-    <a:masterClrMapping/>
-  </p:clrMapOvr>
-</p:sld>
-</file>
-
-<file path=ppt/slides/slide24.xml><?xml version="1.0" encoding="utf-8"?>
-<p:sld xmlns:a="http://schemas.openxmlformats.org/drawingml/2006/main" xmlns:r="http://schemas.openxmlformats.org/officeDocument/2006/relationships" xmlns:p="http://schemas.openxmlformats.org/presentationml/2006/main">
-  <p:cSld>
-    <p:spTree>
-      <p:nvGrpSpPr>
-        <p:cNvPr id="1" name=""/>
-        <p:cNvGrpSpPr/>
-        <p:nvPr/>
-      </p:nvGrpSpPr>
-      <p:grpSpPr>
-        <a:xfrm>
-          <a:off x="0" y="0"/>
-          <a:ext cx="0" cy="0"/>
-          <a:chOff x="0" y="0"/>
-          <a:chExt cx="0" cy="0"/>
-        </a:xfrm>
-      </p:grpSpPr>
-      <p:sp>
-        <p:nvSpPr>
-          <p:cNvPr id="3" name="Content Placeholder 2">
-            <a:extLst>
-              <a:ext uri="{FF2B5EF4-FFF2-40B4-BE49-F238E27FC236}">
-                <a16:creationId xmlns:a16="http://schemas.microsoft.com/office/drawing/2014/main" id="{8B0329A5-E559-0476-52D5-BCE233346EF0}"/>
-              </a:ext>
-            </a:extLst>
-          </p:cNvPr>
-          <p:cNvSpPr>
-            <a:spLocks noGrp="1"/>
-          </p:cNvSpPr>
-          <p:nvPr>
-            <p:ph idx="1"/>
-          </p:nvPr>
-        </p:nvSpPr>
-        <p:spPr>
-          <a:xfrm>
-            <a:off x="838200" y="353683"/>
-            <a:ext cx="10515600" cy="5823280"/>
-          </a:xfrm>
-        </p:spPr>
-        <p:txBody>
-          <a:bodyPr/>
-          <a:lstStyle/>
-          <a:p>
-            <a:pPr marR="0" indent="0">
-              <a:buNone/>
-            </a:pPr>
-            <a:r>
-              <a:rPr lang="en-US" sz="1800" dirty="0">
-                <a:effectLst/>
-                <a:latin typeface="Times New Roman" panose="02020603050405020304" pitchFamily="18" charset="0"/>
-                <a:ea typeface="Times New Roman" panose="02020603050405020304" pitchFamily="18" charset="0"/>
-              </a:rPr>
-              <a:t>This is divided into four components:</a:t>
-            </a:r>
-          </a:p>
-          <a:p>
-            <a:pPr marR="0" indent="0">
-              <a:buNone/>
-            </a:pPr>
-            <a:r>
-              <a:rPr lang="en-US" sz="1800" dirty="0">
-                <a:latin typeface="Times New Roman" panose="02020603050405020304" pitchFamily="18" charset="0"/>
-                <a:ea typeface="Times New Roman" panose="02020603050405020304" pitchFamily="18" charset="0"/>
-              </a:rPr>
-              <a:t>	</a:t>
-            </a:r>
-            <a:r>
-              <a:rPr lang="en-US" sz="1800" dirty="0">
-                <a:effectLst/>
-                <a:latin typeface="Times New Roman" panose="02020603050405020304" pitchFamily="18" charset="0"/>
-                <a:ea typeface="Times New Roman" panose="02020603050405020304" pitchFamily="18" charset="0"/>
-              </a:rPr>
-              <a:t>Ticket Management</a:t>
-            </a:r>
-          </a:p>
-          <a:p>
-            <a:pPr marR="0" indent="0">
-              <a:buNone/>
-            </a:pPr>
-            <a:r>
-              <a:rPr lang="en-US" sz="1800" dirty="0">
-                <a:latin typeface="Times New Roman" panose="02020603050405020304" pitchFamily="18" charset="0"/>
-                <a:ea typeface="Times New Roman" panose="02020603050405020304" pitchFamily="18" charset="0"/>
-              </a:rPr>
-              <a:t>	</a:t>
-            </a:r>
-            <a:r>
-              <a:rPr lang="en-US" sz="1800" dirty="0">
-                <a:effectLst/>
-                <a:latin typeface="Times New Roman" panose="02020603050405020304" pitchFamily="18" charset="0"/>
-                <a:ea typeface="Times New Roman" panose="02020603050405020304" pitchFamily="18" charset="0"/>
-              </a:rPr>
-              <a:t>Client Management	</a:t>
-            </a:r>
-          </a:p>
-          <a:p>
-            <a:pPr marR="0" indent="0">
-              <a:buNone/>
-            </a:pPr>
-            <a:r>
-              <a:rPr lang="en-US" sz="1800" dirty="0">
-                <a:latin typeface="Times New Roman" panose="02020603050405020304" pitchFamily="18" charset="0"/>
-                <a:ea typeface="Times New Roman" panose="02020603050405020304" pitchFamily="18" charset="0"/>
-              </a:rPr>
-              <a:t>	</a:t>
-            </a:r>
-            <a:r>
-              <a:rPr lang="en-US" sz="1800" dirty="0">
-                <a:effectLst/>
-                <a:latin typeface="Times New Roman" panose="02020603050405020304" pitchFamily="18" charset="0"/>
-                <a:ea typeface="Times New Roman" panose="02020603050405020304" pitchFamily="18" charset="0"/>
-              </a:rPr>
-              <a:t>Event Management</a:t>
-            </a:r>
-          </a:p>
-          <a:p>
-            <a:pPr marR="0" indent="0">
-              <a:buNone/>
-            </a:pPr>
-            <a:r>
-              <a:rPr lang="en-US" sz="1800" dirty="0">
-                <a:latin typeface="Times New Roman" panose="02020603050405020304" pitchFamily="18" charset="0"/>
-                <a:ea typeface="Times New Roman" panose="02020603050405020304" pitchFamily="18" charset="0"/>
-              </a:rPr>
-              <a:t>	</a:t>
-            </a:r>
-            <a:r>
-              <a:rPr lang="en-US" sz="1800" dirty="0">
-                <a:effectLst/>
-                <a:latin typeface="Times New Roman" panose="02020603050405020304" pitchFamily="18" charset="0"/>
-                <a:ea typeface="Times New Roman" panose="02020603050405020304" pitchFamily="18" charset="0"/>
-              </a:rPr>
-              <a:t>User Management</a:t>
-            </a:r>
-          </a:p>
-          <a:p>
-            <a:pPr marL="0" indent="0">
-              <a:buNone/>
-            </a:pPr>
-            <a:endParaRPr lang="en-US" dirty="0"/>
-          </a:p>
-        </p:txBody>
-      </p:sp>
-    </p:spTree>
-    <p:extLst>
-      <p:ext uri="{BB962C8B-B14F-4D97-AF65-F5344CB8AC3E}">
-        <p14:creationId xmlns:p14="http://schemas.microsoft.com/office/powerpoint/2010/main" val="3810022819"/>
-      </p:ext>
-    </p:extLst>
-  </p:cSld>
-  <p:clrMapOvr>
-    <a:masterClrMapping/>
-  </p:clrMapOvr>
-</p:sld>
-</file>
-
-<file path=ppt/slides/slide25.xml><?xml version="1.0" encoding="utf-8"?>
-<p:sld xmlns:a="http://schemas.openxmlformats.org/drawingml/2006/main" xmlns:r="http://schemas.openxmlformats.org/officeDocument/2006/relationships" xmlns:p="http://schemas.openxmlformats.org/presentationml/2006/main">
-  <p:cSld>
-    <p:spTree>
-      <p:nvGrpSpPr>
-        <p:cNvPr id="1" name=""/>
-        <p:cNvGrpSpPr/>
-        <p:nvPr/>
-      </p:nvGrpSpPr>
-      <p:grpSpPr>
-        <a:xfrm>
-          <a:off x="0" y="0"/>
-          <a:ext cx="0" cy="0"/>
-          <a:chOff x="0" y="0"/>
-          <a:chExt cx="0" cy="0"/>
-        </a:xfrm>
-      </p:grpSpPr>
-      <p:pic>
-        <p:nvPicPr>
-          <p:cNvPr id="4" name="Picture 3">
-            <a:extLst>
-              <a:ext uri="{FF2B5EF4-FFF2-40B4-BE49-F238E27FC236}">
-                <a16:creationId xmlns:a16="http://schemas.microsoft.com/office/drawing/2014/main" id="{B21C6B88-6106-E584-3F46-DEEA0205C31D}"/>
-              </a:ext>
-            </a:extLst>
-          </p:cNvPr>
-          <p:cNvPicPr>
-            <a:picLocks noChangeAspect="1"/>
-          </p:cNvPicPr>
-          <p:nvPr/>
-        </p:nvPicPr>
-        <p:blipFill>
-          <a:blip r:embed="rId2" cstate="print">
-            <a:extLst>
-              <a:ext uri="{28A0092B-C50C-407E-A947-70E740481C1C}">
-                <a14:useLocalDpi xmlns:a14="http://schemas.microsoft.com/office/drawing/2010/main" val="0"/>
-              </a:ext>
-            </a:extLst>
-          </a:blip>
-          <a:srcRect/>
-          <a:stretch>
-            <a:fillRect/>
-          </a:stretch>
-        </p:blipFill>
-        <p:spPr bwMode="auto">
-          <a:xfrm>
-            <a:off x="382288" y="256349"/>
-            <a:ext cx="5337175" cy="3345180"/>
-          </a:xfrm>
-          <a:prstGeom prst="rect">
-            <a:avLst/>
-          </a:prstGeom>
-          <a:noFill/>
-          <a:ln>
-            <a:noFill/>
-          </a:ln>
-        </p:spPr>
-      </p:pic>
-      <p:pic>
-        <p:nvPicPr>
-          <p:cNvPr id="5" name="Picture 4">
-            <a:extLst>
-              <a:ext uri="{FF2B5EF4-FFF2-40B4-BE49-F238E27FC236}">
-                <a16:creationId xmlns:a16="http://schemas.microsoft.com/office/drawing/2014/main" id="{1AE5C315-7707-DA91-8997-5D7B41DC0613}"/>
-              </a:ext>
-            </a:extLst>
-          </p:cNvPr>
-          <p:cNvPicPr>
-            <a:picLocks noChangeAspect="1"/>
-          </p:cNvPicPr>
-          <p:nvPr/>
-        </p:nvPicPr>
-        <p:blipFill>
-          <a:blip r:embed="rId3" cstate="print">
-            <a:extLst>
-              <a:ext uri="{28A0092B-C50C-407E-A947-70E740481C1C}">
-                <a14:useLocalDpi xmlns:a14="http://schemas.microsoft.com/office/drawing/2010/main" val="0"/>
-              </a:ext>
-            </a:extLst>
-          </a:blip>
-          <a:srcRect/>
-          <a:stretch>
-            <a:fillRect/>
-          </a:stretch>
-        </p:blipFill>
-        <p:spPr bwMode="auto">
-          <a:xfrm>
-            <a:off x="6277155" y="3309165"/>
-            <a:ext cx="5359400" cy="3345180"/>
-          </a:xfrm>
-          <a:prstGeom prst="rect">
-            <a:avLst/>
-          </a:prstGeom>
-          <a:noFill/>
-          <a:ln>
-            <a:noFill/>
-          </a:ln>
-        </p:spPr>
-      </p:pic>
-    </p:spTree>
-    <p:extLst>
-      <p:ext uri="{BB962C8B-B14F-4D97-AF65-F5344CB8AC3E}">
-        <p14:creationId xmlns:p14="http://schemas.microsoft.com/office/powerpoint/2010/main" val="3059566006"/>
-      </p:ext>
-    </p:extLst>
-  </p:cSld>
-  <p:clrMapOvr>
-    <a:masterClrMapping/>
-  </p:clrMapOvr>
-</p:sld>
-</file>
-
-<file path=ppt/slides/slide26.xml><?xml version="1.0" encoding="utf-8"?>
-<p:sld xmlns:a="http://schemas.openxmlformats.org/drawingml/2006/main" xmlns:r="http://schemas.openxmlformats.org/officeDocument/2006/relationships" xmlns:p="http://schemas.openxmlformats.org/presentationml/2006/main">
-  <p:cSld>
-    <p:spTree>
-      <p:nvGrpSpPr>
-        <p:cNvPr id="1" name=""/>
-        <p:cNvGrpSpPr/>
-        <p:nvPr/>
-      </p:nvGrpSpPr>
-      <p:grpSpPr>
-        <a:xfrm>
-          <a:off x="0" y="0"/>
-          <a:ext cx="0" cy="0"/>
-          <a:chOff x="0" y="0"/>
-          <a:chExt cx="0" cy="0"/>
-        </a:xfrm>
-      </p:grpSpPr>
-      <p:pic>
-        <p:nvPicPr>
-          <p:cNvPr id="2" name="Picture 1">
-            <a:extLst>
-              <a:ext uri="{FF2B5EF4-FFF2-40B4-BE49-F238E27FC236}">
-                <a16:creationId xmlns:a16="http://schemas.microsoft.com/office/drawing/2014/main" id="{5BBFFD31-7BEE-997C-2A9A-01242928C81B}"/>
-              </a:ext>
-            </a:extLst>
-          </p:cNvPr>
-          <p:cNvPicPr>
-            <a:picLocks noChangeAspect="1"/>
-          </p:cNvPicPr>
-          <p:nvPr/>
-        </p:nvPicPr>
-        <p:blipFill>
-          <a:blip r:embed="rId2" cstate="print">
-            <a:extLst>
-              <a:ext uri="{28A0092B-C50C-407E-A947-70E740481C1C}">
-                <a14:useLocalDpi xmlns:a14="http://schemas.microsoft.com/office/drawing/2010/main" val="0"/>
-              </a:ext>
-            </a:extLst>
-          </a:blip>
-          <a:srcRect/>
-          <a:stretch>
-            <a:fillRect/>
-          </a:stretch>
-        </p:blipFill>
-        <p:spPr bwMode="auto">
-          <a:xfrm>
-            <a:off x="6476029" y="213216"/>
-            <a:ext cx="5330190" cy="3345180"/>
-          </a:xfrm>
-          <a:prstGeom prst="rect">
-            <a:avLst/>
-          </a:prstGeom>
-          <a:noFill/>
-          <a:ln>
-            <a:noFill/>
-          </a:ln>
-        </p:spPr>
-      </p:pic>
-      <p:pic>
-        <p:nvPicPr>
-          <p:cNvPr id="3" name="Picture 2">
-            <a:extLst>
-              <a:ext uri="{FF2B5EF4-FFF2-40B4-BE49-F238E27FC236}">
-                <a16:creationId xmlns:a16="http://schemas.microsoft.com/office/drawing/2014/main" id="{73792539-9B03-0596-9DFC-31ECD39D17F5}"/>
-              </a:ext>
-            </a:extLst>
-          </p:cNvPr>
-          <p:cNvPicPr>
-            <a:picLocks noChangeAspect="1"/>
-          </p:cNvPicPr>
-          <p:nvPr/>
-        </p:nvPicPr>
-        <p:blipFill>
-          <a:blip r:embed="rId3" cstate="print">
-            <a:extLst>
-              <a:ext uri="{28A0092B-C50C-407E-A947-70E740481C1C}">
-                <a14:useLocalDpi xmlns:a14="http://schemas.microsoft.com/office/drawing/2010/main" val="0"/>
-              </a:ext>
-            </a:extLst>
-          </a:blip>
-          <a:srcRect/>
-          <a:stretch>
-            <a:fillRect/>
-          </a:stretch>
-        </p:blipFill>
-        <p:spPr bwMode="auto">
-          <a:xfrm>
-            <a:off x="736600" y="2989988"/>
-            <a:ext cx="5359400" cy="3345180"/>
-          </a:xfrm>
-          <a:prstGeom prst="rect">
-            <a:avLst/>
-          </a:prstGeom>
-          <a:noFill/>
-          <a:ln>
-            <a:noFill/>
-          </a:ln>
-        </p:spPr>
-      </p:pic>
-    </p:spTree>
-    <p:extLst>
-      <p:ext uri="{BB962C8B-B14F-4D97-AF65-F5344CB8AC3E}">
-        <p14:creationId xmlns:p14="http://schemas.microsoft.com/office/powerpoint/2010/main" val="989213493"/>
-      </p:ext>
-    </p:extLst>
-  </p:cSld>
-  <p:clrMapOvr>
-    <a:masterClrMapping/>
-  </p:clrMapOvr>
-</p:sld>
-</file>
-
-<file path=ppt/slides/slide27.xml><?xml version="1.0" encoding="utf-8"?>
-<p:sld xmlns:a="http://schemas.openxmlformats.org/drawingml/2006/main" xmlns:r="http://schemas.openxmlformats.org/officeDocument/2006/relationships" xmlns:p="http://schemas.openxmlformats.org/presentationml/2006/main">
-  <p:cSld>
-    <p:spTree>
-      <p:nvGrpSpPr>
-        <p:cNvPr id="1" name=""/>
-        <p:cNvGrpSpPr/>
-        <p:nvPr/>
-      </p:nvGrpSpPr>
-      <p:grpSpPr>
-        <a:xfrm>
-          <a:off x="0" y="0"/>
-          <a:ext cx="0" cy="0"/>
-          <a:chOff x="0" y="0"/>
-          <a:chExt cx="0" cy="0"/>
-        </a:xfrm>
-      </p:grpSpPr>
-      <p:pic>
-        <p:nvPicPr>
-          <p:cNvPr id="2" name="Picture 1">
-            <a:extLst>
-              <a:ext uri="{FF2B5EF4-FFF2-40B4-BE49-F238E27FC236}">
-                <a16:creationId xmlns:a16="http://schemas.microsoft.com/office/drawing/2014/main" id="{B0D4D89A-B850-AA4A-2522-158D70F28E3E}"/>
-              </a:ext>
-            </a:extLst>
-          </p:cNvPr>
-          <p:cNvPicPr>
-            <a:picLocks noChangeAspect="1"/>
-          </p:cNvPicPr>
-          <p:nvPr/>
-        </p:nvPicPr>
-        <p:blipFill>
-          <a:blip r:embed="rId2" cstate="print">
-            <a:extLst>
-              <a:ext uri="{28A0092B-C50C-407E-A947-70E740481C1C}">
-                <a14:useLocalDpi xmlns:a14="http://schemas.microsoft.com/office/drawing/2010/main" val="0"/>
-              </a:ext>
-            </a:extLst>
-          </a:blip>
-          <a:srcRect/>
-          <a:stretch>
-            <a:fillRect/>
-          </a:stretch>
-        </p:blipFill>
-        <p:spPr bwMode="auto">
-          <a:xfrm>
-            <a:off x="496606" y="333052"/>
-            <a:ext cx="5419090" cy="3345180"/>
-          </a:xfrm>
-          <a:prstGeom prst="rect">
-            <a:avLst/>
-          </a:prstGeom>
-          <a:noFill/>
-          <a:ln>
-            <a:noFill/>
-          </a:ln>
-        </p:spPr>
-      </p:pic>
-      <p:pic>
-        <p:nvPicPr>
-          <p:cNvPr id="3" name="Picture 2">
-            <a:extLst>
-              <a:ext uri="{FF2B5EF4-FFF2-40B4-BE49-F238E27FC236}">
-                <a16:creationId xmlns:a16="http://schemas.microsoft.com/office/drawing/2014/main" id="{A3E9CBCC-234D-8A32-03E0-6C49DB093147}"/>
-              </a:ext>
-            </a:extLst>
-          </p:cNvPr>
-          <p:cNvPicPr>
-            <a:picLocks noChangeAspect="1"/>
-          </p:cNvPicPr>
-          <p:nvPr/>
-        </p:nvPicPr>
-        <p:blipFill>
-          <a:blip r:embed="rId3" cstate="print">
-            <a:extLst>
-              <a:ext uri="{28A0092B-C50C-407E-A947-70E740481C1C}">
-                <a14:useLocalDpi xmlns:a14="http://schemas.microsoft.com/office/drawing/2010/main" val="0"/>
-              </a:ext>
-            </a:extLst>
-          </a:blip>
-          <a:srcRect/>
-          <a:stretch>
-            <a:fillRect/>
-          </a:stretch>
-        </p:blipFill>
-        <p:spPr bwMode="auto">
-          <a:xfrm>
-            <a:off x="6246459" y="2998614"/>
-            <a:ext cx="5448935" cy="3345180"/>
-          </a:xfrm>
-          <a:prstGeom prst="rect">
-            <a:avLst/>
-          </a:prstGeom>
-          <a:noFill/>
-          <a:ln>
-            <a:noFill/>
-          </a:ln>
-        </p:spPr>
-      </p:pic>
-    </p:spTree>
-    <p:extLst>
-      <p:ext uri="{BB962C8B-B14F-4D97-AF65-F5344CB8AC3E}">
-        <p14:creationId xmlns:p14="http://schemas.microsoft.com/office/powerpoint/2010/main" val="2446003910"/>
-      </p:ext>
-    </p:extLst>
-  </p:cSld>
-  <p:clrMapOvr>
-    <a:masterClrMapping/>
-  </p:clrMapOvr>
-</p:sld>
-</file>
-
-<file path=ppt/slides/slide28.xml><?xml version="1.0" encoding="utf-8"?>
-<p:sld xmlns:a="http://schemas.openxmlformats.org/drawingml/2006/main" xmlns:r="http://schemas.openxmlformats.org/officeDocument/2006/relationships" xmlns:p="http://schemas.openxmlformats.org/presentationml/2006/main">
-  <p:cSld>
-    <p:spTree>
-      <p:nvGrpSpPr>
-        <p:cNvPr id="1" name=""/>
-        <p:cNvGrpSpPr/>
-        <p:nvPr/>
-      </p:nvGrpSpPr>
-      <p:grpSpPr>
-        <a:xfrm>
-          <a:off x="0" y="0"/>
-          <a:ext cx="0" cy="0"/>
-          <a:chOff x="0" y="0"/>
-          <a:chExt cx="0" cy="0"/>
-        </a:xfrm>
-      </p:grpSpPr>
-      <p:pic>
-        <p:nvPicPr>
-          <p:cNvPr id="2" name="Picture 1">
-            <a:extLst>
-              <a:ext uri="{FF2B5EF4-FFF2-40B4-BE49-F238E27FC236}">
-                <a16:creationId xmlns:a16="http://schemas.microsoft.com/office/drawing/2014/main" id="{EDF74ADB-9A26-75D8-FB23-55561254ADB9}"/>
-              </a:ext>
-            </a:extLst>
-          </p:cNvPr>
-          <p:cNvPicPr>
-            <a:picLocks noChangeAspect="1"/>
-          </p:cNvPicPr>
-          <p:nvPr/>
-        </p:nvPicPr>
-        <p:blipFill>
-          <a:blip r:embed="rId2" cstate="print">
-            <a:extLst>
-              <a:ext uri="{28A0092B-C50C-407E-A947-70E740481C1C}">
-                <a14:useLocalDpi xmlns:a14="http://schemas.microsoft.com/office/drawing/2010/main" val="0"/>
-              </a:ext>
-            </a:extLst>
-          </a:blip>
-          <a:srcRect/>
-          <a:stretch>
-            <a:fillRect/>
-          </a:stretch>
-        </p:blipFill>
-        <p:spPr bwMode="auto">
-          <a:xfrm>
-            <a:off x="469558" y="315798"/>
-            <a:ext cx="5352415" cy="3345180"/>
-          </a:xfrm>
-          <a:prstGeom prst="rect">
-            <a:avLst/>
-          </a:prstGeom>
-          <a:noFill/>
-          <a:ln>
-            <a:noFill/>
-          </a:ln>
-        </p:spPr>
-      </p:pic>
-      <p:pic>
-        <p:nvPicPr>
-          <p:cNvPr id="3" name="Picture 2">
-            <a:extLst>
-              <a:ext uri="{FF2B5EF4-FFF2-40B4-BE49-F238E27FC236}">
-                <a16:creationId xmlns:a16="http://schemas.microsoft.com/office/drawing/2014/main" id="{7596AB98-1EAD-12B1-95D7-E6352448CB20}"/>
-              </a:ext>
-            </a:extLst>
-          </p:cNvPr>
-          <p:cNvPicPr>
-            <a:picLocks noChangeAspect="1"/>
-          </p:cNvPicPr>
-          <p:nvPr/>
-        </p:nvPicPr>
-        <p:blipFill>
-          <a:blip r:embed="rId3" cstate="print">
-            <a:extLst>
-              <a:ext uri="{28A0092B-C50C-407E-A947-70E740481C1C}">
-                <a14:useLocalDpi xmlns:a14="http://schemas.microsoft.com/office/drawing/2010/main" val="0"/>
-              </a:ext>
-            </a:extLst>
-          </a:blip>
-          <a:srcRect/>
-          <a:stretch>
-            <a:fillRect/>
-          </a:stretch>
-        </p:blipFill>
-        <p:spPr bwMode="auto">
-          <a:xfrm>
-            <a:off x="6276460" y="3050372"/>
-            <a:ext cx="5367020" cy="3345180"/>
-          </a:xfrm>
-          <a:prstGeom prst="rect">
-            <a:avLst/>
-          </a:prstGeom>
-          <a:noFill/>
-          <a:ln>
-            <a:noFill/>
-          </a:ln>
-        </p:spPr>
-      </p:pic>
-    </p:spTree>
-    <p:extLst>
-      <p:ext uri="{BB962C8B-B14F-4D97-AF65-F5344CB8AC3E}">
-        <p14:creationId xmlns:p14="http://schemas.microsoft.com/office/powerpoint/2010/main" val="1732413843"/>
-      </p:ext>
-    </p:extLst>
-  </p:cSld>
-  <p:clrMapOvr>
-    <a:masterClrMapping/>
-  </p:clrMapOvr>
-</p:sld>
-</file>
-
-<file path=ppt/slides/slide29.xml><?xml version="1.0" encoding="utf-8"?>
-<p:sld xmlns:a="http://schemas.openxmlformats.org/drawingml/2006/main" xmlns:r="http://schemas.openxmlformats.org/officeDocument/2006/relationships" xmlns:p="http://schemas.openxmlformats.org/presentationml/2006/main">
-  <p:cSld>
-    <p:spTree>
-      <p:nvGrpSpPr>
-        <p:cNvPr id="1" name=""/>
-        <p:cNvGrpSpPr/>
-        <p:nvPr/>
-      </p:nvGrpSpPr>
-      <p:grpSpPr>
-        <a:xfrm>
-          <a:off x="0" y="0"/>
-          <a:ext cx="0" cy="0"/>
-          <a:chOff x="0" y="0"/>
-          <a:chExt cx="0" cy="0"/>
-        </a:xfrm>
-      </p:grpSpPr>
-      <p:sp>
-        <p:nvSpPr>
-          <p:cNvPr id="2" name="Title 1">
-            <a:extLst>
-              <a:ext uri="{FF2B5EF4-FFF2-40B4-BE49-F238E27FC236}">
-                <a16:creationId xmlns:a16="http://schemas.microsoft.com/office/drawing/2014/main" id="{588F6C49-7B93-4711-ABD2-2EC1FF3B9F03}"/>
-              </a:ext>
-            </a:extLst>
-          </p:cNvPr>
-          <p:cNvSpPr>
-            <a:spLocks noGrp="1"/>
-          </p:cNvSpPr>
-          <p:nvPr>
-            <p:ph type="title"/>
-          </p:nvPr>
-        </p:nvSpPr>
-        <p:spPr>
-          <a:xfrm>
-            <a:off x="838200" y="365126"/>
-            <a:ext cx="10515600" cy="678064"/>
-          </a:xfrm>
-        </p:spPr>
-        <p:txBody>
-          <a:bodyPr>
-            <a:normAutofit fontScale="90000"/>
-          </a:bodyPr>
-          <a:lstStyle/>
-          <a:p>
-            <a:r>
-              <a:rPr lang="en-US" b="1" u="sng" dirty="0">
-                <a:latin typeface="Times New Roman" panose="02020603050405020304" pitchFamily="18" charset="0"/>
-                <a:cs typeface="Times New Roman" panose="02020603050405020304" pitchFamily="18" charset="0"/>
-              </a:rPr>
-              <a:t>System Organization</a:t>
-            </a:r>
-          </a:p>
-        </p:txBody>
-      </p:sp>
-      <p:sp>
-        <p:nvSpPr>
-          <p:cNvPr id="3" name="Content Placeholder 2">
-            <a:extLst>
-              <a:ext uri="{FF2B5EF4-FFF2-40B4-BE49-F238E27FC236}">
-                <a16:creationId xmlns:a16="http://schemas.microsoft.com/office/drawing/2014/main" id="{93E57752-E6ED-4E04-8032-B5B8EE1C4D39}"/>
-              </a:ext>
-            </a:extLst>
-          </p:cNvPr>
-          <p:cNvSpPr>
-            <a:spLocks noGrp="1"/>
-          </p:cNvSpPr>
-          <p:nvPr>
-            <p:ph idx="1"/>
-          </p:nvPr>
-        </p:nvSpPr>
-        <p:spPr>
-          <a:xfrm>
-            <a:off x="838200" y="1635617"/>
-            <a:ext cx="10515600" cy="3515932"/>
-          </a:xfrm>
-        </p:spPr>
-        <p:txBody>
-          <a:bodyPr/>
-          <a:lstStyle/>
-          <a:p>
-            <a:pPr marL="0" marR="0" indent="0">
-              <a:lnSpc>
-                <a:spcPct val="106000"/>
-              </a:lnSpc>
-              <a:spcBef>
-                <a:spcPts val="0"/>
-              </a:spcBef>
-              <a:spcAft>
-                <a:spcPts val="0"/>
-              </a:spcAft>
-              <a:buNone/>
-            </a:pPr>
-            <a:r>
-              <a:rPr lang="en-US" sz="1800" b="1" dirty="0">
-                <a:effectLst/>
-                <a:latin typeface="Times New Roman" panose="02020603050405020304" pitchFamily="18" charset="0"/>
-                <a:ea typeface="Times New Roman" panose="02020603050405020304" pitchFamily="18" charset="0"/>
-              </a:rPr>
-              <a:t>Test</a:t>
-            </a:r>
-            <a:r>
-              <a:rPr lang="en-US" sz="1800" b="1" spc="-20" dirty="0">
-                <a:effectLst/>
-                <a:latin typeface="Times New Roman" panose="02020603050405020304" pitchFamily="18" charset="0"/>
-                <a:ea typeface="Times New Roman" panose="02020603050405020304" pitchFamily="18" charset="0"/>
-              </a:rPr>
-              <a:t> </a:t>
-            </a:r>
-            <a:r>
-              <a:rPr lang="en-US" sz="1800" b="1" dirty="0">
-                <a:effectLst/>
-                <a:latin typeface="Times New Roman" panose="02020603050405020304" pitchFamily="18" charset="0"/>
-                <a:ea typeface="Times New Roman" panose="02020603050405020304" pitchFamily="18" charset="0"/>
-              </a:rPr>
-              <a:t>Schedule</a:t>
-            </a:r>
-            <a:r>
-              <a:rPr lang="en-US" sz="1800" b="1" spc="-5" dirty="0">
-                <a:effectLst/>
-                <a:latin typeface="Times New Roman" panose="02020603050405020304" pitchFamily="18" charset="0"/>
-                <a:ea typeface="Times New Roman" panose="02020603050405020304" pitchFamily="18" charset="0"/>
-              </a:rPr>
-              <a:t> </a:t>
-            </a:r>
-            <a:r>
-              <a:rPr lang="en-US" sz="1800" b="1" dirty="0">
-                <a:effectLst/>
-                <a:latin typeface="Times New Roman" panose="02020603050405020304" pitchFamily="18" charset="0"/>
-                <a:ea typeface="Times New Roman" panose="02020603050405020304" pitchFamily="18" charset="0"/>
-              </a:rPr>
-              <a:t>and</a:t>
-            </a:r>
-            <a:r>
-              <a:rPr lang="en-US" sz="1800" b="1" spc="-10" dirty="0">
-                <a:effectLst/>
-                <a:latin typeface="Times New Roman" panose="02020603050405020304" pitchFamily="18" charset="0"/>
-                <a:ea typeface="Times New Roman" panose="02020603050405020304" pitchFamily="18" charset="0"/>
-              </a:rPr>
-              <a:t> </a:t>
-            </a:r>
-            <a:r>
-              <a:rPr lang="en-US" sz="1800" b="1" dirty="0">
-                <a:effectLst/>
-                <a:latin typeface="Times New Roman" panose="02020603050405020304" pitchFamily="18" charset="0"/>
-                <a:ea typeface="Times New Roman" panose="02020603050405020304" pitchFamily="18" charset="0"/>
-              </a:rPr>
-              <a:t>Milestones:</a:t>
-            </a:r>
-            <a:endParaRPr lang="en-US" sz="1800" b="1" dirty="0">
-              <a:latin typeface="Times New Roman" panose="02020603050405020304" pitchFamily="18" charset="0"/>
-              <a:ea typeface="Times New Roman" panose="02020603050405020304" pitchFamily="18" charset="0"/>
-            </a:endParaRPr>
-          </a:p>
-          <a:p>
-            <a:pPr marL="0" marR="0" indent="0">
-              <a:lnSpc>
-                <a:spcPct val="106000"/>
-              </a:lnSpc>
-              <a:spcBef>
-                <a:spcPts val="0"/>
-              </a:spcBef>
-              <a:spcAft>
-                <a:spcPts val="0"/>
-              </a:spcAft>
-              <a:buNone/>
-            </a:pPr>
-            <a:r>
-              <a:rPr lang="en-US" sz="1800" dirty="0">
-                <a:latin typeface="Times New Roman" panose="02020603050405020304" pitchFamily="18" charset="0"/>
-                <a:ea typeface="Times New Roman" panose="02020603050405020304" pitchFamily="18" charset="0"/>
-              </a:rPr>
-              <a:t>    </a:t>
-            </a:r>
-            <a:r>
-              <a:rPr lang="en-US" sz="1800" dirty="0">
-                <a:effectLst/>
-                <a:latin typeface="Times New Roman" panose="02020603050405020304" pitchFamily="18" charset="0"/>
-                <a:ea typeface="Times New Roman" panose="02020603050405020304" pitchFamily="18" charset="0"/>
-              </a:rPr>
-              <a:t>This</a:t>
-            </a:r>
-            <a:r>
-              <a:rPr lang="en-US" sz="1800" spc="80" dirty="0">
-                <a:effectLst/>
-                <a:latin typeface="Times New Roman" panose="02020603050405020304" pitchFamily="18" charset="0"/>
-                <a:ea typeface="Times New Roman" panose="02020603050405020304" pitchFamily="18" charset="0"/>
-              </a:rPr>
-              <a:t> </a:t>
-            </a:r>
-            <a:r>
-              <a:rPr lang="en-US" sz="1800" dirty="0">
-                <a:effectLst/>
-                <a:latin typeface="Times New Roman" panose="02020603050405020304" pitchFamily="18" charset="0"/>
-                <a:ea typeface="Times New Roman" panose="02020603050405020304" pitchFamily="18" charset="0"/>
-              </a:rPr>
-              <a:t>simply</a:t>
-            </a:r>
-            <a:r>
-              <a:rPr lang="en-US" sz="1800" spc="90" dirty="0">
-                <a:effectLst/>
-                <a:latin typeface="Times New Roman" panose="02020603050405020304" pitchFamily="18" charset="0"/>
-                <a:ea typeface="Times New Roman" panose="02020603050405020304" pitchFamily="18" charset="0"/>
-              </a:rPr>
-              <a:t> </a:t>
-            </a:r>
-            <a:r>
-              <a:rPr lang="en-US" sz="1800" dirty="0">
-                <a:effectLst/>
-                <a:latin typeface="Times New Roman" panose="02020603050405020304" pitchFamily="18" charset="0"/>
-                <a:ea typeface="Times New Roman" panose="02020603050405020304" pitchFamily="18" charset="0"/>
-              </a:rPr>
-              <a:t>refers</a:t>
-            </a:r>
-            <a:r>
-              <a:rPr lang="en-US" sz="1800" spc="85" dirty="0">
-                <a:effectLst/>
-                <a:latin typeface="Times New Roman" panose="02020603050405020304" pitchFamily="18" charset="0"/>
-                <a:ea typeface="Times New Roman" panose="02020603050405020304" pitchFamily="18" charset="0"/>
-              </a:rPr>
-              <a:t> </a:t>
-            </a:r>
-            <a:r>
-              <a:rPr lang="en-US" sz="1800" dirty="0">
-                <a:effectLst/>
-                <a:latin typeface="Times New Roman" panose="02020603050405020304" pitchFamily="18" charset="0"/>
-                <a:ea typeface="Times New Roman" panose="02020603050405020304" pitchFamily="18" charset="0"/>
-              </a:rPr>
-              <a:t>to</a:t>
-            </a:r>
-            <a:r>
-              <a:rPr lang="en-US" sz="1800" spc="80" dirty="0">
-                <a:effectLst/>
-                <a:latin typeface="Times New Roman" panose="02020603050405020304" pitchFamily="18" charset="0"/>
-                <a:ea typeface="Times New Roman" panose="02020603050405020304" pitchFamily="18" charset="0"/>
-              </a:rPr>
-              <a:t> </a:t>
-            </a:r>
-            <a:r>
-              <a:rPr lang="en-US" sz="1800" dirty="0">
-                <a:effectLst/>
-                <a:latin typeface="Times New Roman" panose="02020603050405020304" pitchFamily="18" charset="0"/>
-                <a:ea typeface="Times New Roman" panose="02020603050405020304" pitchFamily="18" charset="0"/>
-              </a:rPr>
-              <a:t>the</a:t>
-            </a:r>
-            <a:r>
-              <a:rPr lang="en-US" sz="1800" spc="85" dirty="0">
-                <a:effectLst/>
-                <a:latin typeface="Times New Roman" panose="02020603050405020304" pitchFamily="18" charset="0"/>
-                <a:ea typeface="Times New Roman" panose="02020603050405020304" pitchFamily="18" charset="0"/>
-              </a:rPr>
-              <a:t> </a:t>
-            </a:r>
-            <a:r>
-              <a:rPr lang="en-US" sz="1800" dirty="0">
-                <a:effectLst/>
-                <a:latin typeface="Times New Roman" panose="02020603050405020304" pitchFamily="18" charset="0"/>
-                <a:ea typeface="Times New Roman" panose="02020603050405020304" pitchFamily="18" charset="0"/>
-              </a:rPr>
-              <a:t>test</a:t>
-            </a:r>
-            <a:r>
-              <a:rPr lang="en-US" sz="1800" spc="95" dirty="0">
-                <a:effectLst/>
-                <a:latin typeface="Times New Roman" panose="02020603050405020304" pitchFamily="18" charset="0"/>
-                <a:ea typeface="Times New Roman" panose="02020603050405020304" pitchFamily="18" charset="0"/>
-              </a:rPr>
-              <a:t> </a:t>
-            </a:r>
-            <a:r>
-              <a:rPr lang="en-US" sz="1800" dirty="0">
-                <a:effectLst/>
-                <a:latin typeface="Times New Roman" panose="02020603050405020304" pitchFamily="18" charset="0"/>
-                <a:ea typeface="Times New Roman" panose="02020603050405020304" pitchFamily="18" charset="0"/>
-              </a:rPr>
-              <a:t>plan</a:t>
-            </a:r>
-            <a:r>
-              <a:rPr lang="en-US" sz="1800" spc="80" dirty="0">
-                <a:effectLst/>
-                <a:latin typeface="Times New Roman" panose="02020603050405020304" pitchFamily="18" charset="0"/>
-                <a:ea typeface="Times New Roman" panose="02020603050405020304" pitchFamily="18" charset="0"/>
-              </a:rPr>
-              <a:t> </a:t>
-            </a:r>
-            <a:r>
-              <a:rPr lang="en-US" sz="1800" dirty="0">
-                <a:effectLst/>
-                <a:latin typeface="Times New Roman" panose="02020603050405020304" pitchFamily="18" charset="0"/>
-                <a:ea typeface="Times New Roman" panose="02020603050405020304" pitchFamily="18" charset="0"/>
-              </a:rPr>
-              <a:t>of</a:t>
-            </a:r>
-            <a:r>
-              <a:rPr lang="en-US" sz="1800" spc="90" dirty="0">
-                <a:effectLst/>
-                <a:latin typeface="Times New Roman" panose="02020603050405020304" pitchFamily="18" charset="0"/>
-                <a:ea typeface="Times New Roman" panose="02020603050405020304" pitchFamily="18" charset="0"/>
-              </a:rPr>
-              <a:t> </a:t>
-            </a:r>
-            <a:r>
-              <a:rPr lang="en-US" sz="1800" dirty="0">
-                <a:effectLst/>
-                <a:latin typeface="Times New Roman" panose="02020603050405020304" pitchFamily="18" charset="0"/>
-                <a:ea typeface="Times New Roman" panose="02020603050405020304" pitchFamily="18" charset="0"/>
-              </a:rPr>
-              <a:t>the</a:t>
-            </a:r>
-            <a:r>
-              <a:rPr lang="en-US" sz="1800" spc="85" dirty="0">
-                <a:effectLst/>
-                <a:latin typeface="Times New Roman" panose="02020603050405020304" pitchFamily="18" charset="0"/>
-                <a:ea typeface="Times New Roman" panose="02020603050405020304" pitchFamily="18" charset="0"/>
-              </a:rPr>
-              <a:t> </a:t>
-            </a:r>
-            <a:r>
-              <a:rPr lang="en-US" sz="1800" dirty="0">
-                <a:effectLst/>
-                <a:latin typeface="Times New Roman" panose="02020603050405020304" pitchFamily="18" charset="0"/>
-                <a:ea typeface="Times New Roman" panose="02020603050405020304" pitchFamily="18" charset="0"/>
-              </a:rPr>
-              <a:t>project</a:t>
-            </a:r>
-            <a:r>
-              <a:rPr lang="en-US" sz="1800" spc="85" dirty="0">
-                <a:effectLst/>
-                <a:latin typeface="Times New Roman" panose="02020603050405020304" pitchFamily="18" charset="0"/>
-                <a:ea typeface="Times New Roman" panose="02020603050405020304" pitchFamily="18" charset="0"/>
-              </a:rPr>
-              <a:t> </a:t>
-            </a:r>
-            <a:r>
-              <a:rPr lang="en-US" sz="1800" dirty="0">
-                <a:effectLst/>
-                <a:latin typeface="Times New Roman" panose="02020603050405020304" pitchFamily="18" charset="0"/>
-                <a:ea typeface="Times New Roman" panose="02020603050405020304" pitchFamily="18" charset="0"/>
-              </a:rPr>
-              <a:t>processes.</a:t>
-            </a:r>
-            <a:r>
-              <a:rPr lang="en-US" sz="1800" spc="80" dirty="0">
-                <a:effectLst/>
-                <a:latin typeface="Times New Roman" panose="02020603050405020304" pitchFamily="18" charset="0"/>
-                <a:ea typeface="Times New Roman" panose="02020603050405020304" pitchFamily="18" charset="0"/>
-              </a:rPr>
-              <a:t> </a:t>
-            </a:r>
-            <a:r>
-              <a:rPr lang="en-US" sz="1800" dirty="0">
-                <a:effectLst/>
-                <a:latin typeface="Times New Roman" panose="02020603050405020304" pitchFamily="18" charset="0"/>
-                <a:ea typeface="Times New Roman" panose="02020603050405020304" pitchFamily="18" charset="0"/>
-              </a:rPr>
-              <a:t>Comprises</a:t>
-            </a:r>
-            <a:r>
-              <a:rPr lang="en-US" sz="1800" spc="95" dirty="0">
-                <a:effectLst/>
-                <a:latin typeface="Times New Roman" panose="02020603050405020304" pitchFamily="18" charset="0"/>
-                <a:ea typeface="Times New Roman" panose="02020603050405020304" pitchFamily="18" charset="0"/>
-              </a:rPr>
-              <a:t> </a:t>
-            </a:r>
-            <a:r>
-              <a:rPr lang="en-US" sz="1800" dirty="0">
-                <a:effectLst/>
-                <a:latin typeface="Times New Roman" panose="02020603050405020304" pitchFamily="18" charset="0"/>
-                <a:ea typeface="Times New Roman" panose="02020603050405020304" pitchFamily="18" charset="0"/>
-              </a:rPr>
-              <a:t>a</a:t>
-            </a:r>
-            <a:r>
-              <a:rPr lang="en-US" sz="1800" spc="-385" dirty="0">
-                <a:effectLst/>
-                <a:latin typeface="Times New Roman" panose="02020603050405020304" pitchFamily="18" charset="0"/>
-                <a:ea typeface="Times New Roman" panose="02020603050405020304" pitchFamily="18" charset="0"/>
-              </a:rPr>
-              <a:t> </a:t>
-            </a:r>
-            <a:r>
-              <a:rPr lang="en-US" sz="1800" dirty="0">
-                <a:effectLst/>
-                <a:latin typeface="Times New Roman" panose="02020603050405020304" pitchFamily="18" charset="0"/>
-                <a:ea typeface="Times New Roman" panose="02020603050405020304" pitchFamily="18" charset="0"/>
-              </a:rPr>
-              <a:t>test</a:t>
-            </a:r>
-            <a:r>
-              <a:rPr lang="en-US" sz="1800" spc="-50" dirty="0">
-                <a:effectLst/>
-                <a:latin typeface="Times New Roman" panose="02020603050405020304" pitchFamily="18" charset="0"/>
-                <a:ea typeface="Times New Roman" panose="02020603050405020304" pitchFamily="18" charset="0"/>
-              </a:rPr>
-              <a:t> </a:t>
-            </a:r>
-            <a:r>
-              <a:rPr lang="en-US" sz="1800" dirty="0">
-                <a:effectLst/>
-                <a:latin typeface="Times New Roman" panose="02020603050405020304" pitchFamily="18" charset="0"/>
-                <a:ea typeface="Times New Roman" panose="02020603050405020304" pitchFamily="18" charset="0"/>
-              </a:rPr>
-              <a:t>plan</a:t>
-            </a:r>
-            <a:r>
-              <a:rPr lang="en-US" sz="1800" spc="-45" dirty="0">
-                <a:effectLst/>
-                <a:latin typeface="Times New Roman" panose="02020603050405020304" pitchFamily="18" charset="0"/>
-                <a:ea typeface="Times New Roman" panose="02020603050405020304" pitchFamily="18" charset="0"/>
-              </a:rPr>
-              <a:t> </a:t>
-            </a:r>
-            <a:r>
-              <a:rPr lang="en-US" sz="1800" dirty="0">
-                <a:effectLst/>
-                <a:latin typeface="Times New Roman" panose="02020603050405020304" pitchFamily="18" charset="0"/>
-                <a:ea typeface="Times New Roman" panose="02020603050405020304" pitchFamily="18" charset="0"/>
-              </a:rPr>
-              <a:t>aligned</a:t>
-            </a:r>
-            <a:r>
-              <a:rPr lang="en-US" sz="1800" spc="-50" dirty="0">
-                <a:effectLst/>
-                <a:latin typeface="Times New Roman" panose="02020603050405020304" pitchFamily="18" charset="0"/>
-                <a:ea typeface="Times New Roman" panose="02020603050405020304" pitchFamily="18" charset="0"/>
-              </a:rPr>
-              <a:t> </a:t>
-            </a:r>
-            <a:r>
-              <a:rPr lang="en-US" sz="1800" dirty="0">
-                <a:effectLst/>
-                <a:latin typeface="Times New Roman" panose="02020603050405020304" pitchFamily="18" charset="0"/>
-                <a:ea typeface="Times New Roman" panose="02020603050405020304" pitchFamily="18" charset="0"/>
-              </a:rPr>
-              <a:t>in</a:t>
-            </a:r>
-            <a:r>
-              <a:rPr lang="en-US" sz="1800" spc="-40" dirty="0">
-                <a:effectLst/>
-                <a:latin typeface="Times New Roman" panose="02020603050405020304" pitchFamily="18" charset="0"/>
-                <a:ea typeface="Times New Roman" panose="02020603050405020304" pitchFamily="18" charset="0"/>
-              </a:rPr>
-              <a:t> </a:t>
-            </a:r>
-            <a:r>
-              <a:rPr lang="en-US" sz="1800" dirty="0">
-                <a:effectLst/>
-                <a:latin typeface="Times New Roman" panose="02020603050405020304" pitchFamily="18" charset="0"/>
-                <a:ea typeface="Times New Roman" panose="02020603050405020304" pitchFamily="18" charset="0"/>
-              </a:rPr>
-              <a:t>respect</a:t>
-            </a:r>
-            <a:r>
-              <a:rPr lang="en-US" sz="1800" spc="-40" dirty="0">
-                <a:effectLst/>
-                <a:latin typeface="Times New Roman" panose="02020603050405020304" pitchFamily="18" charset="0"/>
-                <a:ea typeface="Times New Roman" panose="02020603050405020304" pitchFamily="18" charset="0"/>
-              </a:rPr>
-              <a:t> </a:t>
-            </a:r>
-            <a:r>
-              <a:rPr lang="en-US" sz="1800" dirty="0">
-                <a:effectLst/>
-                <a:latin typeface="Times New Roman" panose="02020603050405020304" pitchFamily="18" charset="0"/>
-                <a:ea typeface="Times New Roman" panose="02020603050405020304" pitchFamily="18" charset="0"/>
-              </a:rPr>
-              <a:t>to</a:t>
-            </a:r>
-            <a:r>
-              <a:rPr lang="en-US" sz="1800" spc="-20" dirty="0">
-                <a:effectLst/>
-                <a:latin typeface="Times New Roman" panose="02020603050405020304" pitchFamily="18" charset="0"/>
-                <a:ea typeface="Times New Roman" panose="02020603050405020304" pitchFamily="18" charset="0"/>
-              </a:rPr>
-              <a:t> </a:t>
-            </a:r>
-            <a:r>
-              <a:rPr lang="en-US" sz="1800" dirty="0">
-                <a:effectLst/>
-                <a:latin typeface="Times New Roman" panose="02020603050405020304" pitchFamily="18" charset="0"/>
-                <a:ea typeface="Times New Roman" panose="02020603050405020304" pitchFamily="18" charset="0"/>
-              </a:rPr>
-              <a:t>the</a:t>
-            </a:r>
-            <a:r>
-              <a:rPr lang="en-US" sz="1800" spc="-55" dirty="0">
-                <a:latin typeface="Times New Roman" panose="02020603050405020304" pitchFamily="18" charset="0"/>
-                <a:ea typeface="Times New Roman" panose="02020603050405020304" pitchFamily="18" charset="0"/>
-              </a:rPr>
-              <a:t> </a:t>
-            </a:r>
-            <a:r>
-              <a:rPr lang="en-US" sz="1800" dirty="0">
-                <a:effectLst/>
-                <a:latin typeface="Times New Roman" panose="02020603050405020304" pitchFamily="18" charset="0"/>
-                <a:ea typeface="Times New Roman" panose="02020603050405020304" pitchFamily="18" charset="0"/>
-              </a:rPr>
-              <a:t>predefined</a:t>
-            </a:r>
-            <a:r>
-              <a:rPr lang="en-US" sz="1800" spc="-40" dirty="0">
-                <a:effectLst/>
-                <a:latin typeface="Times New Roman" panose="02020603050405020304" pitchFamily="18" charset="0"/>
-                <a:ea typeface="Times New Roman" panose="02020603050405020304" pitchFamily="18" charset="0"/>
-              </a:rPr>
-              <a:t> </a:t>
-            </a:r>
-            <a:r>
-              <a:rPr lang="en-US" sz="1800" dirty="0">
-                <a:effectLst/>
-                <a:latin typeface="Times New Roman" panose="02020603050405020304" pitchFamily="18" charset="0"/>
-                <a:ea typeface="Times New Roman" panose="02020603050405020304" pitchFamily="18" charset="0"/>
-              </a:rPr>
-              <a:t>date</a:t>
-            </a:r>
-            <a:r>
-              <a:rPr lang="en-US" sz="1800" spc="-40" dirty="0">
-                <a:effectLst/>
-                <a:latin typeface="Times New Roman" panose="02020603050405020304" pitchFamily="18" charset="0"/>
-                <a:ea typeface="Times New Roman" panose="02020603050405020304" pitchFamily="18" charset="0"/>
-              </a:rPr>
-              <a:t> </a:t>
-            </a:r>
-            <a:r>
-              <a:rPr lang="en-US" sz="1800" dirty="0">
-                <a:effectLst/>
-                <a:latin typeface="Times New Roman" panose="02020603050405020304" pitchFamily="18" charset="0"/>
-                <a:ea typeface="Times New Roman" panose="02020603050405020304" pitchFamily="18" charset="0"/>
-              </a:rPr>
-              <a:t>for</a:t>
-            </a:r>
-            <a:r>
-              <a:rPr lang="en-US" sz="1800" spc="-40" dirty="0">
-                <a:effectLst/>
-                <a:latin typeface="Times New Roman" panose="02020603050405020304" pitchFamily="18" charset="0"/>
-                <a:ea typeface="Times New Roman" panose="02020603050405020304" pitchFamily="18" charset="0"/>
-              </a:rPr>
-              <a:t> </a:t>
-            </a:r>
-            <a:r>
-              <a:rPr lang="en-US" sz="1800" dirty="0">
-                <a:effectLst/>
-                <a:latin typeface="Times New Roman" panose="02020603050405020304" pitchFamily="18" charset="0"/>
-                <a:ea typeface="Times New Roman" panose="02020603050405020304" pitchFamily="18" charset="0"/>
-              </a:rPr>
-              <a:t>project</a:t>
-            </a:r>
-            <a:r>
-              <a:rPr lang="en-US" sz="1800" spc="-50" dirty="0">
-                <a:effectLst/>
-                <a:latin typeface="Times New Roman" panose="02020603050405020304" pitchFamily="18" charset="0"/>
-                <a:ea typeface="Times New Roman" panose="02020603050405020304" pitchFamily="18" charset="0"/>
-              </a:rPr>
-              <a:t> </a:t>
-            </a:r>
-            <a:r>
-              <a:rPr lang="en-US" sz="1800" dirty="0">
-                <a:effectLst/>
-                <a:latin typeface="Times New Roman" panose="02020603050405020304" pitchFamily="18" charset="0"/>
-                <a:ea typeface="Times New Roman" panose="02020603050405020304" pitchFamily="18" charset="0"/>
-              </a:rPr>
-              <a:t>development.</a:t>
-            </a:r>
-          </a:p>
-          <a:p>
-            <a:pPr marL="0" marR="0" indent="0">
-              <a:lnSpc>
-                <a:spcPct val="106000"/>
-              </a:lnSpc>
-              <a:spcBef>
-                <a:spcPts val="0"/>
-              </a:spcBef>
-              <a:spcAft>
-                <a:spcPts val="0"/>
-              </a:spcAft>
-              <a:buNone/>
-            </a:pPr>
-            <a:endParaRPr lang="en-US" sz="1800" dirty="0">
-              <a:effectLst/>
-              <a:latin typeface="Times New Roman" panose="02020603050405020304" pitchFamily="18" charset="0"/>
-              <a:ea typeface="Times New Roman" panose="02020603050405020304" pitchFamily="18" charset="0"/>
-            </a:endParaRPr>
-          </a:p>
-          <a:p>
-            <a:pPr marL="0" indent="0">
-              <a:buNone/>
-            </a:pPr>
-            <a:endParaRPr lang="en-US" dirty="0"/>
-          </a:p>
-        </p:txBody>
-      </p:sp>
-      <p:pic>
-        <p:nvPicPr>
-          <p:cNvPr id="6" name="image1.jpeg">
-            <a:extLst>
-              <a:ext uri="{FF2B5EF4-FFF2-40B4-BE49-F238E27FC236}">
-                <a16:creationId xmlns:a16="http://schemas.microsoft.com/office/drawing/2014/main" id="{D8483273-8362-2734-8A79-E1AB0870EA05}"/>
-              </a:ext>
-            </a:extLst>
-          </p:cNvPr>
-          <p:cNvPicPr>
-            <a:picLocks noChangeAspect="1"/>
-          </p:cNvPicPr>
-          <p:nvPr/>
-        </p:nvPicPr>
-        <p:blipFill>
-          <a:blip r:embed="rId2" cstate="print"/>
-          <a:stretch>
-            <a:fillRect/>
-          </a:stretch>
-        </p:blipFill>
-        <p:spPr>
-          <a:xfrm>
-            <a:off x="4844032" y="2284256"/>
-            <a:ext cx="5937250" cy="4465003"/>
-          </a:xfrm>
-          <a:prstGeom prst="rect">
-            <a:avLst/>
-          </a:prstGeom>
-        </p:spPr>
-      </p:pic>
-    </p:spTree>
-    <p:extLst>
-      <p:ext uri="{BB962C8B-B14F-4D97-AF65-F5344CB8AC3E}">
-        <p14:creationId xmlns:p14="http://schemas.microsoft.com/office/powerpoint/2010/main" val="3169457726"/>
-      </p:ext>
-    </p:extLst>
-  </p:cSld>
-  <p:clrMapOvr>
-    <a:masterClrMapping/>
-  </p:clrMapOvr>
-</p:sld>
-</file>
-
-<file path=ppt/slides/slide3.xml><?xml version="1.0" encoding="utf-8"?>
-<p:sld xmlns:a="http://schemas.openxmlformats.org/drawingml/2006/main" xmlns:r="http://schemas.openxmlformats.org/officeDocument/2006/relationships" xmlns:p="http://schemas.openxmlformats.org/presentationml/2006/main">
-  <p:cSld>
-    <p:spTree>
-      <p:nvGrpSpPr>
-        <p:cNvPr id="1" name=""/>
-        <p:cNvGrpSpPr/>
-        <p:nvPr/>
-      </p:nvGrpSpPr>
-      <p:grpSpPr>
-        <a:xfrm>
-          <a:off x="0" y="0"/>
-          <a:ext cx="0" cy="0"/>
-          <a:chOff x="0" y="0"/>
-          <a:chExt cx="0" cy="0"/>
-        </a:xfrm>
-      </p:grpSpPr>
-      <p:sp>
-        <p:nvSpPr>
-          <p:cNvPr id="2" name="Title 1">
-            <a:extLst>
-              <a:ext uri="{FF2B5EF4-FFF2-40B4-BE49-F238E27FC236}">
-                <a16:creationId xmlns:a16="http://schemas.microsoft.com/office/drawing/2014/main" id="{2398C72C-6AD7-4247-886E-7C12FAF995AD}"/>
-              </a:ext>
-            </a:extLst>
-          </p:cNvPr>
-          <p:cNvSpPr>
-            <a:spLocks noGrp="1"/>
-          </p:cNvSpPr>
-          <p:nvPr>
-            <p:ph type="title"/>
-          </p:nvPr>
-        </p:nvSpPr>
-        <p:spPr>
-          <a:xfrm>
-            <a:off x="838200" y="365126"/>
-            <a:ext cx="10515600" cy="1038672"/>
-          </a:xfrm>
-        </p:spPr>
-        <p:txBody>
-          <a:bodyPr/>
-          <a:lstStyle/>
-          <a:p>
-            <a:r>
-              <a:rPr lang="en-US" b="1" u="sng" dirty="0">
-                <a:latin typeface="Times New Roman" panose="02020603050405020304" pitchFamily="18" charset="0"/>
-                <a:cs typeface="Times New Roman" panose="02020603050405020304" pitchFamily="18" charset="0"/>
-              </a:rPr>
-              <a:t>Introduction</a:t>
-            </a:r>
-          </a:p>
-        </p:txBody>
-      </p:sp>
-      <p:sp>
-        <p:nvSpPr>
-          <p:cNvPr id="3" name="Content Placeholder 2">
-            <a:extLst>
-              <a:ext uri="{FF2B5EF4-FFF2-40B4-BE49-F238E27FC236}">
-                <a16:creationId xmlns:a16="http://schemas.microsoft.com/office/drawing/2014/main" id="{4A508B99-36B0-46FC-BAF0-0984DD19747F}"/>
-              </a:ext>
-            </a:extLst>
-          </p:cNvPr>
-          <p:cNvSpPr>
-            <a:spLocks noGrp="1"/>
-          </p:cNvSpPr>
-          <p:nvPr>
-            <p:ph idx="1"/>
-          </p:nvPr>
-        </p:nvSpPr>
-        <p:spPr>
-          <a:xfrm>
-            <a:off x="838200" y="1403798"/>
-            <a:ext cx="10515600" cy="4773165"/>
-          </a:xfrm>
-        </p:spPr>
-        <p:txBody>
-          <a:bodyPr>
-            <a:normAutofit/>
-          </a:bodyPr>
-          <a:lstStyle/>
-          <a:p>
-            <a:pPr marL="0" indent="0" algn="just">
-              <a:lnSpc>
-                <a:spcPct val="100000"/>
-              </a:lnSpc>
-              <a:buNone/>
-            </a:pPr>
-            <a:r>
-              <a:rPr lang="en-US" sz="2000" dirty="0">
-                <a:latin typeface="Times New Roman" panose="02020603050405020304" pitchFamily="18" charset="0"/>
-                <a:cs typeface="Times New Roman" panose="02020603050405020304" pitchFamily="18" charset="0"/>
-              </a:rPr>
-              <a:t>System development often referred to as the application development life cycle, is the architecting of the system via planning, creating, testing, and deploying it as well. </a:t>
-            </a:r>
-          </a:p>
-          <a:p>
-            <a:pPr marL="0" indent="0" algn="just">
-              <a:lnSpc>
-                <a:spcPct val="100000"/>
-              </a:lnSpc>
-              <a:buNone/>
-            </a:pPr>
-            <a:r>
-              <a:rPr lang="en-US" sz="2000" dirty="0">
-                <a:latin typeface="Times New Roman" panose="02020603050405020304" pitchFamily="18" charset="0"/>
-                <a:cs typeface="Times New Roman" panose="02020603050405020304" pitchFamily="18" charset="0"/>
-              </a:rPr>
-              <a:t>In this presentation, we shall discuss our system development process in stage one, as well as the full plan of the system thereof.</a:t>
-            </a:r>
-          </a:p>
-          <a:p>
-            <a:pPr marL="0" indent="0" algn="just">
-              <a:lnSpc>
-                <a:spcPct val="100000"/>
-              </a:lnSpc>
-              <a:buNone/>
-            </a:pPr>
-            <a:endParaRPr lang="en-US" sz="2000" dirty="0">
-              <a:latin typeface="Times New Roman" panose="02020603050405020304" pitchFamily="18" charset="0"/>
-              <a:cs typeface="Times New Roman" panose="02020603050405020304" pitchFamily="18" charset="0"/>
-            </a:endParaRPr>
-          </a:p>
-          <a:p>
-            <a:pPr marL="0" indent="0" algn="just">
-              <a:lnSpc>
-                <a:spcPct val="100000"/>
-              </a:lnSpc>
-              <a:buNone/>
-            </a:pPr>
-            <a:r>
-              <a:rPr lang="en-US" sz="2000" dirty="0">
-                <a:effectLst/>
-                <a:latin typeface="Times New Roman" panose="02020603050405020304" pitchFamily="18" charset="0"/>
-                <a:ea typeface="Calibri" panose="020F0502020204030204" pitchFamily="34" charset="0"/>
-                <a:cs typeface="Times New Roman" panose="02020603050405020304" pitchFamily="18" charset="0"/>
-              </a:rPr>
-              <a:t>This project is accentual in a way that an issue can be posted to the particular department authority immediately, to solve problem, in this case we are preparing this project to reach the student’s requirement in the university. The main agenda of our project is to create a software, ticketing tool, where every individual can either suggest or inform according to their perspective, regarding certain issue, to the officials. </a:t>
-            </a:r>
-          </a:p>
-          <a:p>
-            <a:pPr marL="0" indent="0" algn="just">
-              <a:lnSpc>
-                <a:spcPct val="100000"/>
-              </a:lnSpc>
-              <a:buNone/>
-            </a:pPr>
-            <a:endParaRPr lang="en-US" sz="2000" dirty="0">
-              <a:latin typeface="Times New Roman" panose="02020603050405020304" pitchFamily="18" charset="0"/>
-              <a:cs typeface="Times New Roman" panose="02020603050405020304" pitchFamily="18" charset="0"/>
-            </a:endParaRPr>
-          </a:p>
-        </p:txBody>
-      </p:sp>
-    </p:spTree>
-    <p:extLst>
-      <p:ext uri="{BB962C8B-B14F-4D97-AF65-F5344CB8AC3E}">
-        <p14:creationId xmlns:p14="http://schemas.microsoft.com/office/powerpoint/2010/main" val="683582957"/>
-      </p:ext>
-    </p:extLst>
-  </p:cSld>
-  <p:clrMapOvr>
-    <a:masterClrMapping/>
-  </p:clrMapOvr>
-</p:sld>
-</file>
-
-<file path=ppt/slides/slide30.xml><?xml version="1.0" encoding="utf-8"?>
 <p:sld xmlns:a="http://schemas.openxmlformats.org/drawingml/2006/main" xmlns:r="http://schemas.openxmlformats.org/officeDocument/2006/relationships" xmlns:p="http://schemas.openxmlformats.org/presentationml/2006/main">
   <p:cSld>
     <p:spTree>
@@ -9005,7 +9225,7 @@
 </p:sld>
 </file>
 
-<file path=ppt/slides/slide31.xml><?xml version="1.0" encoding="utf-8"?>
+<file path=ppt/slides/slide23.xml><?xml version="1.0" encoding="utf-8"?>
 <p:sld xmlns:a="http://schemas.openxmlformats.org/drawingml/2006/main" xmlns:r="http://schemas.openxmlformats.org/officeDocument/2006/relationships" xmlns:p="http://schemas.openxmlformats.org/presentationml/2006/main">
   <p:cSld>
     <p:spTree>
@@ -9684,7 +9904,7 @@
 </p:sld>
 </file>
 
-<file path=ppt/slides/slide32.xml><?xml version="1.0" encoding="utf-8"?>
+<file path=ppt/slides/slide24.xml><?xml version="1.0" encoding="utf-8"?>
 <p:sld xmlns:a="http://schemas.openxmlformats.org/drawingml/2006/main" xmlns:r="http://schemas.openxmlformats.org/officeDocument/2006/relationships" xmlns:p="http://schemas.openxmlformats.org/presentationml/2006/main">
   <p:cSld>
     <p:spTree>
@@ -9706,7 +9926,7 @@
           <p:cNvPr id="2" name="Title 1">
             <a:extLst>
               <a:ext uri="{FF2B5EF4-FFF2-40B4-BE49-F238E27FC236}">
-                <a16:creationId xmlns:a16="http://schemas.microsoft.com/office/drawing/2014/main" id="{BC8AC6B1-A153-58A4-9366-5EEE6CF37B8B}"/>
+                <a16:creationId xmlns:a16="http://schemas.microsoft.com/office/drawing/2014/main" id="{CB44BCD1-F19D-657E-FECA-E21921A46AD2}"/>
               </a:ext>
             </a:extLst>
           </p:cNvPr>
@@ -9727,1679 +9947,77 @@
                 <a:latin typeface="Times New Roman" panose="02020603050405020304" pitchFamily="18" charset="0"/>
                 <a:cs typeface="Times New Roman" panose="02020603050405020304" pitchFamily="18" charset="0"/>
               </a:rPr>
-              <a:t>Test Cases</a:t>
-            </a:r>
-            <a:endParaRPr lang="en-US" dirty="0"/>
+              <a:t>Summary</a:t>
+            </a:r>
           </a:p>
         </p:txBody>
       </p:sp>
-      <p:graphicFrame>
-        <p:nvGraphicFramePr>
-          <p:cNvPr id="13" name="Content Placeholder 12">
-            <a:extLst>
-              <a:ext uri="{FF2B5EF4-FFF2-40B4-BE49-F238E27FC236}">
-                <a16:creationId xmlns:a16="http://schemas.microsoft.com/office/drawing/2014/main" id="{203B2657-B4A3-AA72-874E-301604BDA225}"/>
-              </a:ext>
-            </a:extLst>
-          </p:cNvPr>
-          <p:cNvGraphicFramePr>
-            <a:graphicFrameLocks noGrp="1"/>
-          </p:cNvGraphicFramePr>
+      <p:sp>
+        <p:nvSpPr>
+          <p:cNvPr id="3" name="Content Placeholder 2">
+            <a:extLst>
+              <a:ext uri="{FF2B5EF4-FFF2-40B4-BE49-F238E27FC236}">
+                <a16:creationId xmlns:a16="http://schemas.microsoft.com/office/drawing/2014/main" id="{5D0BE23E-84B9-93A4-F70C-B735551D8528}"/>
+              </a:ext>
+            </a:extLst>
+          </p:cNvPr>
+          <p:cNvSpPr>
+            <a:spLocks noGrp="1"/>
+          </p:cNvSpPr>
           <p:nvPr>
             <p:ph idx="1"/>
           </p:nvPr>
-        </p:nvGraphicFramePr>
-        <p:xfrm>
-          <a:off x="3029902" y="2995454"/>
-          <a:ext cx="6132195" cy="2011680"/>
-        </p:xfrm>
-        <a:graphic>
-          <a:graphicData uri="http://schemas.openxmlformats.org/drawingml/2006/table">
-            <a:tbl>
-              <a:tblPr firstRow="1" firstCol="1" bandRow="1">
-                <a:tableStyleId>{5C22544A-7EE6-4342-B048-85BDC9FD1C3A}</a:tableStyleId>
-              </a:tblPr>
-              <a:tblGrid>
-                <a:gridCol w="292735">
-                  <a:extLst>
-                    <a:ext uri="{9D8B030D-6E8A-4147-A177-3AD203B41FA5}">
-                      <a16:colId xmlns:a16="http://schemas.microsoft.com/office/drawing/2014/main" val="3883293718"/>
-                    </a:ext>
-                  </a:extLst>
-                </a:gridCol>
-                <a:gridCol w="988695">
-                  <a:extLst>
-                    <a:ext uri="{9D8B030D-6E8A-4147-A177-3AD203B41FA5}">
-                      <a16:colId xmlns:a16="http://schemas.microsoft.com/office/drawing/2014/main" val="3027552390"/>
-                    </a:ext>
-                  </a:extLst>
-                </a:gridCol>
-                <a:gridCol w="1044575">
-                  <a:extLst>
-                    <a:ext uri="{9D8B030D-6E8A-4147-A177-3AD203B41FA5}">
-                      <a16:colId xmlns:a16="http://schemas.microsoft.com/office/drawing/2014/main" val="3203736379"/>
-                    </a:ext>
-                  </a:extLst>
-                </a:gridCol>
-                <a:gridCol w="1209040">
-                  <a:extLst>
-                    <a:ext uri="{9D8B030D-6E8A-4147-A177-3AD203B41FA5}">
-                      <a16:colId xmlns:a16="http://schemas.microsoft.com/office/drawing/2014/main" val="4168781068"/>
-                    </a:ext>
-                  </a:extLst>
-                </a:gridCol>
-                <a:gridCol w="1314450">
-                  <a:extLst>
-                    <a:ext uri="{9D8B030D-6E8A-4147-A177-3AD203B41FA5}">
-                      <a16:colId xmlns:a16="http://schemas.microsoft.com/office/drawing/2014/main" val="3439389301"/>
-                    </a:ext>
-                  </a:extLst>
-                </a:gridCol>
-                <a:gridCol w="1282700">
-                  <a:extLst>
-                    <a:ext uri="{9D8B030D-6E8A-4147-A177-3AD203B41FA5}">
-                      <a16:colId xmlns:a16="http://schemas.microsoft.com/office/drawing/2014/main" val="1238204734"/>
-                    </a:ext>
-                  </a:extLst>
-                </a:gridCol>
-              </a:tblGrid>
-              <a:tr h="521970">
-                <a:tc>
-                  <a:txBody>
-                    <a:bodyPr/>
-                    <a:lstStyle/>
-                    <a:p>
-                      <a:pPr marL="0" marR="0" algn="l">
-                        <a:spcBef>
-                          <a:spcPts val="0"/>
-                        </a:spcBef>
-                        <a:spcAft>
-                          <a:spcPts val="0"/>
-                        </a:spcAft>
-                      </a:pPr>
-                      <a:r>
-                        <a:rPr lang="en-US" sz="1100">
-                          <a:effectLst/>
-                        </a:rPr>
-                        <a:t>6</a:t>
-                      </a:r>
-                      <a:endParaRPr lang="en-US" sz="1600">
-                        <a:effectLst/>
-                        <a:latin typeface="Times New Roman" panose="02020603050405020304" pitchFamily="18" charset="0"/>
-                        <a:ea typeface="Times New Roman" panose="02020603050405020304" pitchFamily="18" charset="0"/>
-                        <a:cs typeface="Times New Roman" panose="02020603050405020304" pitchFamily="18" charset="0"/>
-                      </a:endParaRPr>
-                    </a:p>
-                  </a:txBody>
-                  <a:tcPr marL="68580" marR="68580" marT="0" marB="0"/>
-                </a:tc>
-                <a:tc>
-                  <a:txBody>
-                    <a:bodyPr/>
-                    <a:lstStyle/>
-                    <a:p>
-                      <a:pPr marL="0" marR="0" algn="l">
-                        <a:spcBef>
-                          <a:spcPts val="0"/>
-                        </a:spcBef>
-                        <a:spcAft>
-                          <a:spcPts val="0"/>
-                        </a:spcAft>
-                      </a:pPr>
-                      <a:r>
-                        <a:rPr lang="en-US" sz="1100">
-                          <a:effectLst/>
-                        </a:rPr>
-                        <a:t>Managing raised ticket</a:t>
-                      </a:r>
-                      <a:endParaRPr lang="en-US" sz="1600">
-                        <a:effectLst/>
-                        <a:latin typeface="Times New Roman" panose="02020603050405020304" pitchFamily="18" charset="0"/>
-                        <a:ea typeface="Times New Roman" panose="02020603050405020304" pitchFamily="18" charset="0"/>
-                        <a:cs typeface="Times New Roman" panose="02020603050405020304" pitchFamily="18" charset="0"/>
-                      </a:endParaRPr>
-                    </a:p>
-                  </a:txBody>
-                  <a:tcPr marL="68580" marR="68580" marT="0" marB="0"/>
-                </a:tc>
-                <a:tc>
-                  <a:txBody>
-                    <a:bodyPr/>
-                    <a:lstStyle/>
-                    <a:p>
-                      <a:pPr marL="0" marR="0" algn="l">
-                        <a:spcBef>
-                          <a:spcPts val="0"/>
-                        </a:spcBef>
-                        <a:spcAft>
-                          <a:spcPts val="0"/>
-                        </a:spcAft>
-                      </a:pPr>
-                      <a:r>
-                        <a:rPr lang="en-US" sz="1100">
-                          <a:effectLst/>
-                        </a:rPr>
-                        <a:t>Admin credentials, only admin have access</a:t>
-                      </a:r>
-                      <a:endParaRPr lang="en-US" sz="1600">
-                        <a:effectLst/>
-                        <a:latin typeface="Times New Roman" panose="02020603050405020304" pitchFamily="18" charset="0"/>
-                        <a:ea typeface="Times New Roman" panose="02020603050405020304" pitchFamily="18" charset="0"/>
-                        <a:cs typeface="Times New Roman" panose="02020603050405020304" pitchFamily="18" charset="0"/>
-                      </a:endParaRPr>
-                    </a:p>
-                  </a:txBody>
-                  <a:tcPr marL="68580" marR="68580" marT="0" marB="0"/>
-                </a:tc>
-                <a:tc>
-                  <a:txBody>
-                    <a:bodyPr/>
-                    <a:lstStyle/>
-                    <a:p>
-                      <a:pPr marL="0" marR="0" algn="l">
-                        <a:spcBef>
-                          <a:spcPts val="0"/>
-                        </a:spcBef>
-                        <a:spcAft>
-                          <a:spcPts val="0"/>
-                        </a:spcAft>
-                      </a:pPr>
-                      <a:r>
-                        <a:rPr lang="en-US" sz="1100">
-                          <a:effectLst/>
-                        </a:rPr>
-                        <a:t>Solve the raised ticket</a:t>
-                      </a:r>
-                      <a:endParaRPr lang="en-US" sz="1600">
-                        <a:effectLst/>
-                        <a:latin typeface="Times New Roman" panose="02020603050405020304" pitchFamily="18" charset="0"/>
-                        <a:ea typeface="Times New Roman" panose="02020603050405020304" pitchFamily="18" charset="0"/>
-                        <a:cs typeface="Times New Roman" panose="02020603050405020304" pitchFamily="18" charset="0"/>
-                      </a:endParaRPr>
-                    </a:p>
-                  </a:txBody>
-                  <a:tcPr marL="68580" marR="68580" marT="0" marB="0"/>
-                </a:tc>
-                <a:tc>
-                  <a:txBody>
-                    <a:bodyPr/>
-                    <a:lstStyle/>
-                    <a:p>
-                      <a:pPr marL="0" marR="0" algn="l">
-                        <a:spcBef>
-                          <a:spcPts val="0"/>
-                        </a:spcBef>
-                        <a:spcAft>
-                          <a:spcPts val="0"/>
-                        </a:spcAft>
-                      </a:pPr>
-                      <a:r>
-                        <a:rPr lang="en-US" sz="1100">
-                          <a:effectLst/>
-                        </a:rPr>
-                        <a:t>To provide a solution for customers problems</a:t>
-                      </a:r>
-                      <a:endParaRPr lang="en-US" sz="1600">
-                        <a:effectLst/>
-                        <a:latin typeface="Times New Roman" panose="02020603050405020304" pitchFamily="18" charset="0"/>
-                        <a:ea typeface="Times New Roman" panose="02020603050405020304" pitchFamily="18" charset="0"/>
-                        <a:cs typeface="Times New Roman" panose="02020603050405020304" pitchFamily="18" charset="0"/>
-                      </a:endParaRPr>
-                    </a:p>
-                  </a:txBody>
-                  <a:tcPr marL="68580" marR="68580" marT="0" marB="0"/>
-                </a:tc>
-                <a:tc>
-                  <a:txBody>
-                    <a:bodyPr/>
-                    <a:lstStyle/>
-                    <a:p>
-                      <a:pPr marL="0" marR="0" algn="l">
-                        <a:spcBef>
-                          <a:spcPts val="0"/>
-                        </a:spcBef>
-                        <a:spcAft>
-                          <a:spcPts val="0"/>
-                        </a:spcAft>
-                      </a:pPr>
-                      <a:r>
-                        <a:rPr lang="en-US" sz="1100">
-                          <a:effectLst/>
-                        </a:rPr>
-                        <a:t>Pass</a:t>
-                      </a:r>
-                      <a:endParaRPr lang="en-US" sz="1600">
-                        <a:effectLst/>
-                        <a:latin typeface="Times New Roman" panose="02020603050405020304" pitchFamily="18" charset="0"/>
-                        <a:ea typeface="Times New Roman" panose="02020603050405020304" pitchFamily="18" charset="0"/>
-                        <a:cs typeface="Times New Roman" panose="02020603050405020304" pitchFamily="18" charset="0"/>
-                      </a:endParaRPr>
-                    </a:p>
-                  </a:txBody>
-                  <a:tcPr marL="68580" marR="68580" marT="0" marB="0"/>
-                </a:tc>
-                <a:extLst>
-                  <a:ext uri="{0D108BD9-81ED-4DB2-BD59-A6C34878D82A}">
-                    <a16:rowId xmlns:a16="http://schemas.microsoft.com/office/drawing/2014/main" val="1611054704"/>
-                  </a:ext>
-                </a:extLst>
-              </a:tr>
-              <a:tr h="521970">
-                <a:tc>
-                  <a:txBody>
-                    <a:bodyPr/>
-                    <a:lstStyle/>
-                    <a:p>
-                      <a:pPr marL="0" marR="0" algn="l">
-                        <a:spcBef>
-                          <a:spcPts val="0"/>
-                        </a:spcBef>
-                        <a:spcAft>
-                          <a:spcPts val="0"/>
-                        </a:spcAft>
-                      </a:pPr>
-                      <a:r>
-                        <a:rPr lang="en-US" sz="1100">
-                          <a:effectLst/>
-                        </a:rPr>
-                        <a:t>7</a:t>
-                      </a:r>
-                      <a:endParaRPr lang="en-US" sz="1600">
-                        <a:effectLst/>
-                        <a:latin typeface="Times New Roman" panose="02020603050405020304" pitchFamily="18" charset="0"/>
-                        <a:ea typeface="Times New Roman" panose="02020603050405020304" pitchFamily="18" charset="0"/>
-                        <a:cs typeface="Times New Roman" panose="02020603050405020304" pitchFamily="18" charset="0"/>
-                      </a:endParaRPr>
-                    </a:p>
-                  </a:txBody>
-                  <a:tcPr marL="68580" marR="68580" marT="0" marB="0"/>
-                </a:tc>
-                <a:tc>
-                  <a:txBody>
-                    <a:bodyPr/>
-                    <a:lstStyle/>
-                    <a:p>
-                      <a:pPr marL="0" marR="0" algn="l">
-                        <a:spcBef>
-                          <a:spcPts val="0"/>
-                        </a:spcBef>
-                        <a:spcAft>
-                          <a:spcPts val="0"/>
-                        </a:spcAft>
-                      </a:pPr>
-                      <a:r>
-                        <a:rPr lang="en-US" sz="1100">
-                          <a:effectLst/>
-                        </a:rPr>
-                        <a:t>Event creation in the system</a:t>
-                      </a:r>
-                      <a:endParaRPr lang="en-US" sz="1600">
-                        <a:effectLst/>
-                        <a:latin typeface="Times New Roman" panose="02020603050405020304" pitchFamily="18" charset="0"/>
-                        <a:ea typeface="Times New Roman" panose="02020603050405020304" pitchFamily="18" charset="0"/>
-                        <a:cs typeface="Times New Roman" panose="02020603050405020304" pitchFamily="18" charset="0"/>
-                      </a:endParaRPr>
-                    </a:p>
-                  </a:txBody>
-                  <a:tcPr marL="68580" marR="68580" marT="0" marB="0"/>
-                </a:tc>
-                <a:tc>
-                  <a:txBody>
-                    <a:bodyPr/>
-                    <a:lstStyle/>
-                    <a:p>
-                      <a:pPr marL="0" marR="0" algn="l">
-                        <a:spcBef>
-                          <a:spcPts val="0"/>
-                        </a:spcBef>
-                        <a:spcAft>
-                          <a:spcPts val="0"/>
-                        </a:spcAft>
-                      </a:pPr>
-                      <a:r>
-                        <a:rPr lang="en-US" sz="1100">
-                          <a:effectLst/>
-                        </a:rPr>
-                        <a:t>To describe the type of ticket raised </a:t>
-                      </a:r>
-                      <a:endParaRPr lang="en-US" sz="1600">
-                        <a:effectLst/>
-                        <a:latin typeface="Times New Roman" panose="02020603050405020304" pitchFamily="18" charset="0"/>
-                        <a:ea typeface="Times New Roman" panose="02020603050405020304" pitchFamily="18" charset="0"/>
-                        <a:cs typeface="Times New Roman" panose="02020603050405020304" pitchFamily="18" charset="0"/>
-                      </a:endParaRPr>
-                    </a:p>
-                  </a:txBody>
-                  <a:tcPr marL="68580" marR="68580" marT="0" marB="0"/>
-                </a:tc>
-                <a:tc>
-                  <a:txBody>
-                    <a:bodyPr/>
-                    <a:lstStyle/>
-                    <a:p>
-                      <a:pPr marL="0" marR="0" algn="l">
-                        <a:spcBef>
-                          <a:spcPts val="0"/>
-                        </a:spcBef>
-                        <a:spcAft>
-                          <a:spcPts val="0"/>
-                        </a:spcAft>
-                      </a:pPr>
-                      <a:r>
-                        <a:rPr lang="en-US" sz="1100">
-                          <a:effectLst/>
-                        </a:rPr>
-                        <a:t>To create an event</a:t>
-                      </a:r>
-                      <a:endParaRPr lang="en-US" sz="1600">
-                        <a:effectLst/>
-                        <a:latin typeface="Times New Roman" panose="02020603050405020304" pitchFamily="18" charset="0"/>
-                        <a:ea typeface="Times New Roman" panose="02020603050405020304" pitchFamily="18" charset="0"/>
-                        <a:cs typeface="Times New Roman" panose="02020603050405020304" pitchFamily="18" charset="0"/>
-                      </a:endParaRPr>
-                    </a:p>
-                  </a:txBody>
-                  <a:tcPr marL="68580" marR="68580" marT="0" marB="0"/>
-                </a:tc>
-                <a:tc>
-                  <a:txBody>
-                    <a:bodyPr/>
-                    <a:lstStyle/>
-                    <a:p>
-                      <a:pPr marL="0" marR="0" algn="l">
-                        <a:spcBef>
-                          <a:spcPts val="0"/>
-                        </a:spcBef>
-                        <a:spcAft>
-                          <a:spcPts val="0"/>
-                        </a:spcAft>
-                      </a:pPr>
-                      <a:r>
-                        <a:rPr lang="en-US" sz="1100">
-                          <a:effectLst/>
-                        </a:rPr>
-                        <a:t>This allows us to understand which type of ticket is raised</a:t>
-                      </a:r>
-                      <a:endParaRPr lang="en-US" sz="1600">
-                        <a:effectLst/>
-                        <a:latin typeface="Times New Roman" panose="02020603050405020304" pitchFamily="18" charset="0"/>
-                        <a:ea typeface="Times New Roman" panose="02020603050405020304" pitchFamily="18" charset="0"/>
-                        <a:cs typeface="Times New Roman" panose="02020603050405020304" pitchFamily="18" charset="0"/>
-                      </a:endParaRPr>
-                    </a:p>
-                  </a:txBody>
-                  <a:tcPr marL="68580" marR="68580" marT="0" marB="0"/>
-                </a:tc>
-                <a:tc>
-                  <a:txBody>
-                    <a:bodyPr/>
-                    <a:lstStyle/>
-                    <a:p>
-                      <a:pPr marL="0" marR="0" algn="l">
-                        <a:spcBef>
-                          <a:spcPts val="0"/>
-                        </a:spcBef>
-                        <a:spcAft>
-                          <a:spcPts val="0"/>
-                        </a:spcAft>
-                      </a:pPr>
-                      <a:r>
-                        <a:rPr lang="en-US" sz="1100">
-                          <a:effectLst/>
-                        </a:rPr>
-                        <a:t>Pass</a:t>
-                      </a:r>
-                      <a:endParaRPr lang="en-US" sz="1600">
-                        <a:effectLst/>
-                        <a:latin typeface="Times New Roman" panose="02020603050405020304" pitchFamily="18" charset="0"/>
-                        <a:ea typeface="Times New Roman" panose="02020603050405020304" pitchFamily="18" charset="0"/>
-                        <a:cs typeface="Times New Roman" panose="02020603050405020304" pitchFamily="18" charset="0"/>
-                      </a:endParaRPr>
-                    </a:p>
-                  </a:txBody>
-                  <a:tcPr marL="68580" marR="68580" marT="0" marB="0"/>
-                </a:tc>
-                <a:extLst>
-                  <a:ext uri="{0D108BD9-81ED-4DB2-BD59-A6C34878D82A}">
-                    <a16:rowId xmlns:a16="http://schemas.microsoft.com/office/drawing/2014/main" val="1246163230"/>
-                  </a:ext>
-                </a:extLst>
-              </a:tr>
-              <a:tr h="521970">
-                <a:tc>
-                  <a:txBody>
-                    <a:bodyPr/>
-                    <a:lstStyle/>
-                    <a:p>
-                      <a:pPr marL="0" marR="0" algn="l">
-                        <a:spcBef>
-                          <a:spcPts val="0"/>
-                        </a:spcBef>
-                        <a:spcAft>
-                          <a:spcPts val="0"/>
-                        </a:spcAft>
-                      </a:pPr>
-                      <a:r>
-                        <a:rPr lang="en-US" sz="1100">
-                          <a:effectLst/>
-                        </a:rPr>
-                        <a:t>8</a:t>
-                      </a:r>
-                      <a:endParaRPr lang="en-US" sz="1600">
-                        <a:effectLst/>
-                        <a:latin typeface="Times New Roman" panose="02020603050405020304" pitchFamily="18" charset="0"/>
-                        <a:ea typeface="Times New Roman" panose="02020603050405020304" pitchFamily="18" charset="0"/>
-                        <a:cs typeface="Times New Roman" panose="02020603050405020304" pitchFamily="18" charset="0"/>
-                      </a:endParaRPr>
-                    </a:p>
-                  </a:txBody>
-                  <a:tcPr marL="68580" marR="68580" marT="0" marB="0"/>
-                </a:tc>
-                <a:tc>
-                  <a:txBody>
-                    <a:bodyPr/>
-                    <a:lstStyle/>
-                    <a:p>
-                      <a:pPr marL="0" marR="0" algn="l">
-                        <a:spcBef>
-                          <a:spcPts val="0"/>
-                        </a:spcBef>
-                        <a:spcAft>
-                          <a:spcPts val="0"/>
-                        </a:spcAft>
-                      </a:pPr>
-                      <a:r>
-                        <a:rPr lang="en-US" sz="1100">
-                          <a:effectLst/>
-                        </a:rPr>
-                        <a:t>Manage events</a:t>
-                      </a:r>
-                      <a:endParaRPr lang="en-US" sz="1600">
-                        <a:effectLst/>
-                        <a:latin typeface="Times New Roman" panose="02020603050405020304" pitchFamily="18" charset="0"/>
-                        <a:ea typeface="Times New Roman" panose="02020603050405020304" pitchFamily="18" charset="0"/>
-                        <a:cs typeface="Times New Roman" panose="02020603050405020304" pitchFamily="18" charset="0"/>
-                      </a:endParaRPr>
-                    </a:p>
-                  </a:txBody>
-                  <a:tcPr marL="68580" marR="68580" marT="0" marB="0"/>
-                </a:tc>
-                <a:tc>
-                  <a:txBody>
-                    <a:bodyPr/>
-                    <a:lstStyle/>
-                    <a:p>
-                      <a:pPr marL="0" marR="0" algn="l">
-                        <a:spcBef>
-                          <a:spcPts val="0"/>
-                        </a:spcBef>
-                        <a:spcAft>
-                          <a:spcPts val="0"/>
-                        </a:spcAft>
-                      </a:pPr>
-                      <a:r>
-                        <a:rPr lang="en-US" sz="1100">
-                          <a:effectLst/>
-                        </a:rPr>
-                        <a:t>Admin credentials, only admin have access</a:t>
-                      </a:r>
-                      <a:endParaRPr lang="en-US" sz="1600">
-                        <a:effectLst/>
-                        <a:latin typeface="Times New Roman" panose="02020603050405020304" pitchFamily="18" charset="0"/>
-                        <a:ea typeface="Times New Roman" panose="02020603050405020304" pitchFamily="18" charset="0"/>
-                        <a:cs typeface="Times New Roman" panose="02020603050405020304" pitchFamily="18" charset="0"/>
-                      </a:endParaRPr>
-                    </a:p>
-                  </a:txBody>
-                  <a:tcPr marL="68580" marR="68580" marT="0" marB="0"/>
-                </a:tc>
-                <a:tc>
-                  <a:txBody>
-                    <a:bodyPr/>
-                    <a:lstStyle/>
-                    <a:p>
-                      <a:pPr marL="0" marR="0" algn="l">
-                        <a:spcBef>
-                          <a:spcPts val="0"/>
-                        </a:spcBef>
-                        <a:spcAft>
-                          <a:spcPts val="0"/>
-                        </a:spcAft>
-                      </a:pPr>
-                      <a:r>
-                        <a:rPr lang="en-US" sz="1100">
-                          <a:effectLst/>
-                        </a:rPr>
-                        <a:t>Successful creation of an event</a:t>
-                      </a:r>
-                      <a:endParaRPr lang="en-US" sz="1600">
-                        <a:effectLst/>
-                        <a:latin typeface="Times New Roman" panose="02020603050405020304" pitchFamily="18" charset="0"/>
-                        <a:ea typeface="Times New Roman" panose="02020603050405020304" pitchFamily="18" charset="0"/>
-                        <a:cs typeface="Times New Roman" panose="02020603050405020304" pitchFamily="18" charset="0"/>
-                      </a:endParaRPr>
-                    </a:p>
-                  </a:txBody>
-                  <a:tcPr marL="68580" marR="68580" marT="0" marB="0"/>
-                </a:tc>
-                <a:tc>
-                  <a:txBody>
-                    <a:bodyPr/>
-                    <a:lstStyle/>
-                    <a:p>
-                      <a:pPr marL="0" marR="0" algn="l">
-                        <a:spcBef>
-                          <a:spcPts val="0"/>
-                        </a:spcBef>
-                        <a:spcAft>
-                          <a:spcPts val="0"/>
-                        </a:spcAft>
-                      </a:pPr>
-                      <a:r>
-                        <a:rPr lang="en-US" sz="1100">
-                          <a:effectLst/>
-                        </a:rPr>
-                        <a:t>To create an event for frequently raised tickets</a:t>
-                      </a:r>
-                      <a:endParaRPr lang="en-US" sz="1600">
-                        <a:effectLst/>
-                        <a:latin typeface="Times New Roman" panose="02020603050405020304" pitchFamily="18" charset="0"/>
-                        <a:ea typeface="Times New Roman" panose="02020603050405020304" pitchFamily="18" charset="0"/>
-                        <a:cs typeface="Times New Roman" panose="02020603050405020304" pitchFamily="18" charset="0"/>
-                      </a:endParaRPr>
-                    </a:p>
-                  </a:txBody>
-                  <a:tcPr marL="68580" marR="68580" marT="0" marB="0"/>
-                </a:tc>
-                <a:tc>
-                  <a:txBody>
-                    <a:bodyPr/>
-                    <a:lstStyle/>
-                    <a:p>
-                      <a:pPr marL="0" marR="0" algn="l">
-                        <a:spcBef>
-                          <a:spcPts val="0"/>
-                        </a:spcBef>
-                        <a:spcAft>
-                          <a:spcPts val="0"/>
-                        </a:spcAft>
-                      </a:pPr>
-                      <a:r>
-                        <a:rPr lang="en-US" sz="1100">
-                          <a:effectLst/>
-                        </a:rPr>
-                        <a:t>Fail</a:t>
-                      </a:r>
-                      <a:endParaRPr lang="en-US" sz="1600">
-                        <a:effectLst/>
-                        <a:latin typeface="Times New Roman" panose="02020603050405020304" pitchFamily="18" charset="0"/>
-                        <a:ea typeface="Times New Roman" panose="02020603050405020304" pitchFamily="18" charset="0"/>
-                        <a:cs typeface="Times New Roman" panose="02020603050405020304" pitchFamily="18" charset="0"/>
-                      </a:endParaRPr>
-                    </a:p>
-                  </a:txBody>
-                  <a:tcPr marL="68580" marR="68580" marT="0" marB="0"/>
-                </a:tc>
-                <a:extLst>
-                  <a:ext uri="{0D108BD9-81ED-4DB2-BD59-A6C34878D82A}">
-                    <a16:rowId xmlns:a16="http://schemas.microsoft.com/office/drawing/2014/main" val="1004748147"/>
-                  </a:ext>
-                </a:extLst>
-              </a:tr>
-            </a:tbl>
-          </a:graphicData>
-        </a:graphic>
-      </p:graphicFrame>
-      <p:graphicFrame>
-        <p:nvGraphicFramePr>
-          <p:cNvPr id="14" name="Table 13">
-            <a:extLst>
-              <a:ext uri="{FF2B5EF4-FFF2-40B4-BE49-F238E27FC236}">
-                <a16:creationId xmlns:a16="http://schemas.microsoft.com/office/drawing/2014/main" id="{8B557D80-5BC0-D36F-EFEB-F082790E989A}"/>
-              </a:ext>
-            </a:extLst>
-          </p:cNvPr>
-          <p:cNvGraphicFramePr>
-            <a:graphicFrameLocks noGrp="1"/>
-          </p:cNvGraphicFramePr>
-          <p:nvPr/>
-        </p:nvGraphicFramePr>
-        <p:xfrm>
-          <a:off x="3029902" y="2473484"/>
-          <a:ext cx="6132195" cy="3055620"/>
-        </p:xfrm>
-        <a:graphic>
-          <a:graphicData uri="http://schemas.openxmlformats.org/drawingml/2006/table">
-            <a:tbl>
-              <a:tblPr firstRow="1" firstCol="1" bandRow="1">
-                <a:tableStyleId>{5C22544A-7EE6-4342-B048-85BDC9FD1C3A}</a:tableStyleId>
-              </a:tblPr>
-              <a:tblGrid>
-                <a:gridCol w="292735">
-                  <a:extLst>
-                    <a:ext uri="{9D8B030D-6E8A-4147-A177-3AD203B41FA5}">
-                      <a16:colId xmlns:a16="http://schemas.microsoft.com/office/drawing/2014/main" val="1928721444"/>
-                    </a:ext>
-                  </a:extLst>
-                </a:gridCol>
-                <a:gridCol w="988695">
-                  <a:extLst>
-                    <a:ext uri="{9D8B030D-6E8A-4147-A177-3AD203B41FA5}">
-                      <a16:colId xmlns:a16="http://schemas.microsoft.com/office/drawing/2014/main" val="3830349898"/>
-                    </a:ext>
-                  </a:extLst>
-                </a:gridCol>
-                <a:gridCol w="1044575">
-                  <a:extLst>
-                    <a:ext uri="{9D8B030D-6E8A-4147-A177-3AD203B41FA5}">
-                      <a16:colId xmlns:a16="http://schemas.microsoft.com/office/drawing/2014/main" val="3688808048"/>
-                    </a:ext>
-                  </a:extLst>
-                </a:gridCol>
-                <a:gridCol w="1209040">
-                  <a:extLst>
-                    <a:ext uri="{9D8B030D-6E8A-4147-A177-3AD203B41FA5}">
-                      <a16:colId xmlns:a16="http://schemas.microsoft.com/office/drawing/2014/main" val="2985236135"/>
-                    </a:ext>
-                  </a:extLst>
-                </a:gridCol>
-                <a:gridCol w="1314450">
-                  <a:extLst>
-                    <a:ext uri="{9D8B030D-6E8A-4147-A177-3AD203B41FA5}">
-                      <a16:colId xmlns:a16="http://schemas.microsoft.com/office/drawing/2014/main" val="3945695081"/>
-                    </a:ext>
-                  </a:extLst>
-                </a:gridCol>
-                <a:gridCol w="1282700">
-                  <a:extLst>
-                    <a:ext uri="{9D8B030D-6E8A-4147-A177-3AD203B41FA5}">
-                      <a16:colId xmlns:a16="http://schemas.microsoft.com/office/drawing/2014/main" val="3594107494"/>
-                    </a:ext>
-                  </a:extLst>
-                </a:gridCol>
-              </a:tblGrid>
-              <a:tr h="521970">
-                <a:tc>
-                  <a:txBody>
-                    <a:bodyPr/>
-                    <a:lstStyle/>
-                    <a:p>
-                      <a:pPr marL="0" marR="0" algn="l">
-                        <a:spcBef>
-                          <a:spcPts val="0"/>
-                        </a:spcBef>
-                        <a:spcAft>
-                          <a:spcPts val="0"/>
-                        </a:spcAft>
-                      </a:pPr>
-                      <a:r>
-                        <a:rPr lang="en-US" sz="1100">
-                          <a:effectLst/>
-                        </a:rPr>
-                        <a:t>ID</a:t>
-                      </a:r>
-                      <a:endParaRPr lang="en-US" sz="1600">
-                        <a:effectLst/>
-                        <a:latin typeface="Times New Roman" panose="02020603050405020304" pitchFamily="18" charset="0"/>
-                        <a:ea typeface="Times New Roman" panose="02020603050405020304" pitchFamily="18" charset="0"/>
-                        <a:cs typeface="Times New Roman" panose="02020603050405020304" pitchFamily="18" charset="0"/>
-                      </a:endParaRPr>
-                    </a:p>
-                  </a:txBody>
-                  <a:tcPr marL="68580" marR="68580" marT="0" marB="0"/>
-                </a:tc>
-                <a:tc>
-                  <a:txBody>
-                    <a:bodyPr/>
-                    <a:lstStyle/>
-                    <a:p>
-                      <a:pPr marL="0" marR="0" algn="l">
-                        <a:spcBef>
-                          <a:spcPts val="0"/>
-                        </a:spcBef>
-                        <a:spcAft>
-                          <a:spcPts val="0"/>
-                        </a:spcAft>
-                      </a:pPr>
-                      <a:r>
-                        <a:rPr lang="en-US" sz="1100">
-                          <a:effectLst/>
-                        </a:rPr>
-                        <a:t>Test Case Title</a:t>
-                      </a:r>
-                      <a:endParaRPr lang="en-US" sz="1600">
-                        <a:effectLst/>
-                        <a:latin typeface="Times New Roman" panose="02020603050405020304" pitchFamily="18" charset="0"/>
-                        <a:ea typeface="Times New Roman" panose="02020603050405020304" pitchFamily="18" charset="0"/>
-                        <a:cs typeface="Times New Roman" panose="02020603050405020304" pitchFamily="18" charset="0"/>
-                      </a:endParaRPr>
-                    </a:p>
-                  </a:txBody>
-                  <a:tcPr marL="68580" marR="68580" marT="0" marB="0"/>
-                </a:tc>
-                <a:tc>
-                  <a:txBody>
-                    <a:bodyPr/>
-                    <a:lstStyle/>
-                    <a:p>
-                      <a:pPr marL="0" marR="0" algn="l">
-                        <a:spcBef>
-                          <a:spcPts val="0"/>
-                        </a:spcBef>
-                        <a:spcAft>
-                          <a:spcPts val="0"/>
-                        </a:spcAft>
-                      </a:pPr>
-                      <a:r>
-                        <a:rPr lang="en-US" sz="1100">
-                          <a:effectLst/>
-                        </a:rPr>
-                        <a:t>Test Input</a:t>
-                      </a:r>
-                      <a:endParaRPr lang="en-US" sz="1600">
-                        <a:effectLst/>
-                        <a:latin typeface="Times New Roman" panose="02020603050405020304" pitchFamily="18" charset="0"/>
-                        <a:ea typeface="Times New Roman" panose="02020603050405020304" pitchFamily="18" charset="0"/>
-                        <a:cs typeface="Times New Roman" panose="02020603050405020304" pitchFamily="18" charset="0"/>
-                      </a:endParaRPr>
-                    </a:p>
-                  </a:txBody>
-                  <a:tcPr marL="68580" marR="68580" marT="0" marB="0"/>
-                </a:tc>
-                <a:tc>
-                  <a:txBody>
-                    <a:bodyPr/>
-                    <a:lstStyle/>
-                    <a:p>
-                      <a:pPr marL="0" marR="0" algn="l">
-                        <a:spcBef>
-                          <a:spcPts val="0"/>
-                        </a:spcBef>
-                        <a:spcAft>
-                          <a:spcPts val="0"/>
-                        </a:spcAft>
-                      </a:pPr>
-                      <a:r>
-                        <a:rPr lang="en-US" sz="1100">
-                          <a:effectLst/>
-                        </a:rPr>
-                        <a:t>Expected Output</a:t>
-                      </a:r>
-                      <a:endParaRPr lang="en-US" sz="1600">
-                        <a:effectLst/>
-                        <a:latin typeface="Times New Roman" panose="02020603050405020304" pitchFamily="18" charset="0"/>
-                        <a:ea typeface="Times New Roman" panose="02020603050405020304" pitchFamily="18" charset="0"/>
-                        <a:cs typeface="Times New Roman" panose="02020603050405020304" pitchFamily="18" charset="0"/>
-                      </a:endParaRPr>
-                    </a:p>
-                  </a:txBody>
-                  <a:tcPr marL="68580" marR="68580" marT="0" marB="0"/>
-                </a:tc>
-                <a:tc>
-                  <a:txBody>
-                    <a:bodyPr/>
-                    <a:lstStyle/>
-                    <a:p>
-                      <a:pPr marL="0" marR="0" algn="l">
-                        <a:spcBef>
-                          <a:spcPts val="0"/>
-                        </a:spcBef>
-                        <a:spcAft>
-                          <a:spcPts val="0"/>
-                        </a:spcAft>
-                      </a:pPr>
-                      <a:r>
-                        <a:rPr lang="en-US" sz="1100">
-                          <a:effectLst/>
-                        </a:rPr>
-                        <a:t>Description</a:t>
-                      </a:r>
-                      <a:endParaRPr lang="en-US" sz="1600">
-                        <a:effectLst/>
-                        <a:latin typeface="Times New Roman" panose="02020603050405020304" pitchFamily="18" charset="0"/>
-                        <a:ea typeface="Times New Roman" panose="02020603050405020304" pitchFamily="18" charset="0"/>
-                        <a:cs typeface="Times New Roman" panose="02020603050405020304" pitchFamily="18" charset="0"/>
-                      </a:endParaRPr>
-                    </a:p>
-                  </a:txBody>
-                  <a:tcPr marL="68580" marR="68580" marT="0" marB="0"/>
-                </a:tc>
-                <a:tc>
-                  <a:txBody>
-                    <a:bodyPr/>
-                    <a:lstStyle/>
-                    <a:p>
-                      <a:pPr marL="0" marR="0" algn="l">
-                        <a:spcBef>
-                          <a:spcPts val="0"/>
-                        </a:spcBef>
-                        <a:spcAft>
-                          <a:spcPts val="0"/>
-                        </a:spcAft>
-                      </a:pPr>
-                      <a:r>
-                        <a:rPr lang="en-US" sz="1100">
-                          <a:effectLst/>
-                        </a:rPr>
-                        <a:t>Result</a:t>
-                      </a:r>
-                      <a:endParaRPr lang="en-US" sz="1600">
-                        <a:effectLst/>
-                        <a:latin typeface="Times New Roman" panose="02020603050405020304" pitchFamily="18" charset="0"/>
-                        <a:ea typeface="Times New Roman" panose="02020603050405020304" pitchFamily="18" charset="0"/>
-                        <a:cs typeface="Times New Roman" panose="02020603050405020304" pitchFamily="18" charset="0"/>
-                      </a:endParaRPr>
-                    </a:p>
-                  </a:txBody>
-                  <a:tcPr marL="68580" marR="68580" marT="0" marB="0"/>
-                </a:tc>
-                <a:extLst>
-                  <a:ext uri="{0D108BD9-81ED-4DB2-BD59-A6C34878D82A}">
-                    <a16:rowId xmlns:a16="http://schemas.microsoft.com/office/drawing/2014/main" val="877053782"/>
-                  </a:ext>
-                </a:extLst>
-              </a:tr>
-              <a:tr h="521970">
-                <a:tc>
-                  <a:txBody>
-                    <a:bodyPr/>
-                    <a:lstStyle/>
-                    <a:p>
-                      <a:pPr marL="0" marR="0" algn="l">
-                        <a:spcBef>
-                          <a:spcPts val="0"/>
-                        </a:spcBef>
-                        <a:spcAft>
-                          <a:spcPts val="0"/>
-                        </a:spcAft>
-                      </a:pPr>
-                      <a:r>
-                        <a:rPr lang="en-US" sz="1100">
-                          <a:effectLst/>
-                        </a:rPr>
-                        <a:t>9</a:t>
-                      </a:r>
-                      <a:endParaRPr lang="en-US" sz="1600">
-                        <a:effectLst/>
-                        <a:latin typeface="Times New Roman" panose="02020603050405020304" pitchFamily="18" charset="0"/>
-                        <a:ea typeface="Times New Roman" panose="02020603050405020304" pitchFamily="18" charset="0"/>
-                        <a:cs typeface="Times New Roman" panose="02020603050405020304" pitchFamily="18" charset="0"/>
-                      </a:endParaRPr>
-                    </a:p>
-                  </a:txBody>
-                  <a:tcPr marL="68580" marR="68580" marT="0" marB="0"/>
-                </a:tc>
-                <a:tc>
-                  <a:txBody>
-                    <a:bodyPr/>
-                    <a:lstStyle/>
-                    <a:p>
-                      <a:pPr marL="0" marR="0" algn="l">
-                        <a:spcBef>
-                          <a:spcPts val="0"/>
-                        </a:spcBef>
-                        <a:spcAft>
-                          <a:spcPts val="0"/>
-                        </a:spcAft>
-                      </a:pPr>
-                      <a:r>
-                        <a:rPr lang="en-US" sz="1100">
-                          <a:effectLst/>
-                        </a:rPr>
-                        <a:t>Create clients</a:t>
-                      </a:r>
-                      <a:endParaRPr lang="en-US" sz="1600">
-                        <a:effectLst/>
-                        <a:latin typeface="Times New Roman" panose="02020603050405020304" pitchFamily="18" charset="0"/>
-                        <a:ea typeface="Times New Roman" panose="02020603050405020304" pitchFamily="18" charset="0"/>
-                        <a:cs typeface="Times New Roman" panose="02020603050405020304" pitchFamily="18" charset="0"/>
-                      </a:endParaRPr>
-                    </a:p>
-                  </a:txBody>
-                  <a:tcPr marL="68580" marR="68580" marT="0" marB="0"/>
-                </a:tc>
-                <a:tc>
-                  <a:txBody>
-                    <a:bodyPr/>
-                    <a:lstStyle/>
-                    <a:p>
-                      <a:pPr marL="0" marR="0" algn="l">
-                        <a:spcBef>
-                          <a:spcPts val="0"/>
-                        </a:spcBef>
-                        <a:spcAft>
-                          <a:spcPts val="0"/>
-                        </a:spcAft>
-                      </a:pPr>
-                      <a:r>
-                        <a:rPr lang="en-US" sz="1100">
-                          <a:effectLst/>
-                        </a:rPr>
-                        <a:t>Required clients’ details name, address, contact info</a:t>
-                      </a:r>
-                      <a:endParaRPr lang="en-US" sz="1600">
-                        <a:effectLst/>
-                        <a:latin typeface="Times New Roman" panose="02020603050405020304" pitchFamily="18" charset="0"/>
-                        <a:ea typeface="Times New Roman" panose="02020603050405020304" pitchFamily="18" charset="0"/>
-                        <a:cs typeface="Times New Roman" panose="02020603050405020304" pitchFamily="18" charset="0"/>
-                      </a:endParaRPr>
-                    </a:p>
-                  </a:txBody>
-                  <a:tcPr marL="68580" marR="68580" marT="0" marB="0"/>
-                </a:tc>
-                <a:tc>
-                  <a:txBody>
-                    <a:bodyPr/>
-                    <a:lstStyle/>
-                    <a:p>
-                      <a:pPr marL="0" marR="0" algn="l">
-                        <a:spcBef>
-                          <a:spcPts val="0"/>
-                        </a:spcBef>
-                        <a:spcAft>
-                          <a:spcPts val="0"/>
-                        </a:spcAft>
-                      </a:pPr>
-                      <a:r>
-                        <a:rPr lang="en-US" sz="1100">
-                          <a:effectLst/>
-                        </a:rPr>
-                        <a:t>Successful registration of client</a:t>
-                      </a:r>
-                      <a:endParaRPr lang="en-US" sz="1600">
-                        <a:effectLst/>
-                        <a:latin typeface="Times New Roman" panose="02020603050405020304" pitchFamily="18" charset="0"/>
-                        <a:ea typeface="Times New Roman" panose="02020603050405020304" pitchFamily="18" charset="0"/>
-                        <a:cs typeface="Times New Roman" panose="02020603050405020304" pitchFamily="18" charset="0"/>
-                      </a:endParaRPr>
-                    </a:p>
-                  </a:txBody>
-                  <a:tcPr marL="68580" marR="68580" marT="0" marB="0"/>
-                </a:tc>
-                <a:tc>
-                  <a:txBody>
-                    <a:bodyPr/>
-                    <a:lstStyle/>
-                    <a:p>
-                      <a:pPr marL="0" marR="0" algn="l">
-                        <a:spcBef>
-                          <a:spcPts val="0"/>
-                        </a:spcBef>
-                        <a:spcAft>
-                          <a:spcPts val="0"/>
-                        </a:spcAft>
-                      </a:pPr>
-                      <a:r>
-                        <a:rPr lang="en-US" sz="1100">
-                          <a:effectLst/>
-                        </a:rPr>
-                        <a:t>Create more clients for improved developments</a:t>
-                      </a:r>
-                      <a:endParaRPr lang="en-US" sz="1600">
-                        <a:effectLst/>
-                        <a:latin typeface="Times New Roman" panose="02020603050405020304" pitchFamily="18" charset="0"/>
-                        <a:ea typeface="Times New Roman" panose="02020603050405020304" pitchFamily="18" charset="0"/>
-                        <a:cs typeface="Times New Roman" panose="02020603050405020304" pitchFamily="18" charset="0"/>
-                      </a:endParaRPr>
-                    </a:p>
-                  </a:txBody>
-                  <a:tcPr marL="68580" marR="68580" marT="0" marB="0"/>
-                </a:tc>
-                <a:tc>
-                  <a:txBody>
-                    <a:bodyPr/>
-                    <a:lstStyle/>
-                    <a:p>
-                      <a:pPr marL="0" marR="0" algn="l">
-                        <a:spcBef>
-                          <a:spcPts val="0"/>
-                        </a:spcBef>
-                        <a:spcAft>
-                          <a:spcPts val="0"/>
-                        </a:spcAft>
-                      </a:pPr>
-                      <a:r>
-                        <a:rPr lang="en-US" sz="1100">
-                          <a:effectLst/>
-                        </a:rPr>
-                        <a:t>Pass</a:t>
-                      </a:r>
-                      <a:endParaRPr lang="en-US" sz="1600">
-                        <a:effectLst/>
-                        <a:latin typeface="Times New Roman" panose="02020603050405020304" pitchFamily="18" charset="0"/>
-                        <a:ea typeface="Times New Roman" panose="02020603050405020304" pitchFamily="18" charset="0"/>
-                        <a:cs typeface="Times New Roman" panose="02020603050405020304" pitchFamily="18" charset="0"/>
-                      </a:endParaRPr>
-                    </a:p>
-                  </a:txBody>
-                  <a:tcPr marL="68580" marR="68580" marT="0" marB="0"/>
-                </a:tc>
-                <a:extLst>
-                  <a:ext uri="{0D108BD9-81ED-4DB2-BD59-A6C34878D82A}">
-                    <a16:rowId xmlns:a16="http://schemas.microsoft.com/office/drawing/2014/main" val="266882287"/>
-                  </a:ext>
-                </a:extLst>
-              </a:tr>
-              <a:tr h="521970">
-                <a:tc>
-                  <a:txBody>
-                    <a:bodyPr/>
-                    <a:lstStyle/>
-                    <a:p>
-                      <a:pPr marL="0" marR="0" algn="l">
-                        <a:spcBef>
-                          <a:spcPts val="0"/>
-                        </a:spcBef>
-                        <a:spcAft>
-                          <a:spcPts val="0"/>
-                        </a:spcAft>
-                      </a:pPr>
-                      <a:r>
-                        <a:rPr lang="en-US" sz="1100">
-                          <a:effectLst/>
-                        </a:rPr>
-                        <a:t>10</a:t>
-                      </a:r>
-                      <a:endParaRPr lang="en-US" sz="1600">
-                        <a:effectLst/>
-                        <a:latin typeface="Times New Roman" panose="02020603050405020304" pitchFamily="18" charset="0"/>
-                        <a:ea typeface="Times New Roman" panose="02020603050405020304" pitchFamily="18" charset="0"/>
-                        <a:cs typeface="Times New Roman" panose="02020603050405020304" pitchFamily="18" charset="0"/>
-                      </a:endParaRPr>
-                    </a:p>
-                  </a:txBody>
-                  <a:tcPr marL="68580" marR="68580" marT="0" marB="0"/>
-                </a:tc>
-                <a:tc>
-                  <a:txBody>
-                    <a:bodyPr/>
-                    <a:lstStyle/>
-                    <a:p>
-                      <a:pPr marL="0" marR="0" algn="l">
-                        <a:spcBef>
-                          <a:spcPts val="0"/>
-                        </a:spcBef>
-                        <a:spcAft>
-                          <a:spcPts val="0"/>
-                        </a:spcAft>
-                      </a:pPr>
-                      <a:r>
-                        <a:rPr lang="en-US" sz="1100">
-                          <a:effectLst/>
-                        </a:rPr>
-                        <a:t>Manage clients</a:t>
-                      </a:r>
-                      <a:endParaRPr lang="en-US" sz="1600">
-                        <a:effectLst/>
-                        <a:latin typeface="Times New Roman" panose="02020603050405020304" pitchFamily="18" charset="0"/>
-                        <a:ea typeface="Times New Roman" panose="02020603050405020304" pitchFamily="18" charset="0"/>
-                        <a:cs typeface="Times New Roman" panose="02020603050405020304" pitchFamily="18" charset="0"/>
-                      </a:endParaRPr>
-                    </a:p>
-                  </a:txBody>
-                  <a:tcPr marL="68580" marR="68580" marT="0" marB="0"/>
-                </a:tc>
-                <a:tc>
-                  <a:txBody>
-                    <a:bodyPr/>
-                    <a:lstStyle/>
-                    <a:p>
-                      <a:pPr marL="0" marR="0" algn="l">
-                        <a:spcBef>
-                          <a:spcPts val="0"/>
-                        </a:spcBef>
-                        <a:spcAft>
-                          <a:spcPts val="0"/>
-                        </a:spcAft>
-                      </a:pPr>
-                      <a:r>
-                        <a:rPr lang="en-US" sz="1100">
-                          <a:effectLst/>
-                        </a:rPr>
-                        <a:t>Admin credentials, only admin have access</a:t>
-                      </a:r>
-                      <a:endParaRPr lang="en-US" sz="1600">
-                        <a:effectLst/>
-                        <a:latin typeface="Times New Roman" panose="02020603050405020304" pitchFamily="18" charset="0"/>
-                        <a:ea typeface="Times New Roman" panose="02020603050405020304" pitchFamily="18" charset="0"/>
-                        <a:cs typeface="Times New Roman" panose="02020603050405020304" pitchFamily="18" charset="0"/>
-                      </a:endParaRPr>
-                    </a:p>
-                  </a:txBody>
-                  <a:tcPr marL="68580" marR="68580" marT="0" marB="0"/>
-                </a:tc>
-                <a:tc>
-                  <a:txBody>
-                    <a:bodyPr/>
-                    <a:lstStyle/>
-                    <a:p>
-                      <a:pPr marL="0" marR="0" algn="l">
-                        <a:spcBef>
-                          <a:spcPts val="0"/>
-                        </a:spcBef>
-                        <a:spcAft>
-                          <a:spcPts val="0"/>
-                        </a:spcAft>
-                      </a:pPr>
-                      <a:r>
-                        <a:rPr lang="en-US" sz="1100">
-                          <a:effectLst/>
-                        </a:rPr>
-                        <a:t>To manage the created clients</a:t>
-                      </a:r>
-                      <a:endParaRPr lang="en-US" sz="1600">
-                        <a:effectLst/>
-                        <a:latin typeface="Times New Roman" panose="02020603050405020304" pitchFamily="18" charset="0"/>
-                        <a:ea typeface="Times New Roman" panose="02020603050405020304" pitchFamily="18" charset="0"/>
-                        <a:cs typeface="Times New Roman" panose="02020603050405020304" pitchFamily="18" charset="0"/>
-                      </a:endParaRPr>
-                    </a:p>
-                  </a:txBody>
-                  <a:tcPr marL="68580" marR="68580" marT="0" marB="0"/>
-                </a:tc>
-                <a:tc>
-                  <a:txBody>
-                    <a:bodyPr/>
-                    <a:lstStyle/>
-                    <a:p>
-                      <a:pPr marL="0" marR="0" algn="l">
-                        <a:spcBef>
-                          <a:spcPts val="0"/>
-                        </a:spcBef>
-                        <a:spcAft>
-                          <a:spcPts val="0"/>
-                        </a:spcAft>
-                      </a:pPr>
-                      <a:r>
-                        <a:rPr lang="en-US" sz="1100">
-                          <a:effectLst/>
-                        </a:rPr>
-                        <a:t>To manage the created clients</a:t>
-                      </a:r>
-                      <a:endParaRPr lang="en-US" sz="1600">
-                        <a:effectLst/>
-                        <a:latin typeface="Times New Roman" panose="02020603050405020304" pitchFamily="18" charset="0"/>
-                        <a:ea typeface="Times New Roman" panose="02020603050405020304" pitchFamily="18" charset="0"/>
-                        <a:cs typeface="Times New Roman" panose="02020603050405020304" pitchFamily="18" charset="0"/>
-                      </a:endParaRPr>
-                    </a:p>
-                  </a:txBody>
-                  <a:tcPr marL="68580" marR="68580" marT="0" marB="0"/>
-                </a:tc>
-                <a:tc>
-                  <a:txBody>
-                    <a:bodyPr/>
-                    <a:lstStyle/>
-                    <a:p>
-                      <a:pPr marL="0" marR="0" algn="l">
-                        <a:spcBef>
-                          <a:spcPts val="0"/>
-                        </a:spcBef>
-                        <a:spcAft>
-                          <a:spcPts val="0"/>
-                        </a:spcAft>
-                      </a:pPr>
-                      <a:r>
-                        <a:rPr lang="en-US" sz="1100">
-                          <a:effectLst/>
-                        </a:rPr>
-                        <a:t>Fail</a:t>
-                      </a:r>
-                      <a:endParaRPr lang="en-US" sz="1600">
-                        <a:effectLst/>
-                        <a:latin typeface="Times New Roman" panose="02020603050405020304" pitchFamily="18" charset="0"/>
-                        <a:ea typeface="Times New Roman" panose="02020603050405020304" pitchFamily="18" charset="0"/>
-                        <a:cs typeface="Times New Roman" panose="02020603050405020304" pitchFamily="18" charset="0"/>
-                      </a:endParaRPr>
-                    </a:p>
-                  </a:txBody>
-                  <a:tcPr marL="68580" marR="68580" marT="0" marB="0"/>
-                </a:tc>
-                <a:extLst>
-                  <a:ext uri="{0D108BD9-81ED-4DB2-BD59-A6C34878D82A}">
-                    <a16:rowId xmlns:a16="http://schemas.microsoft.com/office/drawing/2014/main" val="1413261720"/>
-                  </a:ext>
-                </a:extLst>
-              </a:tr>
-              <a:tr h="521970">
-                <a:tc>
-                  <a:txBody>
-                    <a:bodyPr/>
-                    <a:lstStyle/>
-                    <a:p>
-                      <a:pPr marL="0" marR="0" algn="l">
-                        <a:spcBef>
-                          <a:spcPts val="0"/>
-                        </a:spcBef>
-                        <a:spcAft>
-                          <a:spcPts val="0"/>
-                        </a:spcAft>
-                      </a:pPr>
-                      <a:r>
-                        <a:rPr lang="en-US" sz="1100">
-                          <a:effectLst/>
-                        </a:rPr>
-                        <a:t>11</a:t>
-                      </a:r>
-                      <a:endParaRPr lang="en-US" sz="1600">
-                        <a:effectLst/>
-                        <a:latin typeface="Times New Roman" panose="02020603050405020304" pitchFamily="18" charset="0"/>
-                        <a:ea typeface="Times New Roman" panose="02020603050405020304" pitchFamily="18" charset="0"/>
-                        <a:cs typeface="Times New Roman" panose="02020603050405020304" pitchFamily="18" charset="0"/>
-                      </a:endParaRPr>
-                    </a:p>
-                  </a:txBody>
-                  <a:tcPr marL="68580" marR="68580" marT="0" marB="0"/>
-                </a:tc>
-                <a:tc>
-                  <a:txBody>
-                    <a:bodyPr/>
-                    <a:lstStyle/>
-                    <a:p>
-                      <a:pPr marL="0" marR="0" algn="l">
-                        <a:spcBef>
-                          <a:spcPts val="0"/>
-                        </a:spcBef>
-                        <a:spcAft>
-                          <a:spcPts val="0"/>
-                        </a:spcAft>
-                      </a:pPr>
-                      <a:r>
-                        <a:rPr lang="en-US" sz="1100">
-                          <a:effectLst/>
-                        </a:rPr>
-                        <a:t>User management</a:t>
-                      </a:r>
-                      <a:endParaRPr lang="en-US" sz="1600">
-                        <a:effectLst/>
-                        <a:latin typeface="Times New Roman" panose="02020603050405020304" pitchFamily="18" charset="0"/>
-                        <a:ea typeface="Times New Roman" panose="02020603050405020304" pitchFamily="18" charset="0"/>
-                        <a:cs typeface="Times New Roman" panose="02020603050405020304" pitchFamily="18" charset="0"/>
-                      </a:endParaRPr>
-                    </a:p>
-                  </a:txBody>
-                  <a:tcPr marL="68580" marR="68580" marT="0" marB="0"/>
-                </a:tc>
-                <a:tc>
-                  <a:txBody>
-                    <a:bodyPr/>
-                    <a:lstStyle/>
-                    <a:p>
-                      <a:pPr marL="0" marR="0" algn="l">
-                        <a:spcBef>
-                          <a:spcPts val="0"/>
-                        </a:spcBef>
-                        <a:spcAft>
-                          <a:spcPts val="0"/>
-                        </a:spcAft>
-                      </a:pPr>
-                      <a:r>
-                        <a:rPr lang="en-US" sz="1100">
-                          <a:effectLst/>
-                        </a:rPr>
-                        <a:t>Admin credentials, only admin have access</a:t>
-                      </a:r>
-                      <a:endParaRPr lang="en-US" sz="1100">
-                        <a:effectLst/>
-                        <a:latin typeface="Times New Roman" panose="02020603050405020304" pitchFamily="18" charset="0"/>
-                        <a:ea typeface="Times New Roman" panose="02020603050405020304" pitchFamily="18" charset="0"/>
-                        <a:cs typeface="Times New Roman" panose="02020603050405020304" pitchFamily="18" charset="0"/>
-                      </a:endParaRPr>
-                    </a:p>
-                  </a:txBody>
-                  <a:tcPr marL="68580" marR="68580" marT="0" marB="0"/>
-                </a:tc>
-                <a:tc>
-                  <a:txBody>
-                    <a:bodyPr/>
-                    <a:lstStyle/>
-                    <a:p>
-                      <a:pPr marL="0" marR="0" algn="l">
-                        <a:spcBef>
-                          <a:spcPts val="0"/>
-                        </a:spcBef>
-                        <a:spcAft>
-                          <a:spcPts val="0"/>
-                        </a:spcAft>
-                      </a:pPr>
-                      <a:r>
-                        <a:rPr lang="en-US" sz="1100">
-                          <a:effectLst/>
-                        </a:rPr>
-                        <a:t>To manage user Grant Authentication type</a:t>
-                      </a:r>
-                      <a:endParaRPr lang="en-US" sz="1600">
-                        <a:effectLst/>
-                        <a:latin typeface="Times New Roman" panose="02020603050405020304" pitchFamily="18" charset="0"/>
-                        <a:ea typeface="Times New Roman" panose="02020603050405020304" pitchFamily="18" charset="0"/>
-                        <a:cs typeface="Times New Roman" panose="02020603050405020304" pitchFamily="18" charset="0"/>
-                      </a:endParaRPr>
-                    </a:p>
-                  </a:txBody>
-                  <a:tcPr marL="68580" marR="68580" marT="0" marB="0"/>
-                </a:tc>
-                <a:tc>
-                  <a:txBody>
-                    <a:bodyPr/>
-                    <a:lstStyle/>
-                    <a:p>
-                      <a:pPr marL="0" marR="0" algn="l">
-                        <a:spcBef>
-                          <a:spcPts val="0"/>
-                        </a:spcBef>
-                        <a:spcAft>
-                          <a:spcPts val="0"/>
-                        </a:spcAft>
-                      </a:pPr>
-                      <a:r>
-                        <a:rPr lang="en-US" sz="1100">
-                          <a:effectLst/>
-                        </a:rPr>
-                        <a:t>Grant Authentication type</a:t>
-                      </a:r>
-                      <a:endParaRPr lang="en-US" sz="1600">
-                        <a:effectLst/>
-                        <a:latin typeface="Times New Roman" panose="02020603050405020304" pitchFamily="18" charset="0"/>
-                        <a:ea typeface="Times New Roman" panose="02020603050405020304" pitchFamily="18" charset="0"/>
-                        <a:cs typeface="Times New Roman" panose="02020603050405020304" pitchFamily="18" charset="0"/>
-                      </a:endParaRPr>
-                    </a:p>
-                  </a:txBody>
-                  <a:tcPr marL="68580" marR="68580" marT="0" marB="0"/>
-                </a:tc>
-                <a:tc>
-                  <a:txBody>
-                    <a:bodyPr/>
-                    <a:lstStyle/>
-                    <a:p>
-                      <a:pPr marL="0" marR="0" algn="l">
-                        <a:spcBef>
-                          <a:spcPts val="0"/>
-                        </a:spcBef>
-                        <a:spcAft>
-                          <a:spcPts val="0"/>
-                        </a:spcAft>
-                      </a:pPr>
-                      <a:r>
-                        <a:rPr lang="en-US" sz="1100">
-                          <a:effectLst/>
-                        </a:rPr>
-                        <a:t>Pass</a:t>
-                      </a:r>
-                      <a:endParaRPr lang="en-US" sz="1600">
-                        <a:effectLst/>
-                        <a:latin typeface="Times New Roman" panose="02020603050405020304" pitchFamily="18" charset="0"/>
-                        <a:ea typeface="Times New Roman" panose="02020603050405020304" pitchFamily="18" charset="0"/>
-                        <a:cs typeface="Times New Roman" panose="02020603050405020304" pitchFamily="18" charset="0"/>
-                      </a:endParaRPr>
-                    </a:p>
-                  </a:txBody>
-                  <a:tcPr marL="68580" marR="68580" marT="0" marB="0"/>
-                </a:tc>
-                <a:extLst>
-                  <a:ext uri="{0D108BD9-81ED-4DB2-BD59-A6C34878D82A}">
-                    <a16:rowId xmlns:a16="http://schemas.microsoft.com/office/drawing/2014/main" val="590469942"/>
-                  </a:ext>
-                </a:extLst>
-              </a:tr>
-              <a:tr h="521970">
-                <a:tc>
-                  <a:txBody>
-                    <a:bodyPr/>
-                    <a:lstStyle/>
-                    <a:p>
-                      <a:pPr marL="0" marR="0" algn="l">
-                        <a:spcBef>
-                          <a:spcPts val="0"/>
-                        </a:spcBef>
-                        <a:spcAft>
-                          <a:spcPts val="0"/>
-                        </a:spcAft>
-                      </a:pPr>
-                      <a:r>
-                        <a:rPr lang="en-US" sz="1100">
-                          <a:effectLst/>
-                        </a:rPr>
-                        <a:t>12</a:t>
-                      </a:r>
-                      <a:endParaRPr lang="en-US" sz="1600">
-                        <a:effectLst/>
-                        <a:latin typeface="Times New Roman" panose="02020603050405020304" pitchFamily="18" charset="0"/>
-                        <a:ea typeface="Times New Roman" panose="02020603050405020304" pitchFamily="18" charset="0"/>
-                        <a:cs typeface="Times New Roman" panose="02020603050405020304" pitchFamily="18" charset="0"/>
-                      </a:endParaRPr>
-                    </a:p>
-                  </a:txBody>
-                  <a:tcPr marL="68580" marR="68580" marT="0" marB="0"/>
-                </a:tc>
-                <a:tc>
-                  <a:txBody>
-                    <a:bodyPr/>
-                    <a:lstStyle/>
-                    <a:p>
-                      <a:pPr marL="0" marR="0" algn="l">
-                        <a:spcBef>
-                          <a:spcPts val="0"/>
-                        </a:spcBef>
-                        <a:spcAft>
-                          <a:spcPts val="0"/>
-                        </a:spcAft>
-                      </a:pPr>
-                      <a:r>
-                        <a:rPr lang="en-US" sz="1100">
-                          <a:effectLst/>
-                        </a:rPr>
-                        <a:t>Settings tab</a:t>
-                      </a:r>
-                      <a:endParaRPr lang="en-US" sz="1600">
-                        <a:effectLst/>
-                        <a:latin typeface="Times New Roman" panose="02020603050405020304" pitchFamily="18" charset="0"/>
-                        <a:ea typeface="Times New Roman" panose="02020603050405020304" pitchFamily="18" charset="0"/>
-                        <a:cs typeface="Times New Roman" panose="02020603050405020304" pitchFamily="18" charset="0"/>
-                      </a:endParaRPr>
-                    </a:p>
-                  </a:txBody>
-                  <a:tcPr marL="68580" marR="68580" marT="0" marB="0"/>
-                </a:tc>
-                <a:tc>
-                  <a:txBody>
-                    <a:bodyPr/>
-                    <a:lstStyle/>
-                    <a:p>
-                      <a:pPr marL="0" marR="0" algn="l">
-                        <a:spcBef>
-                          <a:spcPts val="0"/>
-                        </a:spcBef>
-                        <a:spcAft>
-                          <a:spcPts val="0"/>
-                        </a:spcAft>
-                      </a:pPr>
-                      <a:r>
-                        <a:rPr lang="en-US" sz="1100">
-                          <a:effectLst/>
-                        </a:rPr>
-                        <a:t>Login Id and Password of user</a:t>
-                      </a:r>
-                      <a:endParaRPr lang="en-US" sz="1100">
-                        <a:effectLst/>
-                        <a:latin typeface="Times New Roman" panose="02020603050405020304" pitchFamily="18" charset="0"/>
-                        <a:ea typeface="Times New Roman" panose="02020603050405020304" pitchFamily="18" charset="0"/>
-                        <a:cs typeface="Times New Roman" panose="02020603050405020304" pitchFamily="18" charset="0"/>
-                      </a:endParaRPr>
-                    </a:p>
-                  </a:txBody>
-                  <a:tcPr marL="68580" marR="68580" marT="0" marB="0"/>
-                </a:tc>
-                <a:tc>
-                  <a:txBody>
-                    <a:bodyPr/>
-                    <a:lstStyle/>
-                    <a:p>
-                      <a:pPr marL="0" marR="0" algn="l">
-                        <a:spcBef>
-                          <a:spcPts val="0"/>
-                        </a:spcBef>
-                        <a:spcAft>
-                          <a:spcPts val="0"/>
-                        </a:spcAft>
-                      </a:pPr>
-                      <a:r>
-                        <a:rPr lang="en-US" sz="1100">
-                          <a:effectLst/>
-                        </a:rPr>
-                        <a:t>Pops-up the settings page</a:t>
-                      </a:r>
-                      <a:endParaRPr lang="en-US" sz="1600">
-                        <a:effectLst/>
-                        <a:latin typeface="Times New Roman" panose="02020603050405020304" pitchFamily="18" charset="0"/>
-                        <a:ea typeface="Times New Roman" panose="02020603050405020304" pitchFamily="18" charset="0"/>
-                        <a:cs typeface="Times New Roman" panose="02020603050405020304" pitchFamily="18" charset="0"/>
-                      </a:endParaRPr>
-                    </a:p>
-                  </a:txBody>
-                  <a:tcPr marL="68580" marR="68580" marT="0" marB="0"/>
-                </a:tc>
-                <a:tc>
-                  <a:txBody>
-                    <a:bodyPr/>
-                    <a:lstStyle/>
-                    <a:p>
-                      <a:pPr marL="0" marR="0" algn="l">
-                        <a:spcBef>
-                          <a:spcPts val="0"/>
-                        </a:spcBef>
-                        <a:spcAft>
-                          <a:spcPts val="0"/>
-                        </a:spcAft>
-                      </a:pPr>
-                      <a:r>
-                        <a:rPr lang="en-US" sz="1100">
-                          <a:effectLst/>
-                        </a:rPr>
-                        <a:t>Allows to edit the user credentials and details </a:t>
-                      </a:r>
-                      <a:endParaRPr lang="en-US" sz="1600">
-                        <a:effectLst/>
-                        <a:latin typeface="Times New Roman" panose="02020603050405020304" pitchFamily="18" charset="0"/>
-                        <a:ea typeface="Times New Roman" panose="02020603050405020304" pitchFamily="18" charset="0"/>
-                        <a:cs typeface="Times New Roman" panose="02020603050405020304" pitchFamily="18" charset="0"/>
-                      </a:endParaRPr>
-                    </a:p>
-                  </a:txBody>
-                  <a:tcPr marL="68580" marR="68580" marT="0" marB="0"/>
-                </a:tc>
-                <a:tc>
-                  <a:txBody>
-                    <a:bodyPr/>
-                    <a:lstStyle/>
-                    <a:p>
-                      <a:pPr marL="0" marR="0" algn="l">
-                        <a:spcBef>
-                          <a:spcPts val="0"/>
-                        </a:spcBef>
-                        <a:spcAft>
-                          <a:spcPts val="0"/>
-                        </a:spcAft>
-                      </a:pPr>
-                      <a:r>
-                        <a:rPr lang="en-US" sz="1100" dirty="0">
-                          <a:effectLst/>
-                        </a:rPr>
-                        <a:t>Fail</a:t>
-                      </a:r>
-                      <a:endParaRPr lang="en-US" sz="1600" dirty="0">
-                        <a:effectLst/>
-                        <a:latin typeface="Times New Roman" panose="02020603050405020304" pitchFamily="18" charset="0"/>
-                        <a:ea typeface="Times New Roman" panose="02020603050405020304" pitchFamily="18" charset="0"/>
-                        <a:cs typeface="Times New Roman" panose="02020603050405020304" pitchFamily="18" charset="0"/>
-                      </a:endParaRPr>
-                    </a:p>
-                  </a:txBody>
-                  <a:tcPr marL="68580" marR="68580" marT="0" marB="0"/>
-                </a:tc>
-                <a:extLst>
-                  <a:ext uri="{0D108BD9-81ED-4DB2-BD59-A6C34878D82A}">
-                    <a16:rowId xmlns:a16="http://schemas.microsoft.com/office/drawing/2014/main" val="1851137797"/>
-                  </a:ext>
-                </a:extLst>
-              </a:tr>
-            </a:tbl>
-          </a:graphicData>
-        </a:graphic>
-      </p:graphicFrame>
-      <p:sp>
-        <p:nvSpPr>
-          <p:cNvPr id="15" name="Rectangle 2">
-            <a:extLst>
-              <a:ext uri="{FF2B5EF4-FFF2-40B4-BE49-F238E27FC236}">
-                <a16:creationId xmlns:a16="http://schemas.microsoft.com/office/drawing/2014/main" id="{B9C4F11C-62FC-94A4-7430-2E4CF961D714}"/>
-              </a:ext>
-            </a:extLst>
-          </p:cNvPr>
-          <p:cNvSpPr>
-            <a:spLocks noChangeArrowheads="1"/>
-          </p:cNvSpPr>
-          <p:nvPr/>
         </p:nvSpPr>
-        <p:spPr bwMode="auto">
-          <a:xfrm>
-            <a:off x="0" y="0"/>
-            <a:ext cx="12192000" cy="457200"/>
-          </a:xfrm>
-          <a:prstGeom prst="rect">
-            <a:avLst/>
-          </a:prstGeom>
-          <a:noFill/>
-          <a:ln>
-            <a:noFill/>
-          </a:ln>
-          <a:effectLst/>
-          <a:extLst>
-            <a:ext uri="{909E8E84-426E-40DD-AFC4-6F175D3DCCD1}">
-              <a14:hiddenFill xmlns:a14="http://schemas.microsoft.com/office/drawing/2010/main">
-                <a:solidFill>
-                  <a:schemeClr val="accent1"/>
-                </a:solidFill>
-              </a14:hiddenFill>
-            </a:ext>
-            <a:ext uri="{91240B29-F687-4F45-9708-019B960494DF}">
-              <a14:hiddenLine xmlns:a14="http://schemas.microsoft.com/office/drawing/2010/main" w="9525">
-                <a:solidFill>
-                  <a:schemeClr val="tx1"/>
-                </a:solidFill>
-                <a:miter lim="800000"/>
-                <a:headEnd/>
-                <a:tailEnd/>
-              </a14:hiddenLine>
-            </a:ext>
-            <a:ext uri="{AF507438-7753-43E0-B8FC-AC1667EBCBE1}">
-              <a14:hiddenEffects xmlns:a14="http://schemas.microsoft.com/office/drawing/2010/main">
-                <a:effectLst>
-                  <a:outerShdw dist="35921" dir="2700000" algn="ctr" rotWithShape="0">
-                    <a:schemeClr val="bg2"/>
-                  </a:outerShdw>
-                </a:effectLst>
-              </a14:hiddenEffects>
-            </a:ext>
-          </a:extLst>
-        </p:spPr>
+        <p:spPr/>
         <p:txBody>
-          <a:bodyPr vert="horz" wrap="none" lIns="91440" tIns="45720" rIns="91440" bIns="45720" numCol="1" anchor="ctr" anchorCtr="0" compatLnSpc="1">
-            <a:prstTxWarp prst="textNoShape">
-              <a:avLst/>
-            </a:prstTxWarp>
-            <a:spAutoFit/>
+          <a:bodyPr>
+            <a:normAutofit/>
           </a:bodyPr>
           <a:lstStyle/>
           <a:p>
-            <a:endParaRPr lang="en-US"/>
+            <a:pPr marL="0" indent="0">
+              <a:buNone/>
+            </a:pPr>
+            <a:r>
+              <a:rPr lang="en-US" sz="2000" dirty="0">
+                <a:latin typeface="Times New Roman" panose="02020603050405020304" pitchFamily="18" charset="0"/>
+                <a:cs typeface="Times New Roman" panose="02020603050405020304" pitchFamily="18" charset="0"/>
+              </a:rPr>
+              <a:t>The attractive and thrilling field of ticketing tool needs a lot of hard work and dynamism. As the name implies, it refers to envisioning, planning, organizing, and ultimately carrying out an event. The event could be of any genre, such as a musical performance, concert, exhibition, product launch, </a:t>
+            </a:r>
+            <a:r>
+              <a:rPr lang="en-US" sz="2000">
+                <a:latin typeface="Times New Roman" panose="02020603050405020304" pitchFamily="18" charset="0"/>
+                <a:cs typeface="Times New Roman" panose="02020603050405020304" pitchFamily="18" charset="0"/>
+              </a:rPr>
+              <a:t>etc., </a:t>
+            </a:r>
+            <a:r>
+              <a:rPr lang="en-US" sz="2000" dirty="0">
+                <a:latin typeface="Times New Roman" panose="02020603050405020304" pitchFamily="18" charset="0"/>
+                <a:cs typeface="Times New Roman" panose="02020603050405020304" pitchFamily="18" charset="0"/>
+              </a:rPr>
+              <a:t>this industry has a lot of potential for growth. For young individuals who are ambitious, it provides a ton of opportunity. </a:t>
+            </a:r>
+          </a:p>
+          <a:p>
+            <a:pPr marL="0" indent="0">
+              <a:buNone/>
+            </a:pPr>
+            <a:r>
+              <a:rPr lang="en-US" sz="2000" dirty="0">
+                <a:latin typeface="Times New Roman" panose="02020603050405020304" pitchFamily="18" charset="0"/>
+                <a:cs typeface="Times New Roman" panose="02020603050405020304" pitchFamily="18" charset="0"/>
+              </a:rPr>
+              <a:t>The planning and execution of events, both big and small, that support a company's marketing objectives is known as event management. The field of event management is expanding quickly and is predicted to do so even more so during the coming ten years. Professional event organizers typically plan parties, sponsored events, sporting events, competitions, and product launches. concerts, festivals, trade exhibits, open houses for businesses, conferences.</a:t>
+            </a:r>
           </a:p>
         </p:txBody>
       </p:sp>
     </p:spTree>
     <p:extLst>
       <p:ext uri="{BB962C8B-B14F-4D97-AF65-F5344CB8AC3E}">
-        <p14:creationId xmlns:p14="http://schemas.microsoft.com/office/powerpoint/2010/main" val="1782965996"/>
+        <p14:creationId xmlns:p14="http://schemas.microsoft.com/office/powerpoint/2010/main" val="1570952681"/>
       </p:ext>
     </p:extLst>
   </p:cSld>
@@ -11409,7 +10027,7 @@
 </p:sld>
 </file>
 
-<file path=ppt/slides/slide33.xml><?xml version="1.0" encoding="utf-8"?>
+<file path=ppt/slides/slide25.xml><?xml version="1.0" encoding="utf-8"?>
 <p:sld xmlns:a="http://schemas.openxmlformats.org/drawingml/2006/main" xmlns:r="http://schemas.openxmlformats.org/officeDocument/2006/relationships" xmlns:p="http://schemas.openxmlformats.org/presentationml/2006/main">
   <p:cSld>
     <p:spTree>
@@ -11431,7 +10049,7 @@
           <p:cNvPr id="2" name="Title 1">
             <a:extLst>
               <a:ext uri="{FF2B5EF4-FFF2-40B4-BE49-F238E27FC236}">
-                <a16:creationId xmlns:a16="http://schemas.microsoft.com/office/drawing/2014/main" id="{CB44BCD1-F19D-657E-FECA-E21921A46AD2}"/>
+                <a16:creationId xmlns:a16="http://schemas.microsoft.com/office/drawing/2014/main" id="{4FA999DE-B29D-4518-87BE-905636C1B795}"/>
               </a:ext>
             </a:extLst>
           </p:cNvPr>
@@ -11442,7 +10060,12 @@
             <p:ph type="title"/>
           </p:nvPr>
         </p:nvSpPr>
-        <p:spPr/>
+        <p:spPr>
+          <a:xfrm>
+            <a:off x="838200" y="365125"/>
+            <a:ext cx="10515600" cy="935641"/>
+          </a:xfrm>
+        </p:spPr>
         <p:txBody>
           <a:bodyPr/>
           <a:lstStyle/>
@@ -11452,17 +10075,55 @@
                 <a:latin typeface="Times New Roman" panose="02020603050405020304" pitchFamily="18" charset="0"/>
                 <a:cs typeface="Times New Roman" panose="02020603050405020304" pitchFamily="18" charset="0"/>
               </a:rPr>
-              <a:t>Summary</a:t>
+              <a:t>Ready Prototype System Pages</a:t>
             </a:r>
           </a:p>
         </p:txBody>
       </p:sp>
       <p:sp>
         <p:nvSpPr>
-          <p:cNvPr id="3" name="Content Placeholder 2">
-            <a:extLst>
-              <a:ext uri="{FF2B5EF4-FFF2-40B4-BE49-F238E27FC236}">
-                <a16:creationId xmlns:a16="http://schemas.microsoft.com/office/drawing/2014/main" id="{5D0BE23E-84B9-93A4-F70C-B735551D8528}"/>
+          <p:cNvPr id="6" name="TextBox 5">
+            <a:extLst>
+              <a:ext uri="{FF2B5EF4-FFF2-40B4-BE49-F238E27FC236}">
+                <a16:creationId xmlns:a16="http://schemas.microsoft.com/office/drawing/2014/main" id="{B1869EF5-7C44-47F0-8AEF-015A1A9FB884}"/>
+              </a:ext>
+            </a:extLst>
+          </p:cNvPr>
+          <p:cNvSpPr txBox="1"/>
+          <p:nvPr/>
+        </p:nvSpPr>
+        <p:spPr>
+          <a:xfrm>
+            <a:off x="838200" y="6104586"/>
+            <a:ext cx="9464899" cy="523220"/>
+          </a:xfrm>
+          <a:prstGeom prst="rect">
+            <a:avLst/>
+          </a:prstGeom>
+          <a:noFill/>
+        </p:spPr>
+        <p:txBody>
+          <a:bodyPr wrap="square" rtlCol="0">
+            <a:spAutoFit/>
+          </a:bodyPr>
+          <a:lstStyle/>
+          <a:p>
+            <a:r>
+              <a:rPr lang="en-US" sz="2800" b="1" dirty="0">
+                <a:latin typeface="Times New Roman" panose="02020603050405020304" pitchFamily="18" charset="0"/>
+                <a:cs typeface="Times New Roman" panose="02020603050405020304" pitchFamily="18" charset="0"/>
+              </a:rPr>
+              <a:t>Fig 1.1: Login Page</a:t>
+            </a:r>
+          </a:p>
+        </p:txBody>
+      </p:sp>
+      <p:sp>
+        <p:nvSpPr>
+          <p:cNvPr id="4" name="Content Placeholder 3">
+            <a:extLst>
+              <a:ext uri="{FF2B5EF4-FFF2-40B4-BE49-F238E27FC236}">
+                <a16:creationId xmlns:a16="http://schemas.microsoft.com/office/drawing/2014/main" id="{2FBEA211-D357-D549-91E0-6E714AAEE64A}"/>
               </a:ext>
             </a:extLst>
           </p:cNvPr>
@@ -11475,56 +10136,162 @@
         </p:nvSpPr>
         <p:spPr/>
         <p:txBody>
-          <a:bodyPr>
-            <a:normAutofit/>
+          <a:bodyPr/>
+          <a:lstStyle/>
+          <a:p>
+            <a:pPr marL="0" indent="0">
+              <a:buNone/>
+            </a:pPr>
+            <a:endParaRPr lang="en-US" dirty="0"/>
+          </a:p>
+          <a:p>
+            <a:pPr marL="0" indent="0">
+              <a:buNone/>
+            </a:pPr>
+            <a:endParaRPr lang="en-US" dirty="0"/>
+          </a:p>
+        </p:txBody>
+      </p:sp>
+      <p:pic>
+        <p:nvPicPr>
+          <p:cNvPr id="3" name="Picture 2">
+            <a:extLst>
+              <a:ext uri="{FF2B5EF4-FFF2-40B4-BE49-F238E27FC236}">
+                <a16:creationId xmlns:a16="http://schemas.microsoft.com/office/drawing/2014/main" id="{AFEC9B66-8D6C-9F44-67FE-C2181F6CFFE2}"/>
+              </a:ext>
+            </a:extLst>
+          </p:cNvPr>
+          <p:cNvPicPr>
+            <a:picLocks noChangeAspect="1"/>
+          </p:cNvPicPr>
+          <p:nvPr/>
+        </p:nvPicPr>
+        <p:blipFill>
+          <a:blip r:embed="rId2" cstate="print">
+            <a:extLst>
+              <a:ext uri="{28A0092B-C50C-407E-A947-70E740481C1C}">
+                <a14:useLocalDpi xmlns:a14="http://schemas.microsoft.com/office/drawing/2010/main" val="0"/>
+              </a:ext>
+            </a:extLst>
+          </a:blip>
+          <a:srcRect/>
+          <a:stretch>
+            <a:fillRect/>
+          </a:stretch>
+        </p:blipFill>
+        <p:spPr bwMode="auto">
+          <a:xfrm>
+            <a:off x="3124200" y="1756727"/>
+            <a:ext cx="5943600" cy="3344545"/>
+          </a:xfrm>
+          <a:prstGeom prst="rect">
+            <a:avLst/>
+          </a:prstGeom>
+          <a:noFill/>
+          <a:ln>
+            <a:noFill/>
+          </a:ln>
+        </p:spPr>
+      </p:pic>
+    </p:spTree>
+    <p:extLst>
+      <p:ext uri="{BB962C8B-B14F-4D97-AF65-F5344CB8AC3E}">
+        <p14:creationId xmlns:p14="http://schemas.microsoft.com/office/powerpoint/2010/main" val="4106739811"/>
+      </p:ext>
+    </p:extLst>
+  </p:cSld>
+  <p:clrMapOvr>
+    <a:masterClrMapping/>
+  </p:clrMapOvr>
+</p:sld>
+</file>
+
+<file path=ppt/slides/slide26.xml><?xml version="1.0" encoding="utf-8"?>
+<p:sld xmlns:a="http://schemas.openxmlformats.org/drawingml/2006/main" xmlns:r="http://schemas.openxmlformats.org/officeDocument/2006/relationships" xmlns:p="http://schemas.openxmlformats.org/presentationml/2006/main">
+  <p:cSld>
+    <p:spTree>
+      <p:nvGrpSpPr>
+        <p:cNvPr id="1" name=""/>
+        <p:cNvGrpSpPr/>
+        <p:nvPr/>
+      </p:nvGrpSpPr>
+      <p:grpSpPr>
+        <a:xfrm>
+          <a:off x="0" y="0"/>
+          <a:ext cx="0" cy="0"/>
+          <a:chOff x="0" y="0"/>
+          <a:chExt cx="0" cy="0"/>
+        </a:xfrm>
+      </p:grpSpPr>
+      <p:pic>
+        <p:nvPicPr>
+          <p:cNvPr id="5" name="Content Placeholder 4">
+            <a:extLst>
+              <a:ext uri="{FF2B5EF4-FFF2-40B4-BE49-F238E27FC236}">
+                <a16:creationId xmlns:a16="http://schemas.microsoft.com/office/drawing/2014/main" id="{1171A00E-D32C-4C0C-998A-B102D6B8EA99}"/>
+              </a:ext>
+            </a:extLst>
+          </p:cNvPr>
+          <p:cNvPicPr>
+            <a:picLocks noGrp="1" noChangeAspect="1"/>
+          </p:cNvPicPr>
+          <p:nvPr>
+            <p:ph idx="1"/>
+          </p:nvPr>
+        </p:nvPicPr>
+        <p:blipFill>
+          <a:blip r:embed="rId2">
+            <a:extLst>
+              <a:ext uri="{28A0092B-C50C-407E-A947-70E740481C1C}">
+                <a14:useLocalDpi xmlns:a14="http://schemas.microsoft.com/office/drawing/2010/main" val="0"/>
+              </a:ext>
+            </a:extLst>
+          </a:blip>
+          <a:stretch>
+            <a:fillRect/>
+          </a:stretch>
+        </p:blipFill>
+        <p:spPr>
+          <a:xfrm>
+            <a:off x="838200" y="673655"/>
+            <a:ext cx="10515600" cy="5242403"/>
+          </a:xfrm>
+        </p:spPr>
+      </p:pic>
+      <p:sp>
+        <p:nvSpPr>
+          <p:cNvPr id="6" name="TextBox 5">
+            <a:extLst>
+              <a:ext uri="{FF2B5EF4-FFF2-40B4-BE49-F238E27FC236}">
+                <a16:creationId xmlns:a16="http://schemas.microsoft.com/office/drawing/2014/main" id="{9BC8B216-958D-4604-9CE2-D7F0FB263555}"/>
+              </a:ext>
+            </a:extLst>
+          </p:cNvPr>
+          <p:cNvSpPr txBox="1"/>
+          <p:nvPr/>
+        </p:nvSpPr>
+        <p:spPr>
+          <a:xfrm>
+            <a:off x="746975" y="6130344"/>
+            <a:ext cx="9633397" cy="461665"/>
+          </a:xfrm>
+          <a:prstGeom prst="rect">
+            <a:avLst/>
+          </a:prstGeom>
+          <a:noFill/>
+        </p:spPr>
+        <p:txBody>
+          <a:bodyPr wrap="square" rtlCol="0">
+            <a:spAutoFit/>
           </a:bodyPr>
           <a:lstStyle/>
           <a:p>
-            <a:pPr marL="0" indent="0">
-              <a:buNone/>
-            </a:pPr>
-            <a:r>
-              <a:rPr lang="en-US" sz="2000" dirty="0">
+            <a:r>
+              <a:rPr lang="en-US" sz="2400" b="1" dirty="0">
                 <a:latin typeface="Times New Roman" panose="02020603050405020304" pitchFamily="18" charset="0"/>
                 <a:cs typeface="Times New Roman" panose="02020603050405020304" pitchFamily="18" charset="0"/>
               </a:rPr>
-              <a:t>A ticketing management system helps you locate issues, analyze them further, and pinpoint the underlying causes of issues that could impair the efficiency of your firm.</a:t>
-            </a:r>
-          </a:p>
-          <a:p>
-            <a:pPr marL="0" indent="0">
-              <a:buNone/>
-            </a:pPr>
-            <a:r>
-              <a:rPr lang="en-US" sz="2000" dirty="0">
-                <a:latin typeface="Times New Roman" panose="02020603050405020304" pitchFamily="18" charset="0"/>
-                <a:cs typeface="Times New Roman" panose="02020603050405020304" pitchFamily="18" charset="0"/>
-              </a:rPr>
-              <a:t>The system makes it possible to consistently record and manage requests, which frees up authorities to focus more on resolving problems.</a:t>
-            </a:r>
-          </a:p>
-          <a:p>
-            <a:pPr marL="0" indent="0">
-              <a:buNone/>
-            </a:pPr>
-            <a:r>
-              <a:rPr lang="en-US" sz="2000" dirty="0">
-                <a:latin typeface="Times New Roman" panose="02020603050405020304" pitchFamily="18" charset="0"/>
-                <a:cs typeface="Times New Roman" panose="02020603050405020304" pitchFamily="18" charset="0"/>
-              </a:rPr>
-              <a:t>An incident management system enables efficient scaling of issues and their handoff between teams.</a:t>
-            </a:r>
-          </a:p>
-          <a:p>
-            <a:pPr marL="0" indent="0">
-              <a:buNone/>
-            </a:pPr>
-            <a:r>
-              <a:rPr lang="en-US" sz="2000" dirty="0">
-                <a:latin typeface="Times New Roman" panose="02020603050405020304" pitchFamily="18" charset="0"/>
-                <a:cs typeface="Times New Roman" panose="02020603050405020304" pitchFamily="18" charset="0"/>
-              </a:rPr>
-              <a:t>The management must make decisions about efficiency, process improvement, and operational cost management using the data and metrics produced by the ticketing management system.</a:t>
+              <a:t>Fig 1.2: Signup Page</a:t>
             </a:r>
           </a:p>
         </p:txBody>
@@ -11532,7 +10299,911 @@
     </p:spTree>
     <p:extLst>
       <p:ext uri="{BB962C8B-B14F-4D97-AF65-F5344CB8AC3E}">
-        <p14:creationId xmlns:p14="http://schemas.microsoft.com/office/powerpoint/2010/main" val="1570952681"/>
+        <p14:creationId xmlns:p14="http://schemas.microsoft.com/office/powerpoint/2010/main" val="1077294410"/>
+      </p:ext>
+    </p:extLst>
+  </p:cSld>
+  <p:clrMapOvr>
+    <a:masterClrMapping/>
+  </p:clrMapOvr>
+</p:sld>
+</file>
+
+<file path=ppt/slides/slide27.xml><?xml version="1.0" encoding="utf-8"?>
+<p:sld xmlns:a="http://schemas.openxmlformats.org/drawingml/2006/main" xmlns:r="http://schemas.openxmlformats.org/officeDocument/2006/relationships" xmlns:p="http://schemas.openxmlformats.org/presentationml/2006/main">
+  <p:cSld>
+    <p:spTree>
+      <p:nvGrpSpPr>
+        <p:cNvPr id="1" name=""/>
+        <p:cNvGrpSpPr/>
+        <p:nvPr/>
+      </p:nvGrpSpPr>
+      <p:grpSpPr>
+        <a:xfrm>
+          <a:off x="0" y="0"/>
+          <a:ext cx="0" cy="0"/>
+          <a:chOff x="0" y="0"/>
+          <a:chExt cx="0" cy="0"/>
+        </a:xfrm>
+      </p:grpSpPr>
+      <p:sp>
+        <p:nvSpPr>
+          <p:cNvPr id="6" name="TextBox 5">
+            <a:extLst>
+              <a:ext uri="{FF2B5EF4-FFF2-40B4-BE49-F238E27FC236}">
+                <a16:creationId xmlns:a16="http://schemas.microsoft.com/office/drawing/2014/main" id="{CF0E0C7F-9C9C-4B66-88BB-1E09CE8360AE}"/>
+              </a:ext>
+            </a:extLst>
+          </p:cNvPr>
+          <p:cNvSpPr txBox="1"/>
+          <p:nvPr/>
+        </p:nvSpPr>
+        <p:spPr>
+          <a:xfrm>
+            <a:off x="631065" y="6246254"/>
+            <a:ext cx="10722735" cy="461665"/>
+          </a:xfrm>
+          <a:prstGeom prst="rect">
+            <a:avLst/>
+          </a:prstGeom>
+          <a:noFill/>
+        </p:spPr>
+        <p:txBody>
+          <a:bodyPr wrap="square" rtlCol="0">
+            <a:spAutoFit/>
+          </a:bodyPr>
+          <a:lstStyle/>
+          <a:p>
+            <a:r>
+              <a:rPr lang="en-US" sz="2400" b="1" dirty="0">
+                <a:latin typeface="Times New Roman" panose="02020603050405020304" pitchFamily="18" charset="0"/>
+                <a:cs typeface="Times New Roman" panose="02020603050405020304" pitchFamily="18" charset="0"/>
+              </a:rPr>
+              <a:t>Fig 1.3: System Dashboard UI</a:t>
+            </a:r>
+          </a:p>
+        </p:txBody>
+      </p:sp>
+      <p:sp>
+        <p:nvSpPr>
+          <p:cNvPr id="3" name="Content Placeholder 2">
+            <a:extLst>
+              <a:ext uri="{FF2B5EF4-FFF2-40B4-BE49-F238E27FC236}">
+                <a16:creationId xmlns:a16="http://schemas.microsoft.com/office/drawing/2014/main" id="{A66DBD9F-A10D-5458-5942-B08C97D8E4C6}"/>
+              </a:ext>
+            </a:extLst>
+          </p:cNvPr>
+          <p:cNvSpPr>
+            <a:spLocks noGrp="1"/>
+          </p:cNvSpPr>
+          <p:nvPr>
+            <p:ph idx="1"/>
+          </p:nvPr>
+        </p:nvSpPr>
+        <p:spPr/>
+        <p:txBody>
+          <a:bodyPr/>
+          <a:lstStyle/>
+          <a:p>
+            <a:endParaRPr lang="en-US"/>
+          </a:p>
+        </p:txBody>
+      </p:sp>
+      <p:pic>
+        <p:nvPicPr>
+          <p:cNvPr id="4" name="Picture 3">
+            <a:extLst>
+              <a:ext uri="{FF2B5EF4-FFF2-40B4-BE49-F238E27FC236}">
+                <a16:creationId xmlns:a16="http://schemas.microsoft.com/office/drawing/2014/main" id="{7513005A-01E3-0E56-688E-DB46341F2DAF}"/>
+              </a:ext>
+            </a:extLst>
+          </p:cNvPr>
+          <p:cNvPicPr>
+            <a:picLocks noChangeAspect="1"/>
+          </p:cNvPicPr>
+          <p:nvPr/>
+        </p:nvPicPr>
+        <p:blipFill>
+          <a:blip r:embed="rId2" cstate="print">
+            <a:extLst>
+              <a:ext uri="{28A0092B-C50C-407E-A947-70E740481C1C}">
+                <a14:useLocalDpi xmlns:a14="http://schemas.microsoft.com/office/drawing/2010/main" val="0"/>
+              </a:ext>
+            </a:extLst>
+          </a:blip>
+          <a:srcRect/>
+          <a:stretch>
+            <a:fillRect/>
+          </a:stretch>
+        </p:blipFill>
+        <p:spPr bwMode="auto">
+          <a:xfrm>
+            <a:off x="631065" y="557048"/>
+            <a:ext cx="10722735" cy="5689205"/>
+          </a:xfrm>
+          <a:prstGeom prst="rect">
+            <a:avLst/>
+          </a:prstGeom>
+          <a:noFill/>
+          <a:ln>
+            <a:noFill/>
+          </a:ln>
+        </p:spPr>
+      </p:pic>
+    </p:spTree>
+    <p:extLst>
+      <p:ext uri="{BB962C8B-B14F-4D97-AF65-F5344CB8AC3E}">
+        <p14:creationId xmlns:p14="http://schemas.microsoft.com/office/powerpoint/2010/main" val="1561182114"/>
+      </p:ext>
+    </p:extLst>
+  </p:cSld>
+  <p:clrMapOvr>
+    <a:masterClrMapping/>
+  </p:clrMapOvr>
+</p:sld>
+</file>
+
+<file path=ppt/slides/slide28.xml><?xml version="1.0" encoding="utf-8"?>
+<p:sld xmlns:a="http://schemas.openxmlformats.org/drawingml/2006/main" xmlns:r="http://schemas.openxmlformats.org/officeDocument/2006/relationships" xmlns:p="http://schemas.openxmlformats.org/presentationml/2006/main">
+  <p:cSld>
+    <p:spTree>
+      <p:nvGrpSpPr>
+        <p:cNvPr id="1" name=""/>
+        <p:cNvGrpSpPr/>
+        <p:nvPr/>
+      </p:nvGrpSpPr>
+      <p:grpSpPr>
+        <a:xfrm>
+          <a:off x="0" y="0"/>
+          <a:ext cx="0" cy="0"/>
+          <a:chOff x="0" y="0"/>
+          <a:chExt cx="0" cy="0"/>
+        </a:xfrm>
+      </p:grpSpPr>
+      <p:sp>
+        <p:nvSpPr>
+          <p:cNvPr id="3" name="Content Placeholder 2">
+            <a:extLst>
+              <a:ext uri="{FF2B5EF4-FFF2-40B4-BE49-F238E27FC236}">
+                <a16:creationId xmlns:a16="http://schemas.microsoft.com/office/drawing/2014/main" id="{8B0329A5-E559-0476-52D5-BCE233346EF0}"/>
+              </a:ext>
+            </a:extLst>
+          </p:cNvPr>
+          <p:cNvSpPr>
+            <a:spLocks noGrp="1"/>
+          </p:cNvSpPr>
+          <p:nvPr>
+            <p:ph idx="1"/>
+          </p:nvPr>
+        </p:nvSpPr>
+        <p:spPr>
+          <a:xfrm>
+            <a:off x="838200" y="353683"/>
+            <a:ext cx="10515600" cy="5823280"/>
+          </a:xfrm>
+        </p:spPr>
+        <p:txBody>
+          <a:bodyPr/>
+          <a:lstStyle/>
+          <a:p>
+            <a:pPr marR="0" indent="0">
+              <a:buNone/>
+            </a:pPr>
+            <a:r>
+              <a:rPr lang="en-US" sz="1800" dirty="0">
+                <a:effectLst/>
+                <a:latin typeface="Times New Roman" panose="02020603050405020304" pitchFamily="18" charset="0"/>
+                <a:ea typeface="Times New Roman" panose="02020603050405020304" pitchFamily="18" charset="0"/>
+              </a:rPr>
+              <a:t>This is divided into four components:</a:t>
+            </a:r>
+          </a:p>
+          <a:p>
+            <a:pPr marR="0" indent="0">
+              <a:buNone/>
+            </a:pPr>
+            <a:r>
+              <a:rPr lang="en-US" sz="1800" dirty="0">
+                <a:latin typeface="Times New Roman" panose="02020603050405020304" pitchFamily="18" charset="0"/>
+                <a:ea typeface="Times New Roman" panose="02020603050405020304" pitchFamily="18" charset="0"/>
+              </a:rPr>
+              <a:t>	</a:t>
+            </a:r>
+            <a:r>
+              <a:rPr lang="en-US" sz="1800" dirty="0">
+                <a:effectLst/>
+                <a:latin typeface="Times New Roman" panose="02020603050405020304" pitchFamily="18" charset="0"/>
+                <a:ea typeface="Times New Roman" panose="02020603050405020304" pitchFamily="18" charset="0"/>
+              </a:rPr>
+              <a:t>Ticket Management</a:t>
+            </a:r>
+          </a:p>
+          <a:p>
+            <a:pPr marR="0" indent="0">
+              <a:buNone/>
+            </a:pPr>
+            <a:r>
+              <a:rPr lang="en-US" sz="1800" dirty="0">
+                <a:latin typeface="Times New Roman" panose="02020603050405020304" pitchFamily="18" charset="0"/>
+                <a:ea typeface="Times New Roman" panose="02020603050405020304" pitchFamily="18" charset="0"/>
+              </a:rPr>
+              <a:t>	</a:t>
+            </a:r>
+            <a:r>
+              <a:rPr lang="en-US" sz="1800" dirty="0">
+                <a:effectLst/>
+                <a:latin typeface="Times New Roman" panose="02020603050405020304" pitchFamily="18" charset="0"/>
+                <a:ea typeface="Times New Roman" panose="02020603050405020304" pitchFamily="18" charset="0"/>
+              </a:rPr>
+              <a:t>Client Management	</a:t>
+            </a:r>
+          </a:p>
+          <a:p>
+            <a:pPr marR="0" indent="0">
+              <a:buNone/>
+            </a:pPr>
+            <a:r>
+              <a:rPr lang="en-US" sz="1800" dirty="0">
+                <a:latin typeface="Times New Roman" panose="02020603050405020304" pitchFamily="18" charset="0"/>
+                <a:ea typeface="Times New Roman" panose="02020603050405020304" pitchFamily="18" charset="0"/>
+              </a:rPr>
+              <a:t>	</a:t>
+            </a:r>
+            <a:r>
+              <a:rPr lang="en-US" sz="1800" dirty="0">
+                <a:effectLst/>
+                <a:latin typeface="Times New Roman" panose="02020603050405020304" pitchFamily="18" charset="0"/>
+                <a:ea typeface="Times New Roman" panose="02020603050405020304" pitchFamily="18" charset="0"/>
+              </a:rPr>
+              <a:t>Event Management</a:t>
+            </a:r>
+          </a:p>
+          <a:p>
+            <a:pPr marR="0" indent="0">
+              <a:buNone/>
+            </a:pPr>
+            <a:r>
+              <a:rPr lang="en-US" sz="1800" dirty="0">
+                <a:latin typeface="Times New Roman" panose="02020603050405020304" pitchFamily="18" charset="0"/>
+                <a:ea typeface="Times New Roman" panose="02020603050405020304" pitchFamily="18" charset="0"/>
+              </a:rPr>
+              <a:t>	</a:t>
+            </a:r>
+            <a:r>
+              <a:rPr lang="en-US" sz="1800" dirty="0">
+                <a:effectLst/>
+                <a:latin typeface="Times New Roman" panose="02020603050405020304" pitchFamily="18" charset="0"/>
+                <a:ea typeface="Times New Roman" panose="02020603050405020304" pitchFamily="18" charset="0"/>
+              </a:rPr>
+              <a:t>User Management</a:t>
+            </a:r>
+          </a:p>
+          <a:p>
+            <a:pPr marL="0" indent="0">
+              <a:buNone/>
+            </a:pPr>
+            <a:endParaRPr lang="en-US" dirty="0"/>
+          </a:p>
+        </p:txBody>
+      </p:sp>
+    </p:spTree>
+    <p:extLst>
+      <p:ext uri="{BB962C8B-B14F-4D97-AF65-F5344CB8AC3E}">
+        <p14:creationId xmlns:p14="http://schemas.microsoft.com/office/powerpoint/2010/main" val="3810022819"/>
+      </p:ext>
+    </p:extLst>
+  </p:cSld>
+  <p:clrMapOvr>
+    <a:masterClrMapping/>
+  </p:clrMapOvr>
+</p:sld>
+</file>
+
+<file path=ppt/slides/slide29.xml><?xml version="1.0" encoding="utf-8"?>
+<p:sld xmlns:a="http://schemas.openxmlformats.org/drawingml/2006/main" xmlns:r="http://schemas.openxmlformats.org/officeDocument/2006/relationships" xmlns:p="http://schemas.openxmlformats.org/presentationml/2006/main">
+  <p:cSld>
+    <p:spTree>
+      <p:nvGrpSpPr>
+        <p:cNvPr id="1" name=""/>
+        <p:cNvGrpSpPr/>
+        <p:nvPr/>
+      </p:nvGrpSpPr>
+      <p:grpSpPr>
+        <a:xfrm>
+          <a:off x="0" y="0"/>
+          <a:ext cx="0" cy="0"/>
+          <a:chOff x="0" y="0"/>
+          <a:chExt cx="0" cy="0"/>
+        </a:xfrm>
+      </p:grpSpPr>
+      <p:pic>
+        <p:nvPicPr>
+          <p:cNvPr id="4" name="Picture 3">
+            <a:extLst>
+              <a:ext uri="{FF2B5EF4-FFF2-40B4-BE49-F238E27FC236}">
+                <a16:creationId xmlns:a16="http://schemas.microsoft.com/office/drawing/2014/main" id="{B21C6B88-6106-E584-3F46-DEEA0205C31D}"/>
+              </a:ext>
+            </a:extLst>
+          </p:cNvPr>
+          <p:cNvPicPr>
+            <a:picLocks noChangeAspect="1"/>
+          </p:cNvPicPr>
+          <p:nvPr/>
+        </p:nvPicPr>
+        <p:blipFill>
+          <a:blip r:embed="rId2" cstate="print">
+            <a:extLst>
+              <a:ext uri="{28A0092B-C50C-407E-A947-70E740481C1C}">
+                <a14:useLocalDpi xmlns:a14="http://schemas.microsoft.com/office/drawing/2010/main" val="0"/>
+              </a:ext>
+            </a:extLst>
+          </a:blip>
+          <a:srcRect/>
+          <a:stretch>
+            <a:fillRect/>
+          </a:stretch>
+        </p:blipFill>
+        <p:spPr bwMode="auto">
+          <a:xfrm>
+            <a:off x="382288" y="256349"/>
+            <a:ext cx="5337175" cy="3345180"/>
+          </a:xfrm>
+          <a:prstGeom prst="rect">
+            <a:avLst/>
+          </a:prstGeom>
+          <a:noFill/>
+          <a:ln>
+            <a:noFill/>
+          </a:ln>
+        </p:spPr>
+      </p:pic>
+      <p:pic>
+        <p:nvPicPr>
+          <p:cNvPr id="5" name="Picture 4">
+            <a:extLst>
+              <a:ext uri="{FF2B5EF4-FFF2-40B4-BE49-F238E27FC236}">
+                <a16:creationId xmlns:a16="http://schemas.microsoft.com/office/drawing/2014/main" id="{1AE5C315-7707-DA91-8997-5D7B41DC0613}"/>
+              </a:ext>
+            </a:extLst>
+          </p:cNvPr>
+          <p:cNvPicPr>
+            <a:picLocks noChangeAspect="1"/>
+          </p:cNvPicPr>
+          <p:nvPr/>
+        </p:nvPicPr>
+        <p:blipFill>
+          <a:blip r:embed="rId3" cstate="print">
+            <a:extLst>
+              <a:ext uri="{28A0092B-C50C-407E-A947-70E740481C1C}">
+                <a14:useLocalDpi xmlns:a14="http://schemas.microsoft.com/office/drawing/2010/main" val="0"/>
+              </a:ext>
+            </a:extLst>
+          </a:blip>
+          <a:srcRect/>
+          <a:stretch>
+            <a:fillRect/>
+          </a:stretch>
+        </p:blipFill>
+        <p:spPr bwMode="auto">
+          <a:xfrm>
+            <a:off x="6277155" y="3309165"/>
+            <a:ext cx="5359400" cy="3345180"/>
+          </a:xfrm>
+          <a:prstGeom prst="rect">
+            <a:avLst/>
+          </a:prstGeom>
+          <a:noFill/>
+          <a:ln>
+            <a:noFill/>
+          </a:ln>
+        </p:spPr>
+      </p:pic>
+    </p:spTree>
+    <p:extLst>
+      <p:ext uri="{BB962C8B-B14F-4D97-AF65-F5344CB8AC3E}">
+        <p14:creationId xmlns:p14="http://schemas.microsoft.com/office/powerpoint/2010/main" val="3059566006"/>
+      </p:ext>
+    </p:extLst>
+  </p:cSld>
+  <p:clrMapOvr>
+    <a:masterClrMapping/>
+  </p:clrMapOvr>
+</p:sld>
+</file>
+
+<file path=ppt/slides/slide3.xml><?xml version="1.0" encoding="utf-8"?>
+<p:sld xmlns:a="http://schemas.openxmlformats.org/drawingml/2006/main" xmlns:r="http://schemas.openxmlformats.org/officeDocument/2006/relationships" xmlns:p="http://schemas.openxmlformats.org/presentationml/2006/main">
+  <p:cSld>
+    <p:spTree>
+      <p:nvGrpSpPr>
+        <p:cNvPr id="1" name=""/>
+        <p:cNvGrpSpPr/>
+        <p:nvPr/>
+      </p:nvGrpSpPr>
+      <p:grpSpPr>
+        <a:xfrm>
+          <a:off x="0" y="0"/>
+          <a:ext cx="0" cy="0"/>
+          <a:chOff x="0" y="0"/>
+          <a:chExt cx="0" cy="0"/>
+        </a:xfrm>
+      </p:grpSpPr>
+      <p:sp>
+        <p:nvSpPr>
+          <p:cNvPr id="2" name="Title 1">
+            <a:extLst>
+              <a:ext uri="{FF2B5EF4-FFF2-40B4-BE49-F238E27FC236}">
+                <a16:creationId xmlns:a16="http://schemas.microsoft.com/office/drawing/2014/main" id="{2398C72C-6AD7-4247-886E-7C12FAF995AD}"/>
+              </a:ext>
+            </a:extLst>
+          </p:cNvPr>
+          <p:cNvSpPr>
+            <a:spLocks noGrp="1"/>
+          </p:cNvSpPr>
+          <p:nvPr>
+            <p:ph type="title"/>
+          </p:nvPr>
+        </p:nvSpPr>
+        <p:spPr>
+          <a:xfrm>
+            <a:off x="838200" y="365126"/>
+            <a:ext cx="10515600" cy="1038672"/>
+          </a:xfrm>
+        </p:spPr>
+        <p:txBody>
+          <a:bodyPr/>
+          <a:lstStyle/>
+          <a:p>
+            <a:r>
+              <a:rPr lang="en-US" b="1" u="sng" dirty="0">
+                <a:latin typeface="Times New Roman" panose="02020603050405020304" pitchFamily="18" charset="0"/>
+                <a:cs typeface="Times New Roman" panose="02020603050405020304" pitchFamily="18" charset="0"/>
+              </a:rPr>
+              <a:t>Introduction</a:t>
+            </a:r>
+          </a:p>
+        </p:txBody>
+      </p:sp>
+      <p:sp>
+        <p:nvSpPr>
+          <p:cNvPr id="3" name="Content Placeholder 2">
+            <a:extLst>
+              <a:ext uri="{FF2B5EF4-FFF2-40B4-BE49-F238E27FC236}">
+                <a16:creationId xmlns:a16="http://schemas.microsoft.com/office/drawing/2014/main" id="{4A508B99-36B0-46FC-BAF0-0984DD19747F}"/>
+              </a:ext>
+            </a:extLst>
+          </p:cNvPr>
+          <p:cNvSpPr>
+            <a:spLocks noGrp="1"/>
+          </p:cNvSpPr>
+          <p:nvPr>
+            <p:ph idx="1"/>
+          </p:nvPr>
+        </p:nvSpPr>
+        <p:spPr>
+          <a:xfrm>
+            <a:off x="838200" y="1403798"/>
+            <a:ext cx="10515600" cy="4773165"/>
+          </a:xfrm>
+        </p:spPr>
+        <p:txBody>
+          <a:bodyPr>
+            <a:normAutofit/>
+          </a:bodyPr>
+          <a:lstStyle/>
+          <a:p>
+            <a:pPr marL="0" indent="0" algn="just">
+              <a:lnSpc>
+                <a:spcPct val="100000"/>
+              </a:lnSpc>
+              <a:buNone/>
+            </a:pPr>
+            <a:r>
+              <a:rPr lang="en-US" sz="2000" dirty="0">
+                <a:latin typeface="Times New Roman" panose="02020603050405020304" pitchFamily="18" charset="0"/>
+                <a:cs typeface="Times New Roman" panose="02020603050405020304" pitchFamily="18" charset="0"/>
+              </a:rPr>
+              <a:t>System development often referred to as the application development life cycle, is the architecting of the system via planning, creating, testing, and deploying it as well. </a:t>
+            </a:r>
+          </a:p>
+          <a:p>
+            <a:pPr marL="0" indent="0" algn="just">
+              <a:lnSpc>
+                <a:spcPct val="100000"/>
+              </a:lnSpc>
+              <a:buNone/>
+            </a:pPr>
+            <a:r>
+              <a:rPr lang="en-US" sz="2000" dirty="0">
+                <a:latin typeface="Times New Roman" panose="02020603050405020304" pitchFamily="18" charset="0"/>
+                <a:cs typeface="Times New Roman" panose="02020603050405020304" pitchFamily="18" charset="0"/>
+              </a:rPr>
+              <a:t>In this presentation, we shall discuss our system development process in stage one, as well as the full plan of the system thereof.</a:t>
+            </a:r>
+          </a:p>
+          <a:p>
+            <a:pPr marL="0" indent="0" algn="just">
+              <a:lnSpc>
+                <a:spcPct val="100000"/>
+              </a:lnSpc>
+              <a:buNone/>
+            </a:pPr>
+            <a:endParaRPr lang="en-US" sz="2000" dirty="0">
+              <a:latin typeface="Times New Roman" panose="02020603050405020304" pitchFamily="18" charset="0"/>
+              <a:cs typeface="Times New Roman" panose="02020603050405020304" pitchFamily="18" charset="0"/>
+            </a:endParaRPr>
+          </a:p>
+          <a:p>
+            <a:pPr marL="0" indent="0" algn="just">
+              <a:lnSpc>
+                <a:spcPct val="100000"/>
+              </a:lnSpc>
+              <a:buNone/>
+            </a:pPr>
+            <a:r>
+              <a:rPr lang="en-US" sz="2000" dirty="0">
+                <a:effectLst/>
+                <a:latin typeface="Times New Roman" panose="02020603050405020304" pitchFamily="18" charset="0"/>
+                <a:ea typeface="Calibri" panose="020F0502020204030204" pitchFamily="34" charset="0"/>
+                <a:cs typeface="Times New Roman" panose="02020603050405020304" pitchFamily="18" charset="0"/>
+              </a:rPr>
+              <a:t>This project is accentual in a way that an issue can be posted to the particular department authority immediately, to solve problem, in this case we are preparing this project to reach the student’s requirement in the university. The main agenda of our project is to create a software, ticketing tool, where every individual can either suggest or inform according to their perspective, regarding certain issue, to the officials. </a:t>
+            </a:r>
+          </a:p>
+          <a:p>
+            <a:pPr marL="0" indent="0" algn="just">
+              <a:lnSpc>
+                <a:spcPct val="100000"/>
+              </a:lnSpc>
+              <a:buNone/>
+            </a:pPr>
+            <a:endParaRPr lang="en-US" sz="2000" dirty="0">
+              <a:latin typeface="Times New Roman" panose="02020603050405020304" pitchFamily="18" charset="0"/>
+              <a:cs typeface="Times New Roman" panose="02020603050405020304" pitchFamily="18" charset="0"/>
+            </a:endParaRPr>
+          </a:p>
+        </p:txBody>
+      </p:sp>
+    </p:spTree>
+    <p:extLst>
+      <p:ext uri="{BB962C8B-B14F-4D97-AF65-F5344CB8AC3E}">
+        <p14:creationId xmlns:p14="http://schemas.microsoft.com/office/powerpoint/2010/main" val="683582957"/>
+      </p:ext>
+    </p:extLst>
+  </p:cSld>
+  <p:clrMapOvr>
+    <a:masterClrMapping/>
+  </p:clrMapOvr>
+</p:sld>
+</file>
+
+<file path=ppt/slides/slide30.xml><?xml version="1.0" encoding="utf-8"?>
+<p:sld xmlns:a="http://schemas.openxmlformats.org/drawingml/2006/main" xmlns:r="http://schemas.openxmlformats.org/officeDocument/2006/relationships" xmlns:p="http://schemas.openxmlformats.org/presentationml/2006/main">
+  <p:cSld>
+    <p:spTree>
+      <p:nvGrpSpPr>
+        <p:cNvPr id="1" name=""/>
+        <p:cNvGrpSpPr/>
+        <p:nvPr/>
+      </p:nvGrpSpPr>
+      <p:grpSpPr>
+        <a:xfrm>
+          <a:off x="0" y="0"/>
+          <a:ext cx="0" cy="0"/>
+          <a:chOff x="0" y="0"/>
+          <a:chExt cx="0" cy="0"/>
+        </a:xfrm>
+      </p:grpSpPr>
+      <p:pic>
+        <p:nvPicPr>
+          <p:cNvPr id="2" name="Picture 1">
+            <a:extLst>
+              <a:ext uri="{FF2B5EF4-FFF2-40B4-BE49-F238E27FC236}">
+                <a16:creationId xmlns:a16="http://schemas.microsoft.com/office/drawing/2014/main" id="{5BBFFD31-7BEE-997C-2A9A-01242928C81B}"/>
+              </a:ext>
+            </a:extLst>
+          </p:cNvPr>
+          <p:cNvPicPr>
+            <a:picLocks noChangeAspect="1"/>
+          </p:cNvPicPr>
+          <p:nvPr/>
+        </p:nvPicPr>
+        <p:blipFill>
+          <a:blip r:embed="rId2" cstate="print">
+            <a:extLst>
+              <a:ext uri="{28A0092B-C50C-407E-A947-70E740481C1C}">
+                <a14:useLocalDpi xmlns:a14="http://schemas.microsoft.com/office/drawing/2010/main" val="0"/>
+              </a:ext>
+            </a:extLst>
+          </a:blip>
+          <a:srcRect/>
+          <a:stretch>
+            <a:fillRect/>
+          </a:stretch>
+        </p:blipFill>
+        <p:spPr bwMode="auto">
+          <a:xfrm>
+            <a:off x="6476029" y="213216"/>
+            <a:ext cx="5330190" cy="3345180"/>
+          </a:xfrm>
+          <a:prstGeom prst="rect">
+            <a:avLst/>
+          </a:prstGeom>
+          <a:noFill/>
+          <a:ln>
+            <a:noFill/>
+          </a:ln>
+        </p:spPr>
+      </p:pic>
+      <p:pic>
+        <p:nvPicPr>
+          <p:cNvPr id="3" name="Picture 2">
+            <a:extLst>
+              <a:ext uri="{FF2B5EF4-FFF2-40B4-BE49-F238E27FC236}">
+                <a16:creationId xmlns:a16="http://schemas.microsoft.com/office/drawing/2014/main" id="{73792539-9B03-0596-9DFC-31ECD39D17F5}"/>
+              </a:ext>
+            </a:extLst>
+          </p:cNvPr>
+          <p:cNvPicPr>
+            <a:picLocks noChangeAspect="1"/>
+          </p:cNvPicPr>
+          <p:nvPr/>
+        </p:nvPicPr>
+        <p:blipFill>
+          <a:blip r:embed="rId3" cstate="print">
+            <a:extLst>
+              <a:ext uri="{28A0092B-C50C-407E-A947-70E740481C1C}">
+                <a14:useLocalDpi xmlns:a14="http://schemas.microsoft.com/office/drawing/2010/main" val="0"/>
+              </a:ext>
+            </a:extLst>
+          </a:blip>
+          <a:srcRect/>
+          <a:stretch>
+            <a:fillRect/>
+          </a:stretch>
+        </p:blipFill>
+        <p:spPr bwMode="auto">
+          <a:xfrm>
+            <a:off x="736600" y="2989988"/>
+            <a:ext cx="5359400" cy="3345180"/>
+          </a:xfrm>
+          <a:prstGeom prst="rect">
+            <a:avLst/>
+          </a:prstGeom>
+          <a:noFill/>
+          <a:ln>
+            <a:noFill/>
+          </a:ln>
+        </p:spPr>
+      </p:pic>
+    </p:spTree>
+    <p:extLst>
+      <p:ext uri="{BB962C8B-B14F-4D97-AF65-F5344CB8AC3E}">
+        <p14:creationId xmlns:p14="http://schemas.microsoft.com/office/powerpoint/2010/main" val="989213493"/>
+      </p:ext>
+    </p:extLst>
+  </p:cSld>
+  <p:clrMapOvr>
+    <a:masterClrMapping/>
+  </p:clrMapOvr>
+</p:sld>
+</file>
+
+<file path=ppt/slides/slide31.xml><?xml version="1.0" encoding="utf-8"?>
+<p:sld xmlns:a="http://schemas.openxmlformats.org/drawingml/2006/main" xmlns:r="http://schemas.openxmlformats.org/officeDocument/2006/relationships" xmlns:p="http://schemas.openxmlformats.org/presentationml/2006/main">
+  <p:cSld>
+    <p:spTree>
+      <p:nvGrpSpPr>
+        <p:cNvPr id="1" name=""/>
+        <p:cNvGrpSpPr/>
+        <p:nvPr/>
+      </p:nvGrpSpPr>
+      <p:grpSpPr>
+        <a:xfrm>
+          <a:off x="0" y="0"/>
+          <a:ext cx="0" cy="0"/>
+          <a:chOff x="0" y="0"/>
+          <a:chExt cx="0" cy="0"/>
+        </a:xfrm>
+      </p:grpSpPr>
+      <p:pic>
+        <p:nvPicPr>
+          <p:cNvPr id="2" name="Picture 1">
+            <a:extLst>
+              <a:ext uri="{FF2B5EF4-FFF2-40B4-BE49-F238E27FC236}">
+                <a16:creationId xmlns:a16="http://schemas.microsoft.com/office/drawing/2014/main" id="{B0D4D89A-B850-AA4A-2522-158D70F28E3E}"/>
+              </a:ext>
+            </a:extLst>
+          </p:cNvPr>
+          <p:cNvPicPr>
+            <a:picLocks noChangeAspect="1"/>
+          </p:cNvPicPr>
+          <p:nvPr/>
+        </p:nvPicPr>
+        <p:blipFill>
+          <a:blip r:embed="rId2" cstate="print">
+            <a:extLst>
+              <a:ext uri="{28A0092B-C50C-407E-A947-70E740481C1C}">
+                <a14:useLocalDpi xmlns:a14="http://schemas.microsoft.com/office/drawing/2010/main" val="0"/>
+              </a:ext>
+            </a:extLst>
+          </a:blip>
+          <a:srcRect/>
+          <a:stretch>
+            <a:fillRect/>
+          </a:stretch>
+        </p:blipFill>
+        <p:spPr bwMode="auto">
+          <a:xfrm>
+            <a:off x="496606" y="333052"/>
+            <a:ext cx="5419090" cy="3345180"/>
+          </a:xfrm>
+          <a:prstGeom prst="rect">
+            <a:avLst/>
+          </a:prstGeom>
+          <a:noFill/>
+          <a:ln>
+            <a:noFill/>
+          </a:ln>
+        </p:spPr>
+      </p:pic>
+      <p:pic>
+        <p:nvPicPr>
+          <p:cNvPr id="3" name="Picture 2">
+            <a:extLst>
+              <a:ext uri="{FF2B5EF4-FFF2-40B4-BE49-F238E27FC236}">
+                <a16:creationId xmlns:a16="http://schemas.microsoft.com/office/drawing/2014/main" id="{A3E9CBCC-234D-8A32-03E0-6C49DB093147}"/>
+              </a:ext>
+            </a:extLst>
+          </p:cNvPr>
+          <p:cNvPicPr>
+            <a:picLocks noChangeAspect="1"/>
+          </p:cNvPicPr>
+          <p:nvPr/>
+        </p:nvPicPr>
+        <p:blipFill>
+          <a:blip r:embed="rId3" cstate="print">
+            <a:extLst>
+              <a:ext uri="{28A0092B-C50C-407E-A947-70E740481C1C}">
+                <a14:useLocalDpi xmlns:a14="http://schemas.microsoft.com/office/drawing/2010/main" val="0"/>
+              </a:ext>
+            </a:extLst>
+          </a:blip>
+          <a:srcRect/>
+          <a:stretch>
+            <a:fillRect/>
+          </a:stretch>
+        </p:blipFill>
+        <p:spPr bwMode="auto">
+          <a:xfrm>
+            <a:off x="6246459" y="2998614"/>
+            <a:ext cx="5448935" cy="3345180"/>
+          </a:xfrm>
+          <a:prstGeom prst="rect">
+            <a:avLst/>
+          </a:prstGeom>
+          <a:noFill/>
+          <a:ln>
+            <a:noFill/>
+          </a:ln>
+        </p:spPr>
+      </p:pic>
+    </p:spTree>
+    <p:extLst>
+      <p:ext uri="{BB962C8B-B14F-4D97-AF65-F5344CB8AC3E}">
+        <p14:creationId xmlns:p14="http://schemas.microsoft.com/office/powerpoint/2010/main" val="2446003910"/>
+      </p:ext>
+    </p:extLst>
+  </p:cSld>
+  <p:clrMapOvr>
+    <a:masterClrMapping/>
+  </p:clrMapOvr>
+</p:sld>
+</file>
+
+<file path=ppt/slides/slide32.xml><?xml version="1.0" encoding="utf-8"?>
+<p:sld xmlns:a="http://schemas.openxmlformats.org/drawingml/2006/main" xmlns:r="http://schemas.openxmlformats.org/officeDocument/2006/relationships" xmlns:p="http://schemas.openxmlformats.org/presentationml/2006/main">
+  <p:cSld>
+    <p:spTree>
+      <p:nvGrpSpPr>
+        <p:cNvPr id="1" name=""/>
+        <p:cNvGrpSpPr/>
+        <p:nvPr/>
+      </p:nvGrpSpPr>
+      <p:grpSpPr>
+        <a:xfrm>
+          <a:off x="0" y="0"/>
+          <a:ext cx="0" cy="0"/>
+          <a:chOff x="0" y="0"/>
+          <a:chExt cx="0" cy="0"/>
+        </a:xfrm>
+      </p:grpSpPr>
+      <p:pic>
+        <p:nvPicPr>
+          <p:cNvPr id="2" name="Picture 1">
+            <a:extLst>
+              <a:ext uri="{FF2B5EF4-FFF2-40B4-BE49-F238E27FC236}">
+                <a16:creationId xmlns:a16="http://schemas.microsoft.com/office/drawing/2014/main" id="{EDF74ADB-9A26-75D8-FB23-55561254ADB9}"/>
+              </a:ext>
+            </a:extLst>
+          </p:cNvPr>
+          <p:cNvPicPr>
+            <a:picLocks noChangeAspect="1"/>
+          </p:cNvPicPr>
+          <p:nvPr/>
+        </p:nvPicPr>
+        <p:blipFill>
+          <a:blip r:embed="rId2" cstate="print">
+            <a:extLst>
+              <a:ext uri="{28A0092B-C50C-407E-A947-70E740481C1C}">
+                <a14:useLocalDpi xmlns:a14="http://schemas.microsoft.com/office/drawing/2010/main" val="0"/>
+              </a:ext>
+            </a:extLst>
+          </a:blip>
+          <a:srcRect/>
+          <a:stretch>
+            <a:fillRect/>
+          </a:stretch>
+        </p:blipFill>
+        <p:spPr bwMode="auto">
+          <a:xfrm>
+            <a:off x="469558" y="315798"/>
+            <a:ext cx="5352415" cy="3345180"/>
+          </a:xfrm>
+          <a:prstGeom prst="rect">
+            <a:avLst/>
+          </a:prstGeom>
+          <a:noFill/>
+          <a:ln>
+            <a:noFill/>
+          </a:ln>
+        </p:spPr>
+      </p:pic>
+      <p:pic>
+        <p:nvPicPr>
+          <p:cNvPr id="3" name="Picture 2">
+            <a:extLst>
+              <a:ext uri="{FF2B5EF4-FFF2-40B4-BE49-F238E27FC236}">
+                <a16:creationId xmlns:a16="http://schemas.microsoft.com/office/drawing/2014/main" id="{7596AB98-1EAD-12B1-95D7-E6352448CB20}"/>
+              </a:ext>
+            </a:extLst>
+          </p:cNvPr>
+          <p:cNvPicPr>
+            <a:picLocks noChangeAspect="1"/>
+          </p:cNvPicPr>
+          <p:nvPr/>
+        </p:nvPicPr>
+        <p:blipFill>
+          <a:blip r:embed="rId3" cstate="print">
+            <a:extLst>
+              <a:ext uri="{28A0092B-C50C-407E-A947-70E740481C1C}">
+                <a14:useLocalDpi xmlns:a14="http://schemas.microsoft.com/office/drawing/2010/main" val="0"/>
+              </a:ext>
+            </a:extLst>
+          </a:blip>
+          <a:srcRect/>
+          <a:stretch>
+            <a:fillRect/>
+          </a:stretch>
+        </p:blipFill>
+        <p:spPr bwMode="auto">
+          <a:xfrm>
+            <a:off x="6276460" y="3050372"/>
+            <a:ext cx="5367020" cy="3345180"/>
+          </a:xfrm>
+          <a:prstGeom prst="rect">
+            <a:avLst/>
+          </a:prstGeom>
+          <a:noFill/>
+          <a:ln>
+            <a:noFill/>
+          </a:ln>
+        </p:spPr>
+      </p:pic>
+    </p:spTree>
+    <p:extLst>
+      <p:ext uri="{BB962C8B-B14F-4D97-AF65-F5344CB8AC3E}">
+        <p14:creationId xmlns:p14="http://schemas.microsoft.com/office/powerpoint/2010/main" val="1732413843"/>
       </p:ext>
     </p:extLst>
   </p:cSld>
